--- a/卒業論文/2015/杉山喜彦/中間発表/卒業中間ポスター・杉山.pptx
+++ b/卒業論文/2015/杉山喜彦/中間発表/卒業中間ポスター・杉山.pptx
@@ -146,9 +146,10 @@
               </a:defRPr>
             </a:pPr>
             <a:r>
-              <a:rPr lang="ja-JP" altLang="en-US"/>
-              <a:t>動画　累積</a:t>
-            </a:r>
+              <a:rPr lang="ja-JP" altLang="en-US" dirty="0" smtClean="0"/>
+              <a:t>再生数の累積①</a:t>
+            </a:r>
+            <a:endParaRPr lang="ja-JP" altLang="en-US" dirty="0"/>
           </a:p>
         </c:rich>
       </c:tx>
@@ -274,11 +275,11 @@
           <c:showBubbleSize val="0"/>
         </c:dLbls>
         <c:smooth val="0"/>
-        <c:axId val="249162248"/>
-        <c:axId val="249163424"/>
+        <c:axId val="299131248"/>
+        <c:axId val="341754120"/>
       </c:lineChart>
       <c:catAx>
-        <c:axId val="249162248"/>
+        <c:axId val="299131248"/>
         <c:scaling>
           <c:orientation val="minMax"/>
         </c:scaling>
@@ -321,7 +322,7 @@
             <a:endParaRPr lang="ja-JP"/>
           </a:p>
         </c:txPr>
-        <c:crossAx val="249163424"/>
+        <c:crossAx val="341754120"/>
         <c:crosses val="autoZero"/>
         <c:auto val="1"/>
         <c:lblAlgn val="ctr"/>
@@ -329,7 +330,7 @@
         <c:noMultiLvlLbl val="0"/>
       </c:catAx>
       <c:valAx>
-        <c:axId val="249163424"/>
+        <c:axId val="341754120"/>
         <c:scaling>
           <c:orientation val="minMax"/>
         </c:scaling>
@@ -380,7 +381,7 @@
             <a:endParaRPr lang="ja-JP"/>
           </a:p>
         </c:txPr>
-        <c:crossAx val="249162248"/>
+        <c:crossAx val="299131248"/>
         <c:crosses val="autoZero"/>
         <c:crossBetween val="between"/>
       </c:valAx>
@@ -453,325 +454,10 @@
               </a:defRPr>
             </a:pPr>
             <a:r>
-              <a:rPr lang="ja-JP" altLang="en-US"/>
-              <a:t>動画　時間別</a:t>
-            </a:r>
-          </a:p>
-        </c:rich>
-      </c:tx>
-      <c:layout/>
-      <c:overlay val="0"/>
-      <c:spPr>
-        <a:noFill/>
-        <a:ln>
-          <a:noFill/>
-        </a:ln>
-        <a:effectLst/>
-      </c:spPr>
-      <c:txPr>
-        <a:bodyPr rot="0" spcFirstLastPara="1" vertOverflow="ellipsis" vert="horz" wrap="square" anchor="ctr" anchorCtr="1"/>
-        <a:lstStyle/>
-        <a:p>
-          <a:pPr>
-            <a:defRPr sz="1400" b="0" i="0" u="none" strike="noStrike" kern="1200" spc="0" baseline="0">
-              <a:solidFill>
-                <a:schemeClr val="tx1">
-                  <a:lumMod val="65000"/>
-                  <a:lumOff val="35000"/>
-                </a:schemeClr>
-              </a:solidFill>
-              <a:latin typeface="+mn-lt"/>
-              <a:ea typeface="+mn-ea"/>
-              <a:cs typeface="+mn-cs"/>
-            </a:defRPr>
-          </a:pPr>
-          <a:endParaRPr lang="ja-JP"/>
-        </a:p>
-      </c:txPr>
-    </c:title>
-    <c:autoTitleDeleted val="0"/>
-    <c:plotArea>
-      <c:layout>
-        <c:manualLayout>
-          <c:layoutTarget val="inner"/>
-          <c:xMode val="edge"/>
-          <c:yMode val="edge"/>
-          <c:x val="0.10378400897926077"/>
-          <c:y val="0.17695130171364193"/>
-          <c:w val="0.83709903312353406"/>
-          <c:h val="0.64024823194027747"/>
-        </c:manualLayout>
-      </c:layout>
-      <c:barChart>
-        <c:barDir val="col"/>
-        <c:grouping val="clustered"/>
-        <c:varyColors val="0"/>
-        <c:ser>
-          <c:idx val="0"/>
-          <c:order val="0"/>
-          <c:spPr>
-            <a:solidFill>
-              <a:schemeClr val="accent1"/>
-            </a:solidFill>
-            <a:ln>
-              <a:noFill/>
-            </a:ln>
-            <a:effectLst/>
-          </c:spPr>
-          <c:invertIfNegative val="0"/>
-          <c:cat>
-            <c:numRef>
-              <c:f>Sheet1!$B$4:$H$4</c:f>
-              <c:numCache>
-                <c:formatCode>General</c:formatCode>
-                <c:ptCount val="7"/>
-                <c:pt idx="0">
-                  <c:v>6</c:v>
-                </c:pt>
-                <c:pt idx="1">
-                  <c:v>7</c:v>
-                </c:pt>
-                <c:pt idx="2">
-                  <c:v>8</c:v>
-                </c:pt>
-                <c:pt idx="3">
-                  <c:v>9</c:v>
-                </c:pt>
-                <c:pt idx="4">
-                  <c:v>10</c:v>
-                </c:pt>
-                <c:pt idx="5">
-                  <c:v>11</c:v>
-                </c:pt>
-                <c:pt idx="6">
-                  <c:v>12</c:v>
-                </c:pt>
-              </c:numCache>
-            </c:numRef>
-          </c:cat>
-          <c:val>
-            <c:numRef>
-              <c:f>Sheet1!$B$5:$H$5</c:f>
-              <c:numCache>
-                <c:formatCode>General</c:formatCode>
-                <c:ptCount val="7"/>
-                <c:pt idx="0">
-                  <c:v>37</c:v>
-                </c:pt>
-                <c:pt idx="1">
-                  <c:v>1209</c:v>
-                </c:pt>
-                <c:pt idx="2">
-                  <c:v>2944</c:v>
-                </c:pt>
-                <c:pt idx="3">
-                  <c:v>3827</c:v>
-                </c:pt>
-                <c:pt idx="4">
-                  <c:v>5540</c:v>
-                </c:pt>
-                <c:pt idx="5">
-                  <c:v>6385</c:v>
-                </c:pt>
-                <c:pt idx="6">
-                  <c:v>7234</c:v>
-                </c:pt>
-              </c:numCache>
-            </c:numRef>
-          </c:val>
-        </c:ser>
-        <c:dLbls>
-          <c:showLegendKey val="0"/>
-          <c:showVal val="0"/>
-          <c:showCatName val="0"/>
-          <c:showSerName val="0"/>
-          <c:showPercent val="0"/>
-          <c:showBubbleSize val="0"/>
-        </c:dLbls>
-        <c:gapWidth val="219"/>
-        <c:overlap val="-27"/>
-        <c:axId val="249163032"/>
-        <c:axId val="249159896"/>
-      </c:barChart>
-      <c:catAx>
-        <c:axId val="249163032"/>
-        <c:scaling>
-          <c:orientation val="minMax"/>
-        </c:scaling>
-        <c:delete val="0"/>
-        <c:axPos val="b"/>
-        <c:numFmt formatCode="General" sourceLinked="1"/>
-        <c:majorTickMark val="none"/>
-        <c:minorTickMark val="none"/>
-        <c:tickLblPos val="nextTo"/>
-        <c:spPr>
-          <a:noFill/>
-          <a:ln w="9525" cap="flat" cmpd="sng" algn="ctr">
-            <a:solidFill>
-              <a:schemeClr val="tx1">
-                <a:lumMod val="15000"/>
-                <a:lumOff val="85000"/>
-              </a:schemeClr>
-            </a:solidFill>
-            <a:round/>
-          </a:ln>
-          <a:effectLst/>
-        </c:spPr>
-        <c:txPr>
-          <a:bodyPr rot="-60000000" spcFirstLastPara="1" vertOverflow="ellipsis" vert="horz" wrap="square" anchor="ctr" anchorCtr="1"/>
-          <a:lstStyle/>
-          <a:p>
-            <a:pPr>
-              <a:defRPr sz="900" b="0" i="0" u="none" strike="noStrike" kern="1200" baseline="0">
-                <a:solidFill>
-                  <a:schemeClr val="tx1">
-                    <a:lumMod val="65000"/>
-                    <a:lumOff val="35000"/>
-                  </a:schemeClr>
-                </a:solidFill>
-                <a:latin typeface="+mn-lt"/>
-                <a:ea typeface="+mn-ea"/>
-                <a:cs typeface="+mn-cs"/>
-              </a:defRPr>
-            </a:pPr>
-            <a:endParaRPr lang="ja-JP"/>
-          </a:p>
-        </c:txPr>
-        <c:crossAx val="249159896"/>
-        <c:crosses val="autoZero"/>
-        <c:auto val="1"/>
-        <c:lblAlgn val="ctr"/>
-        <c:lblOffset val="100"/>
-        <c:noMultiLvlLbl val="0"/>
-      </c:catAx>
-      <c:valAx>
-        <c:axId val="249159896"/>
-        <c:scaling>
-          <c:orientation val="minMax"/>
-        </c:scaling>
-        <c:delete val="0"/>
-        <c:axPos val="l"/>
-        <c:majorGridlines>
-          <c:spPr>
-            <a:ln w="9525" cap="flat" cmpd="sng" algn="ctr">
-              <a:solidFill>
-                <a:schemeClr val="tx1">
-                  <a:lumMod val="15000"/>
-                  <a:lumOff val="85000"/>
-                </a:schemeClr>
-              </a:solidFill>
-              <a:round/>
-            </a:ln>
-            <a:effectLst/>
-          </c:spPr>
-        </c:majorGridlines>
-        <c:numFmt formatCode="General" sourceLinked="1"/>
-        <c:majorTickMark val="none"/>
-        <c:minorTickMark val="none"/>
-        <c:tickLblPos val="nextTo"/>
-        <c:spPr>
-          <a:noFill/>
-          <a:ln>
-            <a:noFill/>
-          </a:ln>
-          <a:effectLst/>
-        </c:spPr>
-        <c:txPr>
-          <a:bodyPr rot="-60000000" spcFirstLastPara="1" vertOverflow="ellipsis" vert="horz" wrap="square" anchor="ctr" anchorCtr="1"/>
-          <a:lstStyle/>
-          <a:p>
-            <a:pPr>
-              <a:defRPr sz="900" b="0" i="0" u="none" strike="noStrike" kern="1200" baseline="0">
-                <a:solidFill>
-                  <a:schemeClr val="tx1">
-                    <a:lumMod val="65000"/>
-                    <a:lumOff val="35000"/>
-                  </a:schemeClr>
-                </a:solidFill>
-                <a:latin typeface="+mn-lt"/>
-                <a:ea typeface="+mn-ea"/>
-                <a:cs typeface="+mn-cs"/>
-              </a:defRPr>
-            </a:pPr>
-            <a:endParaRPr lang="ja-JP"/>
-          </a:p>
-        </c:txPr>
-        <c:crossAx val="249163032"/>
-        <c:crosses val="autoZero"/>
-        <c:crossBetween val="between"/>
-      </c:valAx>
-      <c:spPr>
-        <a:noFill/>
-        <a:ln>
-          <a:noFill/>
-        </a:ln>
-        <a:effectLst/>
-      </c:spPr>
-    </c:plotArea>
-    <c:plotVisOnly val="1"/>
-    <c:dispBlanksAs val="gap"/>
-    <c:showDLblsOverMax val="0"/>
-  </c:chart>
-  <c:spPr>
-    <a:noFill/>
-    <a:ln>
-      <a:noFill/>
-    </a:ln>
-    <a:effectLst/>
-  </c:spPr>
-  <c:txPr>
-    <a:bodyPr/>
-    <a:lstStyle/>
-    <a:p>
-      <a:pPr>
-        <a:defRPr/>
-      </a:pPr>
-      <a:endParaRPr lang="ja-JP"/>
-    </a:p>
-  </c:txPr>
-  <c:externalData r:id="rId3">
-    <c:autoUpdate val="0"/>
-  </c:externalData>
-</c:chartSpace>
-</file>
-
-<file path=ppt/charts/chart3.xml><?xml version="1.0" encoding="utf-8"?>
-<c:chartSpace xmlns:c="http://schemas.openxmlformats.org/drawingml/2006/chart" xmlns:a="http://schemas.openxmlformats.org/drawingml/2006/main" xmlns:r="http://schemas.openxmlformats.org/officeDocument/2006/relationships">
-  <c:date1904 val="0"/>
-  <c:lang val="ja-JP"/>
-  <c:roundedCorners val="0"/>
-  <mc:AlternateContent xmlns:mc="http://schemas.openxmlformats.org/markup-compatibility/2006">
-    <mc:Choice xmlns:c14="http://schemas.microsoft.com/office/drawing/2007/8/2/chart" Requires="c14">
-      <c14:style val="102"/>
-    </mc:Choice>
-    <mc:Fallback>
-      <c:style val="2"/>
-    </mc:Fallback>
-  </mc:AlternateContent>
-  <c:chart>
-    <c:title>
-      <c:tx>
-        <c:rich>
-          <a:bodyPr rot="0" spcFirstLastPara="1" vertOverflow="ellipsis" vert="horz" wrap="square" anchor="ctr" anchorCtr="1"/>
-          <a:lstStyle/>
-          <a:p>
-            <a:pPr>
-              <a:defRPr sz="1400" b="0" i="0" u="none" strike="noStrike" kern="1200" spc="0" baseline="0">
-                <a:solidFill>
-                  <a:schemeClr val="tx1">
-                    <a:lumMod val="65000"/>
-                    <a:lumOff val="35000"/>
-                  </a:schemeClr>
-                </a:solidFill>
-                <a:latin typeface="+mn-lt"/>
-                <a:ea typeface="+mn-ea"/>
-                <a:cs typeface="+mn-cs"/>
-              </a:defRPr>
-            </a:pPr>
-            <a:r>
-              <a:rPr lang="ja-JP" altLang="en-US"/>
-              <a:t>ツイート　累積</a:t>
-            </a:r>
+              <a:rPr lang="ja-JP" altLang="en-US" dirty="0" smtClean="0"/>
+              <a:t>ツイート数の累積③</a:t>
+            </a:r>
+            <a:endParaRPr lang="ja-JP" altLang="en-US" dirty="0"/>
           </a:p>
         </c:rich>
       </c:tx>
@@ -897,11 +583,11 @@
           <c:showBubbleSize val="0"/>
         </c:dLbls>
         <c:smooth val="0"/>
-        <c:axId val="249160680"/>
-        <c:axId val="249161072"/>
+        <c:axId val="298135112"/>
+        <c:axId val="298133544"/>
       </c:lineChart>
       <c:catAx>
-        <c:axId val="249160680"/>
+        <c:axId val="298135112"/>
         <c:scaling>
           <c:orientation val="minMax"/>
         </c:scaling>
@@ -944,7 +630,7 @@
             <a:endParaRPr lang="ja-JP"/>
           </a:p>
         </c:txPr>
-        <c:crossAx val="249161072"/>
+        <c:crossAx val="298133544"/>
         <c:crosses val="autoZero"/>
         <c:auto val="1"/>
         <c:lblAlgn val="ctr"/>
@@ -952,7 +638,7 @@
         <c:noMultiLvlLbl val="0"/>
       </c:catAx>
       <c:valAx>
-        <c:axId val="249161072"/>
+        <c:axId val="298133544"/>
         <c:scaling>
           <c:orientation val="minMax"/>
         </c:scaling>
@@ -1003,7 +689,314 @@
             <a:endParaRPr lang="ja-JP"/>
           </a:p>
         </c:txPr>
-        <c:crossAx val="249160680"/>
+        <c:crossAx val="298135112"/>
+        <c:crosses val="autoZero"/>
+        <c:crossBetween val="between"/>
+      </c:valAx>
+      <c:spPr>
+        <a:noFill/>
+        <a:ln>
+          <a:noFill/>
+        </a:ln>
+        <a:effectLst/>
+      </c:spPr>
+    </c:plotArea>
+    <c:plotVisOnly val="1"/>
+    <c:dispBlanksAs val="gap"/>
+    <c:showDLblsOverMax val="0"/>
+  </c:chart>
+  <c:spPr>
+    <a:noFill/>
+    <a:ln>
+      <a:noFill/>
+    </a:ln>
+    <a:effectLst/>
+  </c:spPr>
+  <c:txPr>
+    <a:bodyPr/>
+    <a:lstStyle/>
+    <a:p>
+      <a:pPr>
+        <a:defRPr/>
+      </a:pPr>
+      <a:endParaRPr lang="ja-JP"/>
+    </a:p>
+  </c:txPr>
+  <c:externalData r:id="rId3">
+    <c:autoUpdate val="0"/>
+  </c:externalData>
+</c:chartSpace>
+</file>
+
+<file path=ppt/charts/chart3.xml><?xml version="1.0" encoding="utf-8"?>
+<c:chartSpace xmlns:c="http://schemas.openxmlformats.org/drawingml/2006/chart" xmlns:a="http://schemas.openxmlformats.org/drawingml/2006/main" xmlns:r="http://schemas.openxmlformats.org/officeDocument/2006/relationships">
+  <c:date1904 val="0"/>
+  <c:lang val="ja-JP"/>
+  <c:roundedCorners val="0"/>
+  <mc:AlternateContent xmlns:mc="http://schemas.openxmlformats.org/markup-compatibility/2006">
+    <mc:Choice xmlns:c14="http://schemas.microsoft.com/office/drawing/2007/8/2/chart" Requires="c14">
+      <c14:style val="102"/>
+    </mc:Choice>
+    <mc:Fallback>
+      <c:style val="2"/>
+    </mc:Fallback>
+  </mc:AlternateContent>
+  <c:chart>
+    <c:title>
+      <c:tx>
+        <c:rich>
+          <a:bodyPr rot="0" spcFirstLastPara="1" vertOverflow="ellipsis" vert="horz" wrap="square" anchor="ctr" anchorCtr="1"/>
+          <a:lstStyle/>
+          <a:p>
+            <a:pPr>
+              <a:defRPr sz="1400" b="0" i="0" u="none" strike="noStrike" kern="1200" spc="0" baseline="0">
+                <a:solidFill>
+                  <a:schemeClr val="tx1">
+                    <a:lumMod val="65000"/>
+                    <a:lumOff val="35000"/>
+                  </a:schemeClr>
+                </a:solidFill>
+                <a:latin typeface="+mn-lt"/>
+                <a:ea typeface="+mn-ea"/>
+                <a:cs typeface="+mn-cs"/>
+              </a:defRPr>
+            </a:pPr>
+            <a:r>
+              <a:rPr lang="ja-JP" altLang="en-US" dirty="0" smtClean="0"/>
+              <a:t>再生数の増加②</a:t>
+            </a:r>
+            <a:endParaRPr lang="ja-JP" altLang="en-US" dirty="0"/>
+          </a:p>
+        </c:rich>
+      </c:tx>
+      <c:layout/>
+      <c:overlay val="0"/>
+      <c:spPr>
+        <a:noFill/>
+        <a:ln>
+          <a:noFill/>
+        </a:ln>
+        <a:effectLst/>
+      </c:spPr>
+      <c:txPr>
+        <a:bodyPr rot="0" spcFirstLastPara="1" vertOverflow="ellipsis" vert="horz" wrap="square" anchor="ctr" anchorCtr="1"/>
+        <a:lstStyle/>
+        <a:p>
+          <a:pPr>
+            <a:defRPr sz="1400" b="0" i="0" u="none" strike="noStrike" kern="1200" spc="0" baseline="0">
+              <a:solidFill>
+                <a:schemeClr val="tx1">
+                  <a:lumMod val="65000"/>
+                  <a:lumOff val="35000"/>
+                </a:schemeClr>
+              </a:solidFill>
+              <a:latin typeface="+mn-lt"/>
+              <a:ea typeface="+mn-ea"/>
+              <a:cs typeface="+mn-cs"/>
+            </a:defRPr>
+          </a:pPr>
+          <a:endParaRPr lang="ja-JP"/>
+        </a:p>
+      </c:txPr>
+    </c:title>
+    <c:autoTitleDeleted val="0"/>
+    <c:plotArea>
+      <c:layout/>
+      <c:barChart>
+        <c:barDir val="col"/>
+        <c:grouping val="clustered"/>
+        <c:varyColors val="0"/>
+        <c:ser>
+          <c:idx val="0"/>
+          <c:order val="0"/>
+          <c:spPr>
+            <a:solidFill>
+              <a:schemeClr val="accent1"/>
+            </a:solidFill>
+            <a:ln>
+              <a:noFill/>
+            </a:ln>
+            <a:effectLst/>
+          </c:spPr>
+          <c:invertIfNegative val="0"/>
+          <c:cat>
+            <c:numRef>
+              <c:f>Sheet1!$B$4:$H$4</c:f>
+              <c:numCache>
+                <c:formatCode>General</c:formatCode>
+                <c:ptCount val="7"/>
+                <c:pt idx="0">
+                  <c:v>6</c:v>
+                </c:pt>
+                <c:pt idx="1">
+                  <c:v>7</c:v>
+                </c:pt>
+                <c:pt idx="2">
+                  <c:v>8</c:v>
+                </c:pt>
+                <c:pt idx="3">
+                  <c:v>9</c:v>
+                </c:pt>
+                <c:pt idx="4">
+                  <c:v>10</c:v>
+                </c:pt>
+                <c:pt idx="5">
+                  <c:v>11</c:v>
+                </c:pt>
+                <c:pt idx="6">
+                  <c:v>12</c:v>
+                </c:pt>
+              </c:numCache>
+            </c:numRef>
+          </c:cat>
+          <c:val>
+            <c:numRef>
+              <c:f>Sheet1!$B$5:$H$5</c:f>
+              <c:numCache>
+                <c:formatCode>General</c:formatCode>
+                <c:ptCount val="7"/>
+                <c:pt idx="0">
+                  <c:v>37</c:v>
+                </c:pt>
+                <c:pt idx="1">
+                  <c:v>1209</c:v>
+                </c:pt>
+                <c:pt idx="2">
+                  <c:v>2944</c:v>
+                </c:pt>
+                <c:pt idx="3">
+                  <c:v>3827</c:v>
+                </c:pt>
+                <c:pt idx="4">
+                  <c:v>5540</c:v>
+                </c:pt>
+                <c:pt idx="5">
+                  <c:v>6385</c:v>
+                </c:pt>
+                <c:pt idx="6">
+                  <c:v>7234</c:v>
+                </c:pt>
+              </c:numCache>
+            </c:numRef>
+          </c:val>
+        </c:ser>
+        <c:dLbls>
+          <c:showLegendKey val="0"/>
+          <c:showVal val="0"/>
+          <c:showCatName val="0"/>
+          <c:showSerName val="0"/>
+          <c:showPercent val="0"/>
+          <c:showBubbleSize val="0"/>
+        </c:dLbls>
+        <c:gapWidth val="219"/>
+        <c:overlap val="-27"/>
+        <c:axId val="460118528"/>
+        <c:axId val="460120096"/>
+      </c:barChart>
+      <c:catAx>
+        <c:axId val="460118528"/>
+        <c:scaling>
+          <c:orientation val="minMax"/>
+        </c:scaling>
+        <c:delete val="0"/>
+        <c:axPos val="b"/>
+        <c:numFmt formatCode="General" sourceLinked="1"/>
+        <c:majorTickMark val="none"/>
+        <c:minorTickMark val="none"/>
+        <c:tickLblPos val="nextTo"/>
+        <c:spPr>
+          <a:noFill/>
+          <a:ln w="9525" cap="flat" cmpd="sng" algn="ctr">
+            <a:solidFill>
+              <a:schemeClr val="tx1">
+                <a:lumMod val="15000"/>
+                <a:lumOff val="85000"/>
+              </a:schemeClr>
+            </a:solidFill>
+            <a:round/>
+          </a:ln>
+          <a:effectLst/>
+        </c:spPr>
+        <c:txPr>
+          <a:bodyPr rot="-60000000" spcFirstLastPara="1" vertOverflow="ellipsis" vert="horz" wrap="square" anchor="ctr" anchorCtr="1"/>
+          <a:lstStyle/>
+          <a:p>
+            <a:pPr>
+              <a:defRPr sz="900" b="0" i="0" u="none" strike="noStrike" kern="1200" baseline="0">
+                <a:solidFill>
+                  <a:schemeClr val="tx1">
+                    <a:lumMod val="65000"/>
+                    <a:lumOff val="35000"/>
+                  </a:schemeClr>
+                </a:solidFill>
+                <a:latin typeface="+mn-lt"/>
+                <a:ea typeface="+mn-ea"/>
+                <a:cs typeface="+mn-cs"/>
+              </a:defRPr>
+            </a:pPr>
+            <a:endParaRPr lang="ja-JP"/>
+          </a:p>
+        </c:txPr>
+        <c:crossAx val="460120096"/>
+        <c:crosses val="autoZero"/>
+        <c:auto val="1"/>
+        <c:lblAlgn val="ctr"/>
+        <c:lblOffset val="100"/>
+        <c:noMultiLvlLbl val="0"/>
+      </c:catAx>
+      <c:valAx>
+        <c:axId val="460120096"/>
+        <c:scaling>
+          <c:orientation val="minMax"/>
+        </c:scaling>
+        <c:delete val="0"/>
+        <c:axPos val="l"/>
+        <c:majorGridlines>
+          <c:spPr>
+            <a:ln w="9525" cap="flat" cmpd="sng" algn="ctr">
+              <a:solidFill>
+                <a:schemeClr val="tx1">
+                  <a:lumMod val="15000"/>
+                  <a:lumOff val="85000"/>
+                </a:schemeClr>
+              </a:solidFill>
+              <a:round/>
+            </a:ln>
+            <a:effectLst/>
+          </c:spPr>
+        </c:majorGridlines>
+        <c:numFmt formatCode="General" sourceLinked="1"/>
+        <c:majorTickMark val="none"/>
+        <c:minorTickMark val="none"/>
+        <c:tickLblPos val="nextTo"/>
+        <c:spPr>
+          <a:noFill/>
+          <a:ln>
+            <a:noFill/>
+          </a:ln>
+          <a:effectLst/>
+        </c:spPr>
+        <c:txPr>
+          <a:bodyPr rot="-60000000" spcFirstLastPara="1" vertOverflow="ellipsis" vert="horz" wrap="square" anchor="ctr" anchorCtr="1"/>
+          <a:lstStyle/>
+          <a:p>
+            <a:pPr>
+              <a:defRPr sz="900" b="0" i="0" u="none" strike="noStrike" kern="1200" baseline="0">
+                <a:solidFill>
+                  <a:schemeClr val="tx1">
+                    <a:lumMod val="65000"/>
+                    <a:lumOff val="35000"/>
+                  </a:schemeClr>
+                </a:solidFill>
+                <a:latin typeface="+mn-lt"/>
+                <a:ea typeface="+mn-ea"/>
+                <a:cs typeface="+mn-cs"/>
+              </a:defRPr>
+            </a:pPr>
+            <a:endParaRPr lang="ja-JP"/>
+          </a:p>
+        </c:txPr>
+        <c:crossAx val="460118528"/>
         <c:crosses val="autoZero"/>
         <c:crossBetween val="between"/>
       </c:valAx>
@@ -1076,9 +1069,10 @@
               </a:defRPr>
             </a:pPr>
             <a:r>
-              <a:rPr lang="ja-JP" altLang="en-US"/>
-              <a:t>ツイート　時間別</a:t>
-            </a:r>
+              <a:rPr lang="ja-JP" altLang="en-US" dirty="0" smtClean="0"/>
+              <a:t>ツイート数の増加④</a:t>
+            </a:r>
+            <a:endParaRPr lang="ja-JP" altLang="en-US" dirty="0"/>
           </a:p>
         </c:rich>
       </c:tx>
@@ -1114,17 +1108,7 @@
     </c:title>
     <c:autoTitleDeleted val="0"/>
     <c:plotArea>
-      <c:layout>
-        <c:manualLayout>
-          <c:layoutTarget val="inner"/>
-          <c:xMode val="edge"/>
-          <c:yMode val="edge"/>
-          <c:x val="9.5367115451844967E-2"/>
-          <c:y val="0.24829926829110219"/>
-          <c:w val="0.87158195401843508"/>
-          <c:h val="0.57886339921665886"/>
-        </c:manualLayout>
-      </c:layout>
+      <c:layout/>
       <c:barChart>
         <c:barDir val="col"/>
         <c:grouping val="clustered"/>
@@ -1213,11 +1197,11 @@
         </c:dLbls>
         <c:gapWidth val="219"/>
         <c:overlap val="-27"/>
-        <c:axId val="299329208"/>
-        <c:axId val="299331952"/>
+        <c:axId val="341756080"/>
+        <c:axId val="341757648"/>
       </c:barChart>
       <c:catAx>
-        <c:axId val="299329208"/>
+        <c:axId val="341756080"/>
         <c:scaling>
           <c:orientation val="minMax"/>
         </c:scaling>
@@ -1260,7 +1244,7 @@
             <a:endParaRPr lang="ja-JP"/>
           </a:p>
         </c:txPr>
-        <c:crossAx val="299331952"/>
+        <c:crossAx val="341757648"/>
         <c:crosses val="autoZero"/>
         <c:auto val="1"/>
         <c:lblAlgn val="ctr"/>
@@ -1268,7 +1252,7 @@
         <c:noMultiLvlLbl val="0"/>
       </c:catAx>
       <c:valAx>
-        <c:axId val="299331952"/>
+        <c:axId val="341757648"/>
         <c:scaling>
           <c:orientation val="minMax"/>
         </c:scaling>
@@ -1319,7 +1303,7 @@
             <a:endParaRPr lang="ja-JP"/>
           </a:p>
         </c:txPr>
-        <c:crossAx val="299329208"/>
+        <c:crossAx val="341756080"/>
         <c:crosses val="autoZero"/>
         <c:crossBetween val="between"/>
       </c:valAx>
@@ -2035,7 +2019,7 @@
 </file>
 
 <file path=ppt/charts/style2.xml><?xml version="1.0" encoding="utf-8"?>
-<cs:chartStyle xmlns:cs="http://schemas.microsoft.com/office/drawing/2012/chartStyle" xmlns:a="http://schemas.openxmlformats.org/drawingml/2006/main" id="201">
+<cs:chartStyle xmlns:cs="http://schemas.microsoft.com/office/drawing/2012/chartStyle" xmlns:a="http://schemas.openxmlformats.org/drawingml/2006/main" id="227">
   <cs:axisTitle>
     <cs:lnRef idx="0"/>
     <cs:fillRef idx="0"/>
@@ -2143,6 +2127,11 @@
     <cs:fontRef idx="minor">
       <a:schemeClr val="tx1"/>
     </cs:fontRef>
+    <cs:spPr>
+      <a:solidFill>
+        <a:schemeClr val="phClr"/>
+      </a:solidFill>
+    </cs:spPr>
   </cs:dataPoint>
   <cs:dataPoint3D>
     <cs:lnRef idx="0"/>
@@ -2153,6 +2142,11 @@
     <cs:fontRef idx="minor">
       <a:schemeClr val="tx1"/>
     </cs:fontRef>
+    <cs:spPr>
+      <a:solidFill>
+        <a:schemeClr val="phClr"/>
+      </a:solidFill>
+    </cs:spPr>
   </cs:dataPoint3D>
   <cs:dataPointLine>
     <cs:lnRef idx="0">
@@ -2184,6 +2178,9 @@
       <a:schemeClr val="tx1"/>
     </cs:fontRef>
     <cs:spPr>
+      <a:solidFill>
+        <a:schemeClr val="phClr"/>
+      </a:solidFill>
       <a:ln w="9525">
         <a:solidFill>
           <a:schemeClr val="phClr"/>
@@ -2538,7 +2535,7 @@
 </file>
 
 <file path=ppt/charts/style3.xml><?xml version="1.0" encoding="utf-8"?>
-<cs:chartStyle xmlns:cs="http://schemas.microsoft.com/office/drawing/2012/chartStyle" xmlns:a="http://schemas.openxmlformats.org/drawingml/2006/main" id="227">
+<cs:chartStyle xmlns:cs="http://schemas.microsoft.com/office/drawing/2012/chartStyle" xmlns:a="http://schemas.openxmlformats.org/drawingml/2006/main" id="201">
   <cs:axisTitle>
     <cs:lnRef idx="0"/>
     <cs:fillRef idx="0"/>
@@ -2646,11 +2643,6 @@
     <cs:fontRef idx="minor">
       <a:schemeClr val="tx1"/>
     </cs:fontRef>
-    <cs:spPr>
-      <a:solidFill>
-        <a:schemeClr val="phClr"/>
-      </a:solidFill>
-    </cs:spPr>
   </cs:dataPoint>
   <cs:dataPoint3D>
     <cs:lnRef idx="0"/>
@@ -2661,11 +2653,6 @@
     <cs:fontRef idx="minor">
       <a:schemeClr val="tx1"/>
     </cs:fontRef>
-    <cs:spPr>
-      <a:solidFill>
-        <a:schemeClr val="phClr"/>
-      </a:solidFill>
-    </cs:spPr>
   </cs:dataPoint3D>
   <cs:dataPointLine>
     <cs:lnRef idx="0">
@@ -2697,9 +2684,6 @@
       <a:schemeClr val="tx1"/>
     </cs:fontRef>
     <cs:spPr>
-      <a:solidFill>
-        <a:schemeClr val="phClr"/>
-      </a:solidFill>
       <a:ln w="9525">
         <a:solidFill>
           <a:schemeClr val="phClr"/>
@@ -3741,7 +3725,7 @@
           <a:p>
             <a:fld id="{FF7A58FD-EF7A-4BF1-AE4A-3BD5BDDA2978}" type="datetimeFigureOut">
               <a:rPr kumimoji="1" lang="ja-JP" altLang="en-US" smtClean="0"/>
-              <a:t>2016/10/7</a:t>
+              <a:t>2016/10/11</a:t>
             </a:fld>
             <a:endParaRPr kumimoji="1" lang="ja-JP" altLang="en-US"/>
           </a:p>
@@ -3955,7 +3939,7 @@
           <a:p>
             <a:fld id="{FF7A58FD-EF7A-4BF1-AE4A-3BD5BDDA2978}" type="datetimeFigureOut">
               <a:rPr kumimoji="1" lang="ja-JP" altLang="en-US" smtClean="0"/>
-              <a:t>2016/10/7</a:t>
+              <a:t>2016/10/11</a:t>
             </a:fld>
             <a:endParaRPr kumimoji="1" lang="ja-JP" altLang="en-US"/>
           </a:p>
@@ -4179,7 +4163,7 @@
           <a:p>
             <a:fld id="{FF7A58FD-EF7A-4BF1-AE4A-3BD5BDDA2978}" type="datetimeFigureOut">
               <a:rPr kumimoji="1" lang="ja-JP" altLang="en-US" smtClean="0"/>
-              <a:t>2016/10/7</a:t>
+              <a:t>2016/10/11</a:t>
             </a:fld>
             <a:endParaRPr kumimoji="1" lang="ja-JP" altLang="en-US"/>
           </a:p>
@@ -4393,7 +4377,7 @@
           <a:p>
             <a:fld id="{FF7A58FD-EF7A-4BF1-AE4A-3BD5BDDA2978}" type="datetimeFigureOut">
               <a:rPr kumimoji="1" lang="ja-JP" altLang="en-US" smtClean="0"/>
-              <a:t>2016/10/7</a:t>
+              <a:t>2016/10/11</a:t>
             </a:fld>
             <a:endParaRPr kumimoji="1" lang="ja-JP" altLang="en-US"/>
           </a:p>
@@ -4651,7 +4635,7 @@
           <a:p>
             <a:fld id="{FF7A58FD-EF7A-4BF1-AE4A-3BD5BDDA2978}" type="datetimeFigureOut">
               <a:rPr kumimoji="1" lang="ja-JP" altLang="en-US" smtClean="0"/>
-              <a:t>2016/10/7</a:t>
+              <a:t>2016/10/11</a:t>
             </a:fld>
             <a:endParaRPr kumimoji="1" lang="ja-JP" altLang="en-US"/>
           </a:p>
@@ -5015,7 +4999,7 @@
           <a:p>
             <a:fld id="{FF7A58FD-EF7A-4BF1-AE4A-3BD5BDDA2978}" type="datetimeFigureOut">
               <a:rPr kumimoji="1" lang="ja-JP" altLang="en-US" smtClean="0"/>
-              <a:t>2016/10/7</a:t>
+              <a:t>2016/10/11</a:t>
             </a:fld>
             <a:endParaRPr kumimoji="1" lang="ja-JP" altLang="en-US"/>
           </a:p>
@@ -5513,7 +5497,7 @@
           <a:p>
             <a:fld id="{FF7A58FD-EF7A-4BF1-AE4A-3BD5BDDA2978}" type="datetimeFigureOut">
               <a:rPr kumimoji="1" lang="ja-JP" altLang="en-US" smtClean="0"/>
-              <a:t>2016/10/7</a:t>
+              <a:t>2016/10/11</a:t>
             </a:fld>
             <a:endParaRPr kumimoji="1" lang="ja-JP" altLang="en-US"/>
           </a:p>
@@ -5643,7 +5627,7 @@
           <a:p>
             <a:fld id="{FF7A58FD-EF7A-4BF1-AE4A-3BD5BDDA2978}" type="datetimeFigureOut">
               <a:rPr kumimoji="1" lang="ja-JP" altLang="en-US" smtClean="0"/>
-              <a:t>2016/10/7</a:t>
+              <a:t>2016/10/11</a:t>
             </a:fld>
             <a:endParaRPr kumimoji="1" lang="ja-JP" altLang="en-US"/>
           </a:p>
@@ -5750,7 +5734,7 @@
           <a:p>
             <a:fld id="{FF7A58FD-EF7A-4BF1-AE4A-3BD5BDDA2978}" type="datetimeFigureOut">
               <a:rPr kumimoji="1" lang="ja-JP" altLang="en-US" smtClean="0"/>
-              <a:t>2016/10/7</a:t>
+              <a:t>2016/10/11</a:t>
             </a:fld>
             <a:endParaRPr kumimoji="1" lang="ja-JP" altLang="en-US"/>
           </a:p>
@@ -6071,7 +6055,7 @@
           <a:p>
             <a:fld id="{FF7A58FD-EF7A-4BF1-AE4A-3BD5BDDA2978}" type="datetimeFigureOut">
               <a:rPr kumimoji="1" lang="ja-JP" altLang="en-US" smtClean="0"/>
-              <a:t>2016/10/7</a:t>
+              <a:t>2016/10/11</a:t>
             </a:fld>
             <a:endParaRPr kumimoji="1" lang="ja-JP" altLang="en-US"/>
           </a:p>
@@ -6342,7 +6326,7 @@
           <a:p>
             <a:fld id="{FF7A58FD-EF7A-4BF1-AE4A-3BD5BDDA2978}" type="datetimeFigureOut">
               <a:rPr kumimoji="1" lang="ja-JP" altLang="en-US" smtClean="0"/>
-              <a:t>2016/10/7</a:t>
+              <a:t>2016/10/11</a:t>
             </a:fld>
             <a:endParaRPr kumimoji="1" lang="ja-JP" altLang="en-US"/>
           </a:p>
@@ -6647,7 +6631,7 @@
           <a:p>
             <a:fld id="{FF7A58FD-EF7A-4BF1-AE4A-3BD5BDDA2978}" type="datetimeFigureOut">
               <a:rPr kumimoji="1" lang="ja-JP" altLang="en-US" smtClean="0"/>
-              <a:t>2016/10/7</a:t>
+              <a:t>2016/10/11</a:t>
             </a:fld>
             <a:endParaRPr kumimoji="1" lang="ja-JP" altLang="en-US"/>
           </a:p>
@@ -7264,8 +7248,8 @@
               <a:t>動画のカテゴリ合算毎時総合ランキングの順位と</a:t>
             </a:r>
             <a:r>
-              <a:rPr lang="en-US" altLang="ja-JP" sz="7200" dirty="0"/>
-              <a:t>Twiiter</a:t>
+              <a:rPr lang="en-US" altLang="ja-JP" sz="7200" dirty="0" smtClean="0"/>
+              <a:t>Twitter</a:t>
             </a:r>
             <a:r>
               <a:rPr lang="ja-JP" altLang="en-US" sz="7200" dirty="0"/>
@@ -7347,14 +7331,14 @@
       </p:sp>
       <p:sp>
         <p:nvSpPr>
-          <p:cNvPr id="4" name="正方形/長方形 3"/>
+          <p:cNvPr id="32" name="正方形/長方形 31"/>
           <p:cNvSpPr/>
           <p:nvPr/>
         </p:nvSpPr>
         <p:spPr>
           <a:xfrm>
-            <a:off x="778202" y="4344541"/>
-            <a:ext cx="19490997" cy="3817142"/>
+            <a:off x="778319" y="4345320"/>
+            <a:ext cx="19493891" cy="10814035"/>
           </a:xfrm>
           <a:prstGeom prst="rect">
             <a:avLst/>
@@ -7380,20 +7364,20 @@
           </a:bodyPr>
           <a:lstStyle/>
           <a:p>
-            <a:endParaRPr lang="ja-JP" altLang="en-US" dirty="0" smtClean="0"/>
+            <a:endParaRPr lang="ja-JP" altLang="en-US" sz="5801" dirty="0"/>
           </a:p>
         </p:txBody>
       </p:sp>
       <p:sp>
         <p:nvSpPr>
-          <p:cNvPr id="6" name="角丸四角形 5"/>
+          <p:cNvPr id="33" name="角丸四角形 32"/>
           <p:cNvSpPr/>
           <p:nvPr/>
         </p:nvSpPr>
         <p:spPr>
           <a:xfrm>
-            <a:off x="1491264" y="3124567"/>
-            <a:ext cx="2978408" cy="1219973"/>
+            <a:off x="1491486" y="3125165"/>
+            <a:ext cx="2978850" cy="1220154"/>
           </a:xfrm>
           <a:prstGeom prst="roundRect">
             <a:avLst/>
@@ -7422,23 +7406,22 @@
           <a:p>
             <a:pPr algn="ctr"/>
             <a:r>
-              <a:rPr kumimoji="1" lang="ja-JP" altLang="en-US" dirty="0" smtClean="0"/>
+              <a:rPr lang="ja-JP" altLang="en-US" sz="5801" dirty="0"/>
               <a:t>背景</a:t>
             </a:r>
-            <a:endParaRPr kumimoji="1" lang="ja-JP" altLang="en-US" dirty="0"/>
           </a:p>
         </p:txBody>
       </p:sp>
       <p:sp>
         <p:nvSpPr>
-          <p:cNvPr id="21" name="正方形/長方形 20"/>
+          <p:cNvPr id="41" name="正方形/長方形 40"/>
           <p:cNvSpPr/>
           <p:nvPr/>
         </p:nvSpPr>
         <p:spPr>
           <a:xfrm>
-            <a:off x="778203" y="9725712"/>
-            <a:ext cx="19431002" cy="1474500"/>
+            <a:off x="778319" y="16694795"/>
+            <a:ext cx="8428248" cy="2089355"/>
           </a:xfrm>
           <a:prstGeom prst="rect">
             <a:avLst/>
@@ -7463,15 +7446,15 @@
           <a:lstStyle/>
           <a:p>
             <a:r>
-              <a:rPr lang="ja-JP" altLang="en-US" dirty="0"/>
+              <a:rPr lang="ja-JP" altLang="en-US" sz="4000" dirty="0"/>
               <a:t>ニコニコ動画のカテゴリ合算毎時総合ランキングの順位と</a:t>
             </a:r>
             <a:r>
-              <a:rPr lang="en-US" altLang="ja-JP" dirty="0"/>
-              <a:t>Twiiter</a:t>
-            </a:r>
-            <a:r>
-              <a:rPr lang="ja-JP" altLang="en-US" dirty="0"/>
+              <a:rPr lang="en-US" altLang="ja-JP" sz="4000" dirty="0" smtClean="0"/>
+              <a:t>Twitter</a:t>
+            </a:r>
+            <a:r>
+              <a:rPr lang="ja-JP" altLang="en-US" sz="4000" dirty="0"/>
               <a:t>のツイート数との相関性があるかを調べる．</a:t>
             </a:r>
           </a:p>
@@ -7479,14 +7462,14 @@
       </p:sp>
       <p:sp>
         <p:nvSpPr>
-          <p:cNvPr id="22" name="角丸四角形 21"/>
+          <p:cNvPr id="42" name="角丸四角形 41"/>
           <p:cNvSpPr/>
           <p:nvPr/>
         </p:nvSpPr>
         <p:spPr>
           <a:xfrm>
-            <a:off x="1487034" y="8505739"/>
-            <a:ext cx="2978408" cy="1219973"/>
+            <a:off x="973806" y="15458977"/>
+            <a:ext cx="2978850" cy="1220154"/>
           </a:xfrm>
           <a:prstGeom prst="roundRect">
             <a:avLst/>
@@ -7515,23 +7498,124 @@
           <a:p>
             <a:pPr algn="ctr"/>
             <a:r>
-              <a:rPr lang="ja-JP" altLang="en-US" dirty="0"/>
+              <a:rPr lang="ja-JP" altLang="en-US" sz="5801" dirty="0"/>
               <a:t>目的</a:t>
             </a:r>
-            <a:endParaRPr kumimoji="1" lang="ja-JP" altLang="en-US" dirty="0"/>
           </a:p>
         </p:txBody>
       </p:sp>
       <p:sp>
         <p:nvSpPr>
-          <p:cNvPr id="25" name="角丸四角形 24"/>
+          <p:cNvPr id="43" name="正方形/長方形 42"/>
           <p:cNvSpPr/>
           <p:nvPr/>
         </p:nvSpPr>
         <p:spPr>
           <a:xfrm>
-            <a:off x="1499727" y="11376908"/>
-            <a:ext cx="3249338" cy="1219973"/>
+            <a:off x="778320" y="20319590"/>
+            <a:ext cx="9700737" cy="9119100"/>
+          </a:xfrm>
+          <a:prstGeom prst="rect">
+            <a:avLst/>
+          </a:prstGeom>
+        </p:spPr>
+        <p:style>
+          <a:lnRef idx="2">
+            <a:schemeClr val="accent1"/>
+          </a:lnRef>
+          <a:fillRef idx="1">
+            <a:schemeClr val="lt1"/>
+          </a:fillRef>
+          <a:effectRef idx="0">
+            <a:schemeClr val="accent1"/>
+          </a:effectRef>
+          <a:fontRef idx="minor">
+            <a:schemeClr val="dk1"/>
+          </a:fontRef>
+        </p:style>
+        <p:txBody>
+          <a:bodyPr rtlCol="0" anchor="t" anchorCtr="0"/>
+          <a:lstStyle/>
+          <a:p>
+            <a:endParaRPr lang="en-US" altLang="ja-JP" sz="5801" dirty="0"/>
+          </a:p>
+        </p:txBody>
+      </p:sp>
+      <p:sp>
+        <p:nvSpPr>
+          <p:cNvPr id="44" name="正方形/長方形 43"/>
+          <p:cNvSpPr/>
+          <p:nvPr/>
+        </p:nvSpPr>
+        <p:spPr>
+          <a:xfrm>
+            <a:off x="10955781" y="16569581"/>
+            <a:ext cx="9316428" cy="3087899"/>
+          </a:xfrm>
+          <a:prstGeom prst="rect">
+            <a:avLst/>
+          </a:prstGeom>
+        </p:spPr>
+        <p:style>
+          <a:lnRef idx="2">
+            <a:schemeClr val="accent1"/>
+          </a:lnRef>
+          <a:fillRef idx="1">
+            <a:schemeClr val="lt1"/>
+          </a:fillRef>
+          <a:effectRef idx="0">
+            <a:schemeClr val="accent1"/>
+          </a:effectRef>
+          <a:fontRef idx="minor">
+            <a:schemeClr val="dk1"/>
+          </a:fontRef>
+        </p:style>
+        <p:txBody>
+          <a:bodyPr rtlCol="0" anchor="t" anchorCtr="0"/>
+          <a:lstStyle/>
+          <a:p>
+            <a:r>
+              <a:rPr lang="ja-JP" altLang="en-US" sz="4000" dirty="0"/>
+              <a:t>ニコニコ動画のカテゴリ合算毎時総合ランキングから</a:t>
+            </a:r>
+            <a:r>
+              <a:rPr lang="en-US" altLang="ja-JP" sz="4000" dirty="0"/>
+              <a:t>1</a:t>
+            </a:r>
+            <a:r>
+              <a:rPr lang="ja-JP" altLang="en-US" sz="4000" dirty="0"/>
+              <a:t>時間毎の再生数を記録することができた．</a:t>
+            </a:r>
+            <a:r>
+              <a:rPr lang="en-US" altLang="ja-JP" sz="4000" dirty="0"/>
+              <a:t>Twitter</a:t>
+            </a:r>
+            <a:r>
+              <a:rPr lang="ja-JP" altLang="en-US" sz="4000" dirty="0"/>
+              <a:t>のツイート数を収集する</a:t>
+            </a:r>
+            <a:r>
+              <a:rPr lang="en-US" altLang="ja-JP" sz="4000" dirty="0"/>
+              <a:t>API</a:t>
+            </a:r>
+            <a:r>
+              <a:rPr lang="ja-JP" altLang="en-US" sz="4000" dirty="0"/>
+              <a:t>が使用できるかを確認し，データを収集する．</a:t>
+            </a:r>
+            <a:endParaRPr lang="en-US" altLang="ja-JP" sz="4000" dirty="0"/>
+          </a:p>
+        </p:txBody>
+      </p:sp>
+      <p:sp>
+        <p:nvSpPr>
+          <p:cNvPr id="45" name="角丸四角形 44"/>
+          <p:cNvSpPr/>
+          <p:nvPr/>
+        </p:nvSpPr>
+        <p:spPr>
+          <a:xfrm>
+            <a:off x="10955781" y="15518769"/>
+            <a:ext cx="5969642" cy="1029013"/>
           </a:xfrm>
           <a:prstGeom prst="roundRect">
             <a:avLst/>
@@ -7560,23 +7644,22 @@
           <a:p>
             <a:pPr algn="ctr"/>
             <a:r>
-              <a:rPr lang="ja-JP" altLang="en-US" dirty="0" smtClean="0"/>
-              <a:t>研究方法</a:t>
-            </a:r>
-            <a:endParaRPr kumimoji="1" lang="ja-JP" altLang="en-US" dirty="0"/>
+              <a:rPr lang="ja-JP" altLang="en-US" sz="5801" dirty="0"/>
+              <a:t>現在の進歩状況</a:t>
+            </a:r>
           </a:p>
         </p:txBody>
       </p:sp>
       <p:sp>
         <p:nvSpPr>
-          <p:cNvPr id="24" name="正方形/長方形 23"/>
+          <p:cNvPr id="46" name="正方形/長方形 45"/>
           <p:cNvSpPr/>
           <p:nvPr/>
         </p:nvSpPr>
         <p:spPr>
           <a:xfrm>
-            <a:off x="778203" y="12612754"/>
-            <a:ext cx="9699297" cy="16821433"/>
+            <a:off x="10979022" y="21053507"/>
+            <a:ext cx="9407088" cy="8385184"/>
           </a:xfrm>
           <a:prstGeom prst="rect">
             <a:avLst/>
@@ -7600,85 +7683,96 @@
           <a:bodyPr rtlCol="0" anchor="t" anchorCtr="0"/>
           <a:lstStyle/>
           <a:p>
-            <a:endParaRPr lang="en-US" altLang="ja-JP" dirty="0"/>
+            <a:pPr marL="914491" indent="-914491">
+              <a:buFont typeface="+mj-lt"/>
+              <a:buAutoNum type="arabicPeriod"/>
+            </a:pPr>
+            <a:r>
+              <a:rPr lang="ja-JP" altLang="en-US" sz="4000" dirty="0"/>
+              <a:t>ニコニコ動画のランキングの</a:t>
+            </a:r>
+            <a:r>
+              <a:rPr lang="en-US" altLang="ja-JP" sz="4000" dirty="0"/>
+              <a:t>101</a:t>
+            </a:r>
+            <a:r>
+              <a:rPr lang="ja-JP" altLang="en-US" sz="4000" dirty="0"/>
+              <a:t>位以下のデータを取ることができるかを確認する．</a:t>
+            </a:r>
+            <a:endParaRPr lang="en-US" altLang="ja-JP" sz="4000" dirty="0"/>
+          </a:p>
+          <a:p>
+            <a:pPr marL="914491" indent="-914491">
+              <a:buFont typeface="+mj-lt"/>
+              <a:buAutoNum type="arabicPeriod"/>
+            </a:pPr>
+            <a:r>
+              <a:rPr lang="en-US" altLang="ja-JP" sz="4000" dirty="0" smtClean="0"/>
+              <a:t>Twitter</a:t>
+            </a:r>
+            <a:r>
+              <a:rPr lang="ja-JP" altLang="en-US" sz="4000" dirty="0"/>
+              <a:t>のツイート数を収集する</a:t>
+            </a:r>
+            <a:r>
+              <a:rPr lang="en-US" altLang="ja-JP" sz="4000" dirty="0"/>
+              <a:t>API</a:t>
+            </a:r>
+            <a:r>
+              <a:rPr lang="ja-JP" altLang="en-US" sz="4000" dirty="0"/>
+              <a:t>の使用ができるかを確認する．</a:t>
+            </a:r>
+            <a:endParaRPr lang="en-US" altLang="ja-JP" sz="4000" dirty="0"/>
+          </a:p>
+          <a:p>
+            <a:pPr marL="914491" indent="-914491">
+              <a:buFont typeface="+mj-lt"/>
+              <a:buAutoNum type="arabicPeriod"/>
+            </a:pPr>
+            <a:r>
+              <a:rPr lang="ja-JP" altLang="en-US" sz="4000" dirty="0"/>
+              <a:t>データの収集を行い①，②，③，④の４種類のグラフをそれぞれ</a:t>
+            </a:r>
+            <a:r>
+              <a:rPr lang="en-US" altLang="ja-JP" sz="4000" dirty="0"/>
+              <a:t>100</a:t>
+            </a:r>
+            <a:r>
+              <a:rPr lang="ja-JP" altLang="en-US" sz="4000" dirty="0"/>
+              <a:t>以上作成して比較を行う．</a:t>
+            </a:r>
+            <a:endParaRPr lang="en-US" altLang="ja-JP" sz="4000" dirty="0"/>
+          </a:p>
+          <a:p>
+            <a:pPr marL="914491" indent="-914491">
+              <a:buFont typeface="+mj-lt"/>
+              <a:buAutoNum type="arabicPeriod"/>
+            </a:pPr>
+            <a:r>
+              <a:rPr lang="ja-JP" altLang="en-US" sz="4000" dirty="0"/>
+              <a:t>この分析結果からニコニコ動画のランキングの順位と</a:t>
+            </a:r>
+            <a:r>
+              <a:rPr lang="en-US" altLang="ja-JP" sz="4000" dirty="0" smtClean="0"/>
+              <a:t>Twitter</a:t>
+            </a:r>
+            <a:r>
+              <a:rPr lang="ja-JP" altLang="en-US" sz="4000" dirty="0"/>
+              <a:t>のツイート数との間に，相関性があるかないかを判断する．</a:t>
+            </a:r>
           </a:p>
         </p:txBody>
       </p:sp>
       <p:sp>
         <p:nvSpPr>
-          <p:cNvPr id="26" name="正方形/長方形 25"/>
+          <p:cNvPr id="47" name="角丸四角形 46"/>
           <p:cNvSpPr/>
           <p:nvPr/>
         </p:nvSpPr>
         <p:spPr>
           <a:xfrm>
-            <a:off x="10894160" y="12653302"/>
-            <a:ext cx="9315045" cy="4546177"/>
-          </a:xfrm>
-          <a:prstGeom prst="rect">
-            <a:avLst/>
-          </a:prstGeom>
-        </p:spPr>
-        <p:style>
-          <a:lnRef idx="2">
-            <a:schemeClr val="accent1"/>
-          </a:lnRef>
-          <a:fillRef idx="1">
-            <a:schemeClr val="lt1"/>
-          </a:fillRef>
-          <a:effectRef idx="0">
-            <a:schemeClr val="accent1"/>
-          </a:effectRef>
-          <a:fontRef idx="minor">
-            <a:schemeClr val="dk1"/>
-          </a:fontRef>
-        </p:style>
-        <p:txBody>
-          <a:bodyPr rtlCol="0" anchor="t" anchorCtr="0"/>
-          <a:lstStyle/>
-          <a:p>
-            <a:r>
-              <a:rPr lang="ja-JP" altLang="en-US" dirty="0"/>
-              <a:t>ニコニコ動画のカテゴリ合算毎時総合ランキングから</a:t>
-            </a:r>
-            <a:r>
-              <a:rPr lang="en-US" altLang="ja-JP" dirty="0"/>
-              <a:t>1</a:t>
-            </a:r>
-            <a:r>
-              <a:rPr lang="ja-JP" altLang="en-US" dirty="0"/>
-              <a:t>時間毎の再生数を記録することができた．</a:t>
-            </a:r>
-            <a:r>
-              <a:rPr lang="en-US" altLang="ja-JP" dirty="0" smtClean="0"/>
-              <a:t>Twitter</a:t>
-            </a:r>
-            <a:r>
-              <a:rPr lang="ja-JP" altLang="en-US" dirty="0"/>
-              <a:t>のツイート数を収集する</a:t>
-            </a:r>
-            <a:r>
-              <a:rPr lang="en-US" altLang="ja-JP" dirty="0"/>
-              <a:t>API</a:t>
-            </a:r>
-            <a:r>
-              <a:rPr lang="ja-JP" altLang="en-US" dirty="0"/>
-              <a:t>が使用できるかを確認し，データを収集する．</a:t>
-            </a:r>
-            <a:endParaRPr lang="en-US" altLang="ja-JP" dirty="0"/>
-          </a:p>
-        </p:txBody>
-      </p:sp>
-      <p:sp>
-        <p:nvSpPr>
-          <p:cNvPr id="27" name="角丸四角形 26"/>
-          <p:cNvSpPr/>
-          <p:nvPr/>
-        </p:nvSpPr>
-        <p:spPr>
-          <a:xfrm>
-            <a:off x="10894160" y="11602647"/>
-            <a:ext cx="5968756" cy="1028860"/>
+            <a:off x="10979022" y="19833353"/>
+            <a:ext cx="4603878" cy="1220154"/>
           </a:xfrm>
           <a:prstGeom prst="roundRect">
             <a:avLst/>
@@ -7707,176 +7801,171 @@
           <a:p>
             <a:pPr algn="ctr"/>
             <a:r>
-              <a:rPr lang="ja-JP" altLang="en-US" dirty="0"/>
-              <a:t>現在</a:t>
-            </a:r>
-            <a:r>
-              <a:rPr lang="ja-JP" altLang="en-US" dirty="0" smtClean="0"/>
-              <a:t>の進歩状況</a:t>
-            </a:r>
-            <a:endParaRPr kumimoji="1" lang="ja-JP" altLang="en-US" dirty="0"/>
+              <a:rPr lang="ja-JP" altLang="en-US" sz="5801" dirty="0"/>
+              <a:t>今後の計画</a:t>
+            </a:r>
           </a:p>
         </p:txBody>
       </p:sp>
       <p:sp>
         <p:nvSpPr>
-          <p:cNvPr id="28" name="正方形/長方形 27"/>
+          <p:cNvPr id="48" name="角丸四角形 47"/>
           <p:cNvSpPr/>
           <p:nvPr/>
         </p:nvSpPr>
         <p:spPr>
           <a:xfrm>
-            <a:off x="10977391" y="19004713"/>
-            <a:ext cx="9405691" cy="10429474"/>
+            <a:off x="880960" y="20506339"/>
+            <a:ext cx="4340010" cy="2409248"/>
           </a:xfrm>
-          <a:prstGeom prst="rect">
+          <a:prstGeom prst="roundRect">
             <a:avLst/>
           </a:prstGeom>
         </p:spPr>
         <p:style>
           <a:lnRef idx="2">
-            <a:schemeClr val="accent1"/>
+            <a:schemeClr val="accent3"/>
           </a:lnRef>
           <a:fillRef idx="1">
             <a:schemeClr val="lt1"/>
           </a:fillRef>
           <a:effectRef idx="0">
-            <a:schemeClr val="accent1"/>
+            <a:schemeClr val="accent3"/>
           </a:effectRef>
           <a:fontRef idx="minor">
             <a:schemeClr val="dk1"/>
           </a:fontRef>
         </p:style>
         <p:txBody>
-          <a:bodyPr rtlCol="0" anchor="t" anchorCtr="0"/>
+          <a:bodyPr rtlCol="0" anchor="ctr"/>
           <a:lstStyle/>
           <a:p>
-            <a:pPr marL="914400" indent="-914400">
-              <a:buFont typeface="+mj-lt"/>
-              <a:buAutoNum type="arabicPeriod"/>
-            </a:pPr>
-            <a:r>
-              <a:rPr lang="ja-JP" altLang="en-US" dirty="0"/>
-              <a:t>ニコニコ動画</a:t>
-            </a:r>
-            <a:r>
-              <a:rPr lang="ja-JP" altLang="en-US" dirty="0" smtClean="0"/>
-              <a:t>のランキング</a:t>
-            </a:r>
-            <a:r>
-              <a:rPr lang="ja-JP" altLang="en-US" dirty="0"/>
-              <a:t>の</a:t>
-            </a:r>
-            <a:r>
-              <a:rPr lang="en-US" altLang="ja-JP" dirty="0"/>
-              <a:t>101</a:t>
-            </a:r>
-            <a:r>
-              <a:rPr lang="ja-JP" altLang="en-US" dirty="0"/>
-              <a:t>位以下のデータを取ることができるかを確認する</a:t>
-            </a:r>
-            <a:r>
-              <a:rPr lang="ja-JP" altLang="en-US" dirty="0" smtClean="0"/>
-              <a:t>．</a:t>
-            </a:r>
-            <a:endParaRPr lang="en-US" altLang="ja-JP" dirty="0" smtClean="0"/>
-          </a:p>
-          <a:p>
-            <a:pPr marL="914400" indent="-914400">
-              <a:buFont typeface="+mj-lt"/>
-              <a:buAutoNum type="arabicPeriod"/>
-            </a:pPr>
-            <a:r>
-              <a:rPr lang="en-US" altLang="ja-JP" dirty="0" smtClean="0"/>
-              <a:t>Twiiter</a:t>
-            </a:r>
-            <a:r>
-              <a:rPr lang="ja-JP" altLang="en-US" dirty="0"/>
-              <a:t>のツイート数を収集する</a:t>
-            </a:r>
-            <a:r>
-              <a:rPr lang="en-US" altLang="ja-JP" dirty="0"/>
-              <a:t>API</a:t>
-            </a:r>
-            <a:r>
-              <a:rPr lang="ja-JP" altLang="en-US" dirty="0"/>
-              <a:t>の使用ができるかを確認する</a:t>
-            </a:r>
-            <a:r>
-              <a:rPr lang="ja-JP" altLang="en-US" dirty="0" smtClean="0"/>
-              <a:t>．</a:t>
-            </a:r>
-            <a:endParaRPr lang="en-US" altLang="ja-JP" dirty="0" smtClean="0"/>
-          </a:p>
-          <a:p>
-            <a:pPr marL="914400" indent="-914400">
-              <a:buFont typeface="+mj-lt"/>
-              <a:buAutoNum type="arabicPeriod"/>
-            </a:pPr>
-            <a:r>
-              <a:rPr lang="ja-JP" altLang="en-US" dirty="0" smtClean="0"/>
-              <a:t>データ</a:t>
-            </a:r>
-            <a:r>
-              <a:rPr lang="ja-JP" altLang="en-US" dirty="0"/>
-              <a:t>の収集を行い①，②，③，④の４種類のグラフをそれぞれ</a:t>
-            </a:r>
-            <a:r>
-              <a:rPr lang="en-US" altLang="ja-JP" dirty="0"/>
+            <a:r>
+              <a:rPr lang="ja-JP" altLang="en-US" sz="3600" dirty="0"/>
+              <a:t>ニコニコ動画のランキングの</a:t>
+            </a:r>
+            <a:r>
+              <a:rPr lang="en-US" altLang="ja-JP" sz="3600" dirty="0"/>
+              <a:t>1</a:t>
+            </a:r>
+            <a:r>
+              <a:rPr lang="ja-JP" altLang="en-US" sz="3600" dirty="0"/>
+              <a:t>位から</a:t>
+            </a:r>
+            <a:r>
+              <a:rPr lang="en-US" altLang="ja-JP" sz="3600" dirty="0"/>
               <a:t>100</a:t>
             </a:r>
             <a:r>
-              <a:rPr lang="ja-JP" altLang="en-US" dirty="0"/>
-              <a:t>以上作成して比較を行う</a:t>
-            </a:r>
-            <a:r>
-              <a:rPr lang="ja-JP" altLang="en-US" dirty="0" smtClean="0"/>
-              <a:t>．</a:t>
-            </a:r>
-            <a:endParaRPr lang="en-US" altLang="ja-JP" dirty="0" smtClean="0"/>
-          </a:p>
-          <a:p>
-            <a:pPr marL="914400" indent="-914400">
-              <a:buFont typeface="+mj-lt"/>
-              <a:buAutoNum type="arabicPeriod"/>
-            </a:pPr>
-            <a:r>
-              <a:rPr lang="ja-JP" altLang="en-US" dirty="0" smtClean="0"/>
-              <a:t>この</a:t>
-            </a:r>
-            <a:r>
-              <a:rPr lang="ja-JP" altLang="en-US" dirty="0"/>
-              <a:t>分析結果からニコニコ動画</a:t>
-            </a:r>
-            <a:r>
-              <a:rPr lang="ja-JP" altLang="en-US" dirty="0" smtClean="0"/>
-              <a:t>のランキング</a:t>
-            </a:r>
-            <a:r>
-              <a:rPr lang="ja-JP" altLang="en-US" dirty="0"/>
-              <a:t>の順位と</a:t>
-            </a:r>
-            <a:r>
-              <a:rPr lang="en-US" altLang="ja-JP" dirty="0"/>
-              <a:t>Twiiter</a:t>
-            </a:r>
-            <a:r>
-              <a:rPr lang="ja-JP" altLang="en-US" dirty="0"/>
-              <a:t>のツイート数との間に，相関性があるかないかを判断する．</a:t>
+              <a:rPr lang="ja-JP" altLang="en-US" sz="3600" dirty="0"/>
+              <a:t>位までの動画の再生数を抜き出す</a:t>
             </a:r>
           </a:p>
         </p:txBody>
       </p:sp>
       <p:sp>
         <p:nvSpPr>
-          <p:cNvPr id="29" name="角丸四角形 28"/>
+          <p:cNvPr id="51" name="角丸四角形 50"/>
           <p:cNvSpPr/>
           <p:nvPr/>
         </p:nvSpPr>
         <p:spPr>
           <a:xfrm>
-            <a:off x="10977391" y="17766884"/>
-            <a:ext cx="3905497" cy="1219973"/>
+            <a:off x="5546536" y="20506339"/>
+            <a:ext cx="4561856" cy="2420594"/>
+          </a:xfrm>
+          <a:prstGeom prst="roundRect">
+            <a:avLst/>
+          </a:prstGeom>
+        </p:spPr>
+        <p:style>
+          <a:lnRef idx="2">
+            <a:schemeClr val="accent3"/>
+          </a:lnRef>
+          <a:fillRef idx="1">
+            <a:schemeClr val="lt1"/>
+          </a:fillRef>
+          <a:effectRef idx="0">
+            <a:schemeClr val="accent3"/>
+          </a:effectRef>
+          <a:fontRef idx="minor">
+            <a:schemeClr val="dk1"/>
+          </a:fontRef>
+        </p:style>
+        <p:txBody>
+          <a:bodyPr rtlCol="0" anchor="ctr"/>
+          <a:lstStyle/>
+          <a:p>
+            <a:r>
+              <a:rPr lang="en-US" altLang="ja-JP" sz="3600" dirty="0" smtClean="0"/>
+              <a:t>Twitter</a:t>
+            </a:r>
+            <a:r>
+              <a:rPr lang="ja-JP" altLang="en-US" sz="3600" dirty="0"/>
+              <a:t>で動画の名前をツイート検索し，１時間毎にツイート数を抜き出す</a:t>
+            </a:r>
+          </a:p>
+        </p:txBody>
+      </p:sp>
+      <p:sp>
+        <p:nvSpPr>
+          <p:cNvPr id="52" name="角丸四角形 51"/>
+          <p:cNvSpPr/>
+          <p:nvPr/>
+        </p:nvSpPr>
+        <p:spPr>
+          <a:xfrm>
+            <a:off x="1028341" y="27409356"/>
+            <a:ext cx="9239310" cy="1806732"/>
+          </a:xfrm>
+          <a:prstGeom prst="roundRect">
+            <a:avLst/>
+          </a:prstGeom>
+        </p:spPr>
+        <p:style>
+          <a:lnRef idx="2">
+            <a:schemeClr val="accent3"/>
+          </a:lnRef>
+          <a:fillRef idx="1">
+            <a:schemeClr val="lt1"/>
+          </a:fillRef>
+          <a:effectRef idx="0">
+            <a:schemeClr val="accent3"/>
+          </a:effectRef>
+          <a:fontRef idx="minor">
+            <a:schemeClr val="dk1"/>
+          </a:fontRef>
+        </p:style>
+        <p:txBody>
+          <a:bodyPr rtlCol="0" anchor="ctr"/>
+          <a:lstStyle/>
+          <a:p>
+            <a:r>
+              <a:rPr lang="ja-JP" altLang="en-US" sz="3600" dirty="0"/>
+              <a:t>ニコニコ動画のランキングと</a:t>
+            </a:r>
+            <a:r>
+              <a:rPr lang="en-US" altLang="ja-JP" sz="3600" dirty="0" smtClean="0"/>
+              <a:t>Twitter</a:t>
+            </a:r>
+            <a:r>
+              <a:rPr lang="ja-JP" altLang="en-US" sz="3600" dirty="0"/>
+              <a:t>のツイート数との相関性があるか</a:t>
+            </a:r>
+            <a:endParaRPr lang="en-US" altLang="ja-JP" sz="3600" dirty="0"/>
+          </a:p>
+        </p:txBody>
+      </p:sp>
+      <p:sp>
+        <p:nvSpPr>
+          <p:cNvPr id="55" name="角丸四角形 54"/>
+          <p:cNvSpPr/>
+          <p:nvPr/>
+        </p:nvSpPr>
+        <p:spPr>
+          <a:xfrm>
+            <a:off x="889690" y="19079333"/>
+            <a:ext cx="3249820" cy="1220154"/>
           </a:xfrm>
           <a:prstGeom prst="roundRect">
             <a:avLst/>
@@ -7905,29 +7994,24 @@
           <a:p>
             <a:pPr algn="ctr"/>
             <a:r>
-              <a:rPr lang="ja-JP" altLang="en-US" dirty="0"/>
-              <a:t>今後</a:t>
-            </a:r>
-            <a:r>
-              <a:rPr lang="ja-JP" altLang="en-US" dirty="0" smtClean="0"/>
-              <a:t>の計画</a:t>
-            </a:r>
-            <a:endParaRPr kumimoji="1" lang="ja-JP" altLang="en-US" dirty="0"/>
+              <a:rPr lang="ja-JP" altLang="en-US" sz="5801" dirty="0"/>
+              <a:t>研究方法</a:t>
+            </a:r>
           </a:p>
         </p:txBody>
       </p:sp>
       <p:sp>
         <p:nvSpPr>
-          <p:cNvPr id="5" name="円/楕円 4"/>
+          <p:cNvPr id="57" name="角丸四角形 56"/>
           <p:cNvSpPr/>
           <p:nvPr/>
         </p:nvSpPr>
         <p:spPr>
           <a:xfrm>
-            <a:off x="8062127" y="5285344"/>
-            <a:ext cx="5602761" cy="1923512"/>
+            <a:off x="1028341" y="7645211"/>
+            <a:ext cx="19070380" cy="1356467"/>
           </a:xfrm>
-          <a:prstGeom prst="ellipse">
+          <a:prstGeom prst="roundRect">
             <a:avLst/>
           </a:prstGeom>
         </p:spPr>
@@ -7946,28 +8030,76 @@
           </a:fontRef>
         </p:style>
         <p:txBody>
-          <a:bodyPr rtlCol="0" anchor="ctr"/>
+          <a:bodyPr rot="0" spcFirstLastPara="0" vertOverflow="overflow" horzOverflow="overflow" vert="horz" wrap="square" lIns="91454" tIns="45727" rIns="91454" bIns="45727" numCol="1" spcCol="0" rtlCol="0" fromWordArt="0" anchor="t" anchorCtr="0" forceAA="0" compatLnSpc="1">
+            <a:prstTxWarp prst="textNoShape">
+              <a:avLst/>
+            </a:prstTxWarp>
+            <a:noAutofit/>
+          </a:bodyPr>
           <a:lstStyle/>
           <a:p>
-            <a:pPr algn="ctr"/>
-            <a:r>
-              <a:rPr lang="ja-JP" altLang="en-US" dirty="0" smtClean="0"/>
-              <a:t>ランキングを上げるため</a:t>
-            </a:r>
-            <a:endParaRPr kumimoji="1" lang="ja-JP" altLang="en-US" dirty="0"/>
+            <a:r>
+              <a:rPr lang="ja-JP" altLang="en-US" sz="4000" dirty="0" smtClean="0"/>
+              <a:t>ランキング</a:t>
+            </a:r>
+            <a:r>
+              <a:rPr lang="ja-JP" altLang="en-US" sz="4000" dirty="0"/>
+              <a:t>を上げるために投稿者が動画の説明欄</a:t>
+            </a:r>
+            <a:r>
+              <a:rPr lang="ja-JP" altLang="en-US" sz="4000" dirty="0" smtClean="0"/>
+              <a:t>に</a:t>
+            </a:r>
+            <a:r>
+              <a:rPr lang="ja-JP" altLang="en-US" sz="4000" dirty="0"/>
+              <a:t>自身</a:t>
+            </a:r>
+            <a:r>
+              <a:rPr lang="ja-JP" altLang="en-US" sz="4000" dirty="0" smtClean="0"/>
+              <a:t>の</a:t>
+            </a:r>
+            <a:r>
+              <a:rPr lang="en-US" altLang="ja-JP" sz="4000" dirty="0"/>
+              <a:t>Twitter </a:t>
+            </a:r>
+            <a:r>
+              <a:rPr lang="ja-JP" altLang="en-US" sz="4000" dirty="0" smtClean="0"/>
+              <a:t>のユーザー名</a:t>
+            </a:r>
+            <a:r>
+              <a:rPr lang="ja-JP" altLang="en-US" sz="4000" dirty="0"/>
+              <a:t>を</a:t>
+            </a:r>
+            <a:r>
+              <a:rPr lang="ja-JP" altLang="en-US" sz="4000" dirty="0" smtClean="0"/>
+              <a:t>貼</a:t>
+            </a:r>
+            <a:r>
+              <a:rPr lang="ja-JP" altLang="en-US" sz="4000" dirty="0" smtClean="0"/>
+              <a:t>っ</a:t>
+            </a:r>
+            <a:r>
+              <a:rPr lang="ja-JP" altLang="en-US" sz="4000" dirty="0" smtClean="0"/>
+              <a:t>て</a:t>
+            </a:r>
+            <a:r>
+              <a:rPr lang="ja-JP" altLang="en-US" sz="4000" dirty="0"/>
+              <a:t>いた．</a:t>
+            </a:r>
+            <a:endParaRPr lang="en-US" altLang="ja-JP" sz="4000" dirty="0"/>
           </a:p>
         </p:txBody>
       </p:sp>
       <p:sp>
         <p:nvSpPr>
-          <p:cNvPr id="7" name="角丸四角形 6"/>
+          <p:cNvPr id="10" name="角丸四角形 9"/>
           <p:cNvSpPr/>
           <p:nvPr/>
         </p:nvSpPr>
         <p:spPr>
           <a:xfrm>
-            <a:off x="1028188" y="4459992"/>
-            <a:ext cx="5715000" cy="3517745"/>
+            <a:off x="1028341" y="11358989"/>
+            <a:ext cx="9271383" cy="3332268"/>
           </a:xfrm>
           <a:prstGeom prst="roundRect">
             <a:avLst/>
@@ -7991,27 +8123,250 @@
           <a:bodyPr rtlCol="0" anchor="ctr"/>
           <a:lstStyle/>
           <a:p>
-            <a:pPr algn="ctr"/>
-            <a:r>
-              <a:rPr lang="ja-JP" altLang="en-US" dirty="0" smtClean="0"/>
-              <a:t>動画</a:t>
-            </a:r>
-            <a:r>
-              <a:rPr lang="ja-JP" altLang="en-US" dirty="0"/>
-              <a:t>の説明欄に投稿者の</a:t>
-            </a:r>
-            <a:r>
-              <a:rPr lang="en-US" altLang="ja-JP" dirty="0"/>
-              <a:t>Twiiter</a:t>
-            </a:r>
-            <a:r>
-              <a:rPr lang="ja-JP" altLang="en-US" dirty="0"/>
-              <a:t>へ行くことができるリンクが貼られていた</a:t>
-            </a:r>
-            <a:endParaRPr kumimoji="1" lang="ja-JP" altLang="en-US" dirty="0"/>
+            <a:r>
+              <a:rPr lang="ja-JP" altLang="en-US" sz="4000" dirty="0" smtClean="0"/>
+              <a:t>そこ</a:t>
+            </a:r>
+            <a:r>
+              <a:rPr lang="ja-JP" altLang="en-US" sz="4000" dirty="0"/>
+              <a:t>で私はニコニコ</a:t>
+            </a:r>
+            <a:r>
+              <a:rPr lang="ja-JP" altLang="en-US" sz="4000" dirty="0" smtClean="0"/>
+              <a:t>動画の</a:t>
+            </a:r>
+            <a:r>
+              <a:rPr lang="ja-JP" altLang="en-US" sz="4000" dirty="0"/>
+              <a:t>カテゴリ合算毎時総合ランキングと</a:t>
+            </a:r>
+            <a:r>
+              <a:rPr lang="en-US" altLang="ja-JP" sz="4000" dirty="0" smtClean="0"/>
+              <a:t>Twitter </a:t>
+            </a:r>
+            <a:r>
+              <a:rPr lang="ja-JP" altLang="en-US" sz="4000" dirty="0"/>
+              <a:t>の</a:t>
+            </a:r>
+            <a:r>
+              <a:rPr lang="ja-JP" altLang="en-US" sz="4000" dirty="0" smtClean="0"/>
+              <a:t>ツイート数</a:t>
+            </a:r>
+            <a:r>
+              <a:rPr lang="ja-JP" altLang="en-US" sz="4000" dirty="0"/>
+              <a:t>には相関性があると考えた．</a:t>
+            </a:r>
+            <a:endParaRPr kumimoji="1" lang="ja-JP" altLang="en-US" sz="4000" dirty="0"/>
           </a:p>
         </p:txBody>
       </p:sp>
+      <p:pic>
+        <p:nvPicPr>
+          <p:cNvPr id="4" name="図 3"/>
+          <p:cNvPicPr>
+            <a:picLocks noChangeAspect="1"/>
+          </p:cNvPicPr>
+          <p:nvPr/>
+        </p:nvPicPr>
+        <p:blipFill>
+          <a:blip r:embed="rId2">
+            <a:extLst>
+              <a:ext uri="{28A0092B-C50C-407E-A947-70E740481C1C}">
+                <a14:useLocalDpi xmlns:a14="http://schemas.microsoft.com/office/drawing/2010/main" val="0"/>
+              </a:ext>
+            </a:extLst>
+          </a:blip>
+          <a:stretch>
+            <a:fillRect/>
+          </a:stretch>
+        </p:blipFill>
+        <p:spPr>
+          <a:xfrm>
+            <a:off x="10629170" y="9111652"/>
+            <a:ext cx="9469551" cy="5927151"/>
+          </a:xfrm>
+          <a:prstGeom prst="rect">
+            <a:avLst/>
+          </a:prstGeom>
+        </p:spPr>
+      </p:pic>
+      <p:cxnSp>
+        <p:nvCxnSpPr>
+          <p:cNvPr id="6" name="直線矢印コネクタ 5"/>
+          <p:cNvCxnSpPr/>
+          <p:nvPr/>
+        </p:nvCxnSpPr>
+        <p:spPr>
+          <a:xfrm>
+            <a:off x="9729261" y="9924520"/>
+            <a:ext cx="1957137" cy="0"/>
+          </a:xfrm>
+          <a:prstGeom prst="straightConnector1">
+            <a:avLst/>
+          </a:prstGeom>
+          <a:ln>
+            <a:tailEnd type="triangle"/>
+          </a:ln>
+        </p:spPr>
+        <p:style>
+          <a:lnRef idx="2">
+            <a:schemeClr val="accent1"/>
+          </a:lnRef>
+          <a:fillRef idx="0">
+            <a:schemeClr val="accent1"/>
+          </a:fillRef>
+          <a:effectRef idx="1">
+            <a:schemeClr val="accent1"/>
+          </a:effectRef>
+          <a:fontRef idx="minor">
+            <a:schemeClr val="tx1"/>
+          </a:fontRef>
+        </p:style>
+      </p:cxnSp>
+      <p:sp>
+        <p:nvSpPr>
+          <p:cNvPr id="7" name="角丸四角形 6"/>
+          <p:cNvSpPr/>
+          <p:nvPr/>
+        </p:nvSpPr>
+        <p:spPr>
+          <a:xfrm>
+            <a:off x="2463231" y="9517772"/>
+            <a:ext cx="7214661" cy="958179"/>
+          </a:xfrm>
+          <a:prstGeom prst="roundRect">
+            <a:avLst/>
+          </a:prstGeom>
+          <a:solidFill>
+            <a:schemeClr val="bg1"/>
+          </a:solidFill>
+          <a:ln>
+            <a:solidFill>
+              <a:schemeClr val="bg1"/>
+            </a:solidFill>
+          </a:ln>
+        </p:spPr>
+        <p:style>
+          <a:lnRef idx="2">
+            <a:schemeClr val="accent3"/>
+          </a:lnRef>
+          <a:fillRef idx="1">
+            <a:schemeClr val="lt1"/>
+          </a:fillRef>
+          <a:effectRef idx="0">
+            <a:schemeClr val="accent3"/>
+          </a:effectRef>
+          <a:fontRef idx="minor">
+            <a:schemeClr val="dk1"/>
+          </a:fontRef>
+        </p:style>
+        <p:txBody>
+          <a:bodyPr rtlCol="0" anchor="t" anchorCtr="0"/>
+          <a:lstStyle/>
+          <a:p>
+            <a:r>
+              <a:rPr kumimoji="1" lang="ja-JP" altLang="en-US" sz="4000" dirty="0" smtClean="0"/>
+              <a:t>この欄にユーザー名があります．</a:t>
+            </a:r>
+            <a:endParaRPr kumimoji="1" lang="ja-JP" altLang="en-US" sz="4000" dirty="0"/>
+          </a:p>
+        </p:txBody>
+      </p:sp>
+      <p:graphicFrame>
+        <p:nvGraphicFramePr>
+          <p:cNvPr id="30" name="グラフ 29"/>
+          <p:cNvGraphicFramePr>
+            <a:graphicFrameLocks/>
+          </p:cNvGraphicFramePr>
+          <p:nvPr>
+            <p:extLst>
+              <p:ext uri="{D42A27DB-BD31-4B8C-83A1-F6EECF244321}">
+                <p14:modId xmlns:p14="http://schemas.microsoft.com/office/powerpoint/2010/main" val="1565314243"/>
+              </p:ext>
+            </p:extLst>
+          </p:nvPr>
+        </p:nvGraphicFramePr>
+        <p:xfrm>
+          <a:off x="1673558" y="23034979"/>
+          <a:ext cx="3296920" cy="1746931"/>
+        </p:xfrm>
+        <a:graphic>
+          <a:graphicData uri="http://schemas.openxmlformats.org/drawingml/2006/chart">
+            <c:chart xmlns:c="http://schemas.openxmlformats.org/drawingml/2006/chart" xmlns:r="http://schemas.openxmlformats.org/officeDocument/2006/relationships" r:id="rId3"/>
+          </a:graphicData>
+        </a:graphic>
+      </p:graphicFrame>
+      <p:graphicFrame>
+        <p:nvGraphicFramePr>
+          <p:cNvPr id="31" name="グラフ 30"/>
+          <p:cNvGraphicFramePr>
+            <a:graphicFrameLocks/>
+          </p:cNvGraphicFramePr>
+          <p:nvPr>
+            <p:extLst>
+              <p:ext uri="{D42A27DB-BD31-4B8C-83A1-F6EECF244321}">
+                <p14:modId xmlns:p14="http://schemas.microsoft.com/office/powerpoint/2010/main" val="4024226742"/>
+              </p:ext>
+            </p:extLst>
+          </p:nvPr>
+        </p:nvGraphicFramePr>
+        <p:xfrm>
+          <a:off x="6207885" y="23165092"/>
+          <a:ext cx="3303822" cy="1662540"/>
+        </p:xfrm>
+        <a:graphic>
+          <a:graphicData uri="http://schemas.openxmlformats.org/drawingml/2006/chart">
+            <c:chart xmlns:c="http://schemas.openxmlformats.org/drawingml/2006/chart" xmlns:r="http://schemas.openxmlformats.org/officeDocument/2006/relationships" r:id="rId4"/>
+          </a:graphicData>
+        </a:graphic>
+      </p:graphicFrame>
+      <p:graphicFrame>
+        <p:nvGraphicFramePr>
+          <p:cNvPr id="34" name="グラフ 33"/>
+          <p:cNvGraphicFramePr>
+            <a:graphicFrameLocks/>
+          </p:cNvGraphicFramePr>
+          <p:nvPr>
+            <p:extLst>
+              <p:ext uri="{D42A27DB-BD31-4B8C-83A1-F6EECF244321}">
+                <p14:modId xmlns:p14="http://schemas.microsoft.com/office/powerpoint/2010/main" val="1564339221"/>
+              </p:ext>
+            </p:extLst>
+          </p:nvPr>
+        </p:nvGraphicFramePr>
+        <p:xfrm>
+          <a:off x="1686251" y="25222802"/>
+          <a:ext cx="3547412" cy="1828197"/>
+        </p:xfrm>
+        <a:graphic>
+          <a:graphicData uri="http://schemas.openxmlformats.org/drawingml/2006/chart">
+            <c:chart xmlns:c="http://schemas.openxmlformats.org/drawingml/2006/chart" xmlns:r="http://schemas.openxmlformats.org/officeDocument/2006/relationships" r:id="rId5"/>
+          </a:graphicData>
+        </a:graphic>
+      </p:graphicFrame>
+      <p:graphicFrame>
+        <p:nvGraphicFramePr>
+          <p:cNvPr id="35" name="グラフ 34"/>
+          <p:cNvGraphicFramePr>
+            <a:graphicFrameLocks/>
+          </p:cNvGraphicFramePr>
+          <p:nvPr>
+            <p:extLst>
+              <p:ext uri="{D42A27DB-BD31-4B8C-83A1-F6EECF244321}">
+                <p14:modId xmlns:p14="http://schemas.microsoft.com/office/powerpoint/2010/main" val="2885456744"/>
+              </p:ext>
+            </p:extLst>
+          </p:nvPr>
+        </p:nvGraphicFramePr>
+        <p:xfrm>
+          <a:off x="6367764" y="25320130"/>
+          <a:ext cx="3143943" cy="1838985"/>
+        </p:xfrm>
+        <a:graphic>
+          <a:graphicData uri="http://schemas.openxmlformats.org/drawingml/2006/chart">
+            <c:chart xmlns:c="http://schemas.openxmlformats.org/drawingml/2006/chart" xmlns:r="http://schemas.openxmlformats.org/officeDocument/2006/relationships" r:id="rId6"/>
+          </a:graphicData>
+        </a:graphic>
+      </p:graphicFrame>
       <p:sp>
         <p:nvSpPr>
           <p:cNvPr id="8" name="角丸四角形 7"/>
@@ -8020,8 +8375,8 @@
         </p:nvSpPr>
         <p:spPr>
           <a:xfrm>
-            <a:off x="14983827" y="4581882"/>
-            <a:ext cx="5225378" cy="3423268"/>
+            <a:off x="4280234" y="4819435"/>
+            <a:ext cx="6640143" cy="2394518"/>
           </a:xfrm>
           <a:prstGeom prst="roundRect">
             <a:avLst/>
@@ -8045,121 +8400,32 @@
           <a:bodyPr rtlCol="0" anchor="ctr"/>
           <a:lstStyle/>
           <a:p>
-            <a:pPr algn="ctr"/>
-            <a:r>
-              <a:rPr lang="ja-JP" altLang="en-US" dirty="0"/>
-              <a:t>ニコニコ動画</a:t>
-            </a:r>
-            <a:r>
-              <a:rPr lang="ja-JP" altLang="en-US" dirty="0" smtClean="0"/>
-              <a:t>のランキング</a:t>
-            </a:r>
-            <a:r>
-              <a:rPr lang="ja-JP" altLang="en-US" dirty="0"/>
-              <a:t>と</a:t>
-            </a:r>
-            <a:r>
-              <a:rPr lang="en-US" altLang="ja-JP" dirty="0"/>
-              <a:t>Twiiter</a:t>
-            </a:r>
-            <a:r>
-              <a:rPr lang="ja-JP" altLang="en-US" dirty="0"/>
-              <a:t>のツイート数には相関性が</a:t>
-            </a:r>
-            <a:r>
-              <a:rPr lang="ja-JP" altLang="en-US" dirty="0" smtClean="0"/>
-              <a:t>ある</a:t>
-            </a:r>
-            <a:endParaRPr kumimoji="1" lang="ja-JP" altLang="en-US" dirty="0"/>
+            <a:r>
+              <a:rPr lang="ja-JP" altLang="en-US" sz="4000" dirty="0"/>
+              <a:t>ニコニコ動画とは，株式会社ドワンゴが運営・</a:t>
+            </a:r>
+            <a:r>
+              <a:rPr lang="ja-JP" altLang="en-US" sz="4000" dirty="0" smtClean="0"/>
+              <a:t>提供</a:t>
+            </a:r>
+            <a:r>
+              <a:rPr lang="ja-JP" altLang="en-US" sz="4000" dirty="0"/>
+              <a:t>している動画共有サービスである</a:t>
+            </a:r>
+            <a:endParaRPr kumimoji="1" lang="ja-JP" altLang="en-US" sz="4000" dirty="0"/>
           </a:p>
         </p:txBody>
       </p:sp>
       <p:sp>
         <p:nvSpPr>
-          <p:cNvPr id="9" name="右矢印 8"/>
+          <p:cNvPr id="36" name="角丸四角形 35"/>
           <p:cNvSpPr/>
           <p:nvPr/>
         </p:nvSpPr>
         <p:spPr>
           <a:xfrm>
-            <a:off x="6743188" y="5921950"/>
-            <a:ext cx="1318939" cy="816429"/>
-          </a:xfrm>
-          <a:prstGeom prst="rightArrow">
-            <a:avLst/>
-          </a:prstGeom>
-        </p:spPr>
-        <p:style>
-          <a:lnRef idx="1">
-            <a:schemeClr val="accent1"/>
-          </a:lnRef>
-          <a:fillRef idx="3">
-            <a:schemeClr val="accent1"/>
-          </a:fillRef>
-          <a:effectRef idx="2">
-            <a:schemeClr val="accent1"/>
-          </a:effectRef>
-          <a:fontRef idx="minor">
-            <a:schemeClr val="lt1"/>
-          </a:fontRef>
-        </p:style>
-        <p:txBody>
-          <a:bodyPr rtlCol="0" anchor="ctr"/>
-          <a:lstStyle/>
-          <a:p>
-            <a:pPr algn="ctr"/>
-            <a:endParaRPr kumimoji="1" lang="ja-JP" altLang="en-US"/>
-          </a:p>
-        </p:txBody>
-      </p:sp>
-      <p:sp>
-        <p:nvSpPr>
-          <p:cNvPr id="20" name="右矢印 19"/>
-          <p:cNvSpPr/>
-          <p:nvPr/>
-        </p:nvSpPr>
-        <p:spPr>
-          <a:xfrm>
-            <a:off x="13707791" y="5921949"/>
-            <a:ext cx="1318939" cy="816429"/>
-          </a:xfrm>
-          <a:prstGeom prst="rightArrow">
-            <a:avLst/>
-          </a:prstGeom>
-        </p:spPr>
-        <p:style>
-          <a:lnRef idx="1">
-            <a:schemeClr val="accent1"/>
-          </a:lnRef>
-          <a:fillRef idx="3">
-            <a:schemeClr val="accent1"/>
-          </a:fillRef>
-          <a:effectRef idx="2">
-            <a:schemeClr val="accent1"/>
-          </a:effectRef>
-          <a:fontRef idx="minor">
-            <a:schemeClr val="lt1"/>
-          </a:fontRef>
-        </p:style>
-        <p:txBody>
-          <a:bodyPr rtlCol="0" anchor="ctr"/>
-          <a:lstStyle/>
-          <a:p>
-            <a:pPr algn="ctr"/>
-            <a:endParaRPr kumimoji="1" lang="ja-JP" altLang="en-US"/>
-          </a:p>
-        </p:txBody>
-      </p:sp>
-      <p:sp>
-        <p:nvSpPr>
-          <p:cNvPr id="11" name="角丸四角形 10"/>
-          <p:cNvSpPr/>
-          <p:nvPr/>
-        </p:nvSpPr>
-        <p:spPr>
-          <a:xfrm>
-            <a:off x="951092" y="13153393"/>
-            <a:ext cx="4339366" cy="2278062"/>
+            <a:off x="13422086" y="4654804"/>
+            <a:ext cx="6676635" cy="2690785"/>
           </a:xfrm>
           <a:prstGeom prst="roundRect">
             <a:avLst/>
@@ -8183,467 +8449,102 @@
           <a:bodyPr rtlCol="0" anchor="ctr"/>
           <a:lstStyle/>
           <a:p>
-            <a:pPr algn="ctr"/>
-            <a:r>
-              <a:rPr lang="ja-JP" altLang="en-US" sz="3600" dirty="0"/>
-              <a:t>ニコニコ動画</a:t>
-            </a:r>
-            <a:r>
-              <a:rPr lang="ja-JP" altLang="en-US" sz="3600" dirty="0" smtClean="0"/>
-              <a:t>のランキング</a:t>
-            </a:r>
-            <a:r>
-              <a:rPr lang="ja-JP" altLang="en-US" sz="3600" dirty="0"/>
-              <a:t>の</a:t>
-            </a:r>
-            <a:r>
-              <a:rPr lang="en-US" altLang="ja-JP" sz="3600" dirty="0"/>
-              <a:t>1</a:t>
-            </a:r>
-            <a:r>
-              <a:rPr lang="ja-JP" altLang="en-US" sz="3600" dirty="0"/>
-              <a:t>位から</a:t>
-            </a:r>
-            <a:r>
-              <a:rPr lang="en-US" altLang="ja-JP" sz="3600" dirty="0"/>
-              <a:t>100</a:t>
-            </a:r>
-            <a:r>
-              <a:rPr lang="ja-JP" altLang="en-US" sz="3600" dirty="0"/>
-              <a:t>位まで</a:t>
-            </a:r>
-            <a:r>
-              <a:rPr lang="ja-JP" altLang="en-US" sz="3600" dirty="0" smtClean="0"/>
-              <a:t>の動画</a:t>
-            </a:r>
-            <a:r>
-              <a:rPr lang="ja-JP" altLang="en-US" sz="3600" dirty="0"/>
-              <a:t>の再生数</a:t>
-            </a:r>
-            <a:r>
-              <a:rPr lang="ja-JP" altLang="en-US" sz="3600" dirty="0" smtClean="0"/>
-              <a:t>を抜き出す</a:t>
-            </a:r>
-            <a:endParaRPr kumimoji="1" lang="ja-JP" altLang="en-US" sz="3600" dirty="0"/>
+            <a:r>
+              <a:rPr lang="en-US" altLang="ja-JP" sz="4000" dirty="0"/>
+              <a:t>Twitter </a:t>
+            </a:r>
+            <a:r>
+              <a:rPr lang="ja-JP" altLang="en-US" sz="4000" dirty="0"/>
+              <a:t>は，「ツイート」と称される</a:t>
+            </a:r>
+            <a:r>
+              <a:rPr lang="en-US" altLang="ja-JP" sz="4000" dirty="0"/>
+              <a:t>140 </a:t>
+            </a:r>
+            <a:r>
+              <a:rPr lang="ja-JP" altLang="en-US" sz="4000" dirty="0"/>
+              <a:t>文字</a:t>
+            </a:r>
+            <a:r>
+              <a:rPr lang="ja-JP" altLang="en-US" sz="4000" dirty="0" smtClean="0"/>
+              <a:t>以内の</a:t>
+            </a:r>
+            <a:r>
+              <a:rPr lang="ja-JP" altLang="en-US" sz="4000" dirty="0"/>
+              <a:t>短文の投稿を共有するウェブ上の情報</a:t>
+            </a:r>
+            <a:r>
+              <a:rPr lang="ja-JP" altLang="en-US" sz="4000" dirty="0" smtClean="0"/>
+              <a:t>サービスで</a:t>
+            </a:r>
+            <a:r>
+              <a:rPr lang="ja-JP" altLang="en-US" sz="4000" dirty="0"/>
+              <a:t>ある．</a:t>
+            </a:r>
+            <a:endParaRPr kumimoji="1" lang="ja-JP" altLang="en-US" sz="4000" dirty="0"/>
           </a:p>
         </p:txBody>
       </p:sp>
-      <p:sp>
-        <p:nvSpPr>
-          <p:cNvPr id="13" name="角丸四角形 12"/>
-          <p:cNvSpPr/>
+      <p:pic>
+        <p:nvPicPr>
+          <p:cNvPr id="9" name="図 8"/>
+          <p:cNvPicPr>
+            <a:picLocks noChangeAspect="1"/>
+          </p:cNvPicPr>
           <p:nvPr/>
-        </p:nvSpPr>
+        </p:nvPicPr>
+        <p:blipFill>
+          <a:blip r:embed="rId7">
+            <a:extLst>
+              <a:ext uri="{28A0092B-C50C-407E-A947-70E740481C1C}">
+                <a14:useLocalDpi xmlns:a14="http://schemas.microsoft.com/office/drawing/2010/main" val="0"/>
+              </a:ext>
+            </a:extLst>
+          </a:blip>
+          <a:stretch>
+            <a:fillRect/>
+          </a:stretch>
+        </p:blipFill>
         <p:spPr>
           <a:xfrm>
-            <a:off x="1659293" y="15988972"/>
-            <a:ext cx="3262031" cy="2465654"/>
+            <a:off x="10629170" y="4522349"/>
+            <a:ext cx="3000302" cy="3000302"/>
           </a:xfrm>
-          <a:prstGeom prst="roundRect">
+          <a:prstGeom prst="rect">
             <a:avLst/>
           </a:prstGeom>
         </p:spPr>
-        <p:style>
-          <a:lnRef idx="2">
-            <a:schemeClr val="accent3"/>
-          </a:lnRef>
-          <a:fillRef idx="1">
-            <a:schemeClr val="lt1"/>
-          </a:fillRef>
-          <a:effectRef idx="0">
-            <a:schemeClr val="accent3"/>
-          </a:effectRef>
-          <a:fontRef idx="minor">
-            <a:schemeClr val="dk1"/>
-          </a:fontRef>
-        </p:style>
-        <p:txBody>
-          <a:bodyPr rtlCol="0" anchor="ctr"/>
-          <a:lstStyle/>
-          <a:p>
-            <a:pPr algn="ctr"/>
-            <a:r>
-              <a:rPr lang="ja-JP" altLang="en-US" sz="3600" dirty="0" smtClean="0"/>
-              <a:t>再生数の累積</a:t>
-            </a:r>
-            <a:r>
-              <a:rPr lang="ja-JP" altLang="en-US" sz="3600" dirty="0"/>
-              <a:t>のグラフを作成</a:t>
-            </a:r>
-            <a:r>
-              <a:rPr lang="ja-JP" altLang="en-US" sz="3600" dirty="0" smtClean="0"/>
-              <a:t>する</a:t>
-            </a:r>
-            <a:r>
-              <a:rPr lang="ja-JP" altLang="en-US" sz="3600" dirty="0"/>
-              <a:t>①</a:t>
-            </a:r>
-            <a:endParaRPr kumimoji="1" lang="ja-JP" altLang="en-US" sz="3600" dirty="0"/>
-          </a:p>
-        </p:txBody>
-      </p:sp>
-      <p:sp>
-        <p:nvSpPr>
-          <p:cNvPr id="30" name="角丸四角形 29"/>
-          <p:cNvSpPr/>
+      </p:pic>
+      <p:pic>
+        <p:nvPicPr>
+          <p:cNvPr id="11" name="図 10"/>
+          <p:cNvPicPr>
+            <a:picLocks noChangeAspect="1"/>
+          </p:cNvPicPr>
           <p:nvPr/>
-        </p:nvSpPr>
+        </p:nvPicPr>
+        <p:blipFill>
+          <a:blip r:embed="rId8">
+            <a:extLst>
+              <a:ext uri="{28A0092B-C50C-407E-A947-70E740481C1C}">
+                <a14:useLocalDpi xmlns:a14="http://schemas.microsoft.com/office/drawing/2010/main" val="0"/>
+              </a:ext>
+            </a:extLst>
+          </a:blip>
+          <a:stretch>
+            <a:fillRect/>
+          </a:stretch>
+        </p:blipFill>
         <p:spPr>
           <a:xfrm>
-            <a:off x="1728663" y="21930066"/>
-            <a:ext cx="3184536" cy="2851182"/>
+            <a:off x="1254788" y="5429234"/>
+            <a:ext cx="2857500" cy="1000125"/>
           </a:xfrm>
-          <a:prstGeom prst="roundRect">
+          <a:prstGeom prst="rect">
             <a:avLst/>
           </a:prstGeom>
         </p:spPr>
-        <p:style>
-          <a:lnRef idx="2">
-            <a:schemeClr val="accent3"/>
-          </a:lnRef>
-          <a:fillRef idx="1">
-            <a:schemeClr val="lt1"/>
-          </a:fillRef>
-          <a:effectRef idx="0">
-            <a:schemeClr val="accent3"/>
-          </a:effectRef>
-          <a:fontRef idx="minor">
-            <a:schemeClr val="dk1"/>
-          </a:fontRef>
-        </p:style>
-        <p:txBody>
-          <a:bodyPr rtlCol="0" anchor="ctr"/>
-          <a:lstStyle/>
-          <a:p>
-            <a:pPr algn="ctr"/>
-            <a:r>
-              <a:rPr lang="ja-JP" altLang="en-US" sz="3600" dirty="0"/>
-              <a:t>再生数の増加を１時間毎に区切ったグラフを作成</a:t>
-            </a:r>
-            <a:r>
-              <a:rPr lang="ja-JP" altLang="en-US" sz="3600" dirty="0" smtClean="0"/>
-              <a:t>する②</a:t>
-            </a:r>
-            <a:endParaRPr kumimoji="1" lang="ja-JP" altLang="en-US" sz="3600" dirty="0"/>
-          </a:p>
-        </p:txBody>
-      </p:sp>
-      <p:sp>
-        <p:nvSpPr>
-          <p:cNvPr id="31" name="角丸四角形 30"/>
-          <p:cNvSpPr/>
-          <p:nvPr/>
-        </p:nvSpPr>
-        <p:spPr>
-          <a:xfrm>
-            <a:off x="5627851" y="13011220"/>
-            <a:ext cx="4561179" cy="2420235"/>
-          </a:xfrm>
-          <a:prstGeom prst="roundRect">
-            <a:avLst/>
-          </a:prstGeom>
-        </p:spPr>
-        <p:style>
-          <a:lnRef idx="2">
-            <a:schemeClr val="accent3"/>
-          </a:lnRef>
-          <a:fillRef idx="1">
-            <a:schemeClr val="lt1"/>
-          </a:fillRef>
-          <a:effectRef idx="0">
-            <a:schemeClr val="accent3"/>
-          </a:effectRef>
-          <a:fontRef idx="minor">
-            <a:schemeClr val="dk1"/>
-          </a:fontRef>
-        </p:style>
-        <p:txBody>
-          <a:bodyPr rtlCol="0" anchor="ctr"/>
-          <a:lstStyle/>
-          <a:p>
-            <a:pPr algn="ctr"/>
-            <a:r>
-              <a:rPr lang="en-US" altLang="ja-JP" sz="3600" dirty="0"/>
-              <a:t>Twiiter</a:t>
-            </a:r>
-            <a:r>
-              <a:rPr lang="ja-JP" altLang="en-US" sz="3600" dirty="0" smtClean="0"/>
-              <a:t>で動画</a:t>
-            </a:r>
-            <a:r>
-              <a:rPr lang="ja-JP" altLang="en-US" sz="3600" dirty="0"/>
-              <a:t>の</a:t>
-            </a:r>
-            <a:r>
-              <a:rPr lang="ja-JP" altLang="en-US" sz="3600" dirty="0" smtClean="0"/>
-              <a:t>名前をツイート検索</a:t>
-            </a:r>
-            <a:r>
-              <a:rPr lang="ja-JP" altLang="en-US" sz="3600" dirty="0"/>
-              <a:t>し，１時間毎にツイート数を抜き出す</a:t>
-            </a:r>
-            <a:endParaRPr kumimoji="1" lang="ja-JP" altLang="en-US" sz="3600" dirty="0"/>
-          </a:p>
-        </p:txBody>
-      </p:sp>
-      <p:sp>
-        <p:nvSpPr>
-          <p:cNvPr id="34" name="角丸四角形 33"/>
-          <p:cNvSpPr/>
-          <p:nvPr/>
-        </p:nvSpPr>
-        <p:spPr>
-          <a:xfrm>
-            <a:off x="1028188" y="27405153"/>
-            <a:ext cx="9237938" cy="1806464"/>
-          </a:xfrm>
-          <a:prstGeom prst="roundRect">
-            <a:avLst/>
-          </a:prstGeom>
-        </p:spPr>
-        <p:style>
-          <a:lnRef idx="2">
-            <a:schemeClr val="accent3"/>
-          </a:lnRef>
-          <a:fillRef idx="1">
-            <a:schemeClr val="lt1"/>
-          </a:fillRef>
-          <a:effectRef idx="0">
-            <a:schemeClr val="accent3"/>
-          </a:effectRef>
-          <a:fontRef idx="minor">
-            <a:schemeClr val="dk1"/>
-          </a:fontRef>
-        </p:style>
-        <p:txBody>
-          <a:bodyPr rtlCol="0" anchor="ctr"/>
-          <a:lstStyle/>
-          <a:p>
-            <a:pPr algn="ctr"/>
-            <a:r>
-              <a:rPr lang="ja-JP" altLang="en-US" sz="3600" dirty="0"/>
-              <a:t>ニコニコ</a:t>
-            </a:r>
-            <a:r>
-              <a:rPr lang="ja-JP" altLang="en-US" sz="3600" dirty="0" smtClean="0"/>
-              <a:t>動画</a:t>
-            </a:r>
-            <a:r>
-              <a:rPr lang="ja-JP" altLang="en-US" sz="3600" dirty="0"/>
-              <a:t>の</a:t>
-            </a:r>
-            <a:r>
-              <a:rPr lang="ja-JP" altLang="en-US" sz="3600" dirty="0" smtClean="0"/>
-              <a:t>ランキングと</a:t>
-            </a:r>
-            <a:endParaRPr lang="en-US" altLang="ja-JP" sz="3600" dirty="0" smtClean="0"/>
-          </a:p>
-          <a:p>
-            <a:pPr algn="ctr"/>
-            <a:r>
-              <a:rPr lang="en-US" altLang="ja-JP" sz="3600" dirty="0" smtClean="0"/>
-              <a:t>Twiiter</a:t>
-            </a:r>
-            <a:r>
-              <a:rPr lang="ja-JP" altLang="en-US" sz="3600" dirty="0"/>
-              <a:t>のツイート数との相関性がある</a:t>
-            </a:r>
-            <a:r>
-              <a:rPr lang="ja-JP" altLang="en-US" sz="3600" dirty="0" smtClean="0"/>
-              <a:t>か</a:t>
-            </a:r>
-            <a:endParaRPr lang="en-US" altLang="ja-JP" sz="3600" dirty="0"/>
-          </a:p>
-        </p:txBody>
-      </p:sp>
-      <p:sp>
-        <p:nvSpPr>
-          <p:cNvPr id="35" name="角丸四角形 34"/>
-          <p:cNvSpPr/>
-          <p:nvPr/>
-        </p:nvSpPr>
-        <p:spPr>
-          <a:xfrm>
-            <a:off x="6164486" y="21889097"/>
-            <a:ext cx="3467226" cy="2933121"/>
-          </a:xfrm>
-          <a:prstGeom prst="roundRect">
-            <a:avLst/>
-          </a:prstGeom>
-        </p:spPr>
-        <p:style>
-          <a:lnRef idx="2">
-            <a:schemeClr val="accent3"/>
-          </a:lnRef>
-          <a:fillRef idx="1">
-            <a:schemeClr val="lt1"/>
-          </a:fillRef>
-          <a:effectRef idx="0">
-            <a:schemeClr val="accent3"/>
-          </a:effectRef>
-          <a:fontRef idx="minor">
-            <a:schemeClr val="dk1"/>
-          </a:fontRef>
-        </p:style>
-        <p:txBody>
-          <a:bodyPr rtlCol="0" anchor="ctr"/>
-          <a:lstStyle/>
-          <a:p>
-            <a:pPr algn="ctr"/>
-            <a:r>
-              <a:rPr lang="ja-JP" altLang="en-US" sz="3600" dirty="0"/>
-              <a:t>ツイート数の増加を１時間毎に区切ったグラフを作成</a:t>
-            </a:r>
-            <a:r>
-              <a:rPr lang="ja-JP" altLang="en-US" sz="3600" dirty="0" smtClean="0"/>
-              <a:t>する④</a:t>
-            </a:r>
-            <a:endParaRPr lang="ja-JP" altLang="en-US" sz="3600" dirty="0"/>
-          </a:p>
-        </p:txBody>
-      </p:sp>
-      <p:sp>
-        <p:nvSpPr>
-          <p:cNvPr id="36" name="角丸四角形 35"/>
-          <p:cNvSpPr/>
-          <p:nvPr/>
-        </p:nvSpPr>
-        <p:spPr>
-          <a:xfrm>
-            <a:off x="6029379" y="15978422"/>
-            <a:ext cx="3467226" cy="2588732"/>
-          </a:xfrm>
-          <a:prstGeom prst="roundRect">
-            <a:avLst/>
-          </a:prstGeom>
-        </p:spPr>
-        <p:style>
-          <a:lnRef idx="2">
-            <a:schemeClr val="accent3"/>
-          </a:lnRef>
-          <a:fillRef idx="1">
-            <a:schemeClr val="lt1"/>
-          </a:fillRef>
-          <a:effectRef idx="0">
-            <a:schemeClr val="accent3"/>
-          </a:effectRef>
-          <a:fontRef idx="minor">
-            <a:schemeClr val="dk1"/>
-          </a:fontRef>
-        </p:style>
-        <p:txBody>
-          <a:bodyPr rtlCol="0" anchor="ctr"/>
-          <a:lstStyle/>
-          <a:p>
-            <a:pPr algn="ctr"/>
-            <a:r>
-              <a:rPr lang="ja-JP" altLang="en-US" sz="3600" dirty="0"/>
-              <a:t>ツイート数の累積のグラフを作成</a:t>
-            </a:r>
-            <a:r>
-              <a:rPr lang="ja-JP" altLang="en-US" sz="3600" dirty="0" smtClean="0"/>
-              <a:t>する③</a:t>
-            </a:r>
-            <a:endParaRPr kumimoji="1" lang="ja-JP" altLang="en-US" sz="3600" dirty="0"/>
-          </a:p>
-        </p:txBody>
-      </p:sp>
-      <p:graphicFrame>
-        <p:nvGraphicFramePr>
-          <p:cNvPr id="37" name="グラフ 36"/>
-          <p:cNvGraphicFramePr>
-            <a:graphicFrameLocks/>
-          </p:cNvGraphicFramePr>
-          <p:nvPr>
-            <p:extLst>
-              <p:ext uri="{D42A27DB-BD31-4B8C-83A1-F6EECF244321}">
-                <p14:modId xmlns:p14="http://schemas.microsoft.com/office/powerpoint/2010/main" val="2720936494"/>
-              </p:ext>
-            </p:extLst>
-          </p:nvPr>
-        </p:nvGraphicFramePr>
-        <p:xfrm>
-          <a:off x="1602304" y="18960792"/>
-          <a:ext cx="3376011" cy="2130932"/>
-        </p:xfrm>
-        <a:graphic>
-          <a:graphicData uri="http://schemas.openxmlformats.org/drawingml/2006/chart">
-            <c:chart xmlns:c="http://schemas.openxmlformats.org/drawingml/2006/chart" xmlns:r="http://schemas.openxmlformats.org/officeDocument/2006/relationships" r:id="rId2"/>
-          </a:graphicData>
-        </a:graphic>
-      </p:graphicFrame>
-      <p:graphicFrame>
-        <p:nvGraphicFramePr>
-          <p:cNvPr id="38" name="グラフ 37"/>
-          <p:cNvGraphicFramePr>
-            <a:graphicFrameLocks/>
-          </p:cNvGraphicFramePr>
-          <p:nvPr>
-            <p:extLst>
-              <p:ext uri="{D42A27DB-BD31-4B8C-83A1-F6EECF244321}">
-                <p14:modId xmlns:p14="http://schemas.microsoft.com/office/powerpoint/2010/main" val="2386830083"/>
-              </p:ext>
-            </p:extLst>
-          </p:nvPr>
-        </p:nvGraphicFramePr>
-        <p:xfrm>
-          <a:off x="1602304" y="24908866"/>
-          <a:ext cx="3437254" cy="2167489"/>
-        </p:xfrm>
-        <a:graphic>
-          <a:graphicData uri="http://schemas.openxmlformats.org/drawingml/2006/chart">
-            <c:chart xmlns:c="http://schemas.openxmlformats.org/drawingml/2006/chart" xmlns:r="http://schemas.openxmlformats.org/officeDocument/2006/relationships" r:id="rId3"/>
-          </a:graphicData>
-        </a:graphic>
-      </p:graphicFrame>
-      <p:graphicFrame>
-        <p:nvGraphicFramePr>
-          <p:cNvPr id="39" name="グラフ 38"/>
-          <p:cNvGraphicFramePr>
-            <a:graphicFrameLocks/>
-          </p:cNvGraphicFramePr>
-          <p:nvPr>
-            <p:extLst>
-              <p:ext uri="{D42A27DB-BD31-4B8C-83A1-F6EECF244321}">
-                <p14:modId xmlns:p14="http://schemas.microsoft.com/office/powerpoint/2010/main" val="1562638218"/>
-              </p:ext>
-            </p:extLst>
-          </p:nvPr>
-        </p:nvGraphicFramePr>
-        <p:xfrm>
-          <a:off x="6166588" y="19114122"/>
-          <a:ext cx="3483703" cy="2042517"/>
-        </p:xfrm>
-        <a:graphic>
-          <a:graphicData uri="http://schemas.openxmlformats.org/drawingml/2006/chart">
-            <c:chart xmlns:c="http://schemas.openxmlformats.org/drawingml/2006/chart" xmlns:r="http://schemas.openxmlformats.org/officeDocument/2006/relationships" r:id="rId4"/>
-          </a:graphicData>
-        </a:graphic>
-      </p:graphicFrame>
-      <p:graphicFrame>
-        <p:nvGraphicFramePr>
-          <p:cNvPr id="40" name="グラフ 39"/>
-          <p:cNvGraphicFramePr>
-            <a:graphicFrameLocks/>
-          </p:cNvGraphicFramePr>
-          <p:nvPr>
-            <p:extLst>
-              <p:ext uri="{D42A27DB-BD31-4B8C-83A1-F6EECF244321}">
-                <p14:modId xmlns:p14="http://schemas.microsoft.com/office/powerpoint/2010/main" val="1592655206"/>
-              </p:ext>
-            </p:extLst>
-          </p:nvPr>
-        </p:nvGraphicFramePr>
-        <p:xfrm>
-          <a:off x="6029379" y="24908866"/>
-          <a:ext cx="3458299" cy="1851556"/>
-        </p:xfrm>
-        <a:graphic>
-          <a:graphicData uri="http://schemas.openxmlformats.org/drawingml/2006/chart">
-            <c:chart xmlns:c="http://schemas.openxmlformats.org/drawingml/2006/chart" xmlns:r="http://schemas.openxmlformats.org/officeDocument/2006/relationships" r:id="rId5"/>
-          </a:graphicData>
-        </a:graphic>
-      </p:graphicFrame>
+      </p:pic>
     </p:spTree>
     <p:extLst>
       <p:ext uri="{BB962C8B-B14F-4D97-AF65-F5344CB8AC3E}">

--- a/卒業論文/2015/杉山喜彦/中間発表/卒業中間ポスター・杉山.pptx
+++ b/卒業論文/2015/杉山喜彦/中間発表/卒業中間ポスター・杉山.pptx
@@ -146,10 +146,9 @@
               </a:defRPr>
             </a:pPr>
             <a:r>
-              <a:rPr lang="ja-JP" altLang="en-US" dirty="0" smtClean="0"/>
-              <a:t>再生数の累積①</a:t>
-            </a:r>
-            <a:endParaRPr lang="ja-JP" altLang="en-US" dirty="0"/>
+              <a:rPr lang="ja-JP" altLang="en-US"/>
+              <a:t>動画の累積再生数①</a:t>
+            </a:r>
           </a:p>
         </c:rich>
       </c:tx>
@@ -192,6 +191,17 @@
         <c:ser>
           <c:idx val="0"/>
           <c:order val="0"/>
+          <c:tx>
+            <c:strRef>
+              <c:f>Sheet1!$A$3</c:f>
+              <c:strCache>
+                <c:ptCount val="1"/>
+                <c:pt idx="0">
+                  <c:v>再生数</c:v>
+                </c:pt>
+              </c:strCache>
+            </c:strRef>
+          </c:tx>
           <c:spPr>
             <a:ln w="28575" cap="rnd">
               <a:solidFill>
@@ -275,16 +285,72 @@
           <c:showBubbleSize val="0"/>
         </c:dLbls>
         <c:smooth val="0"/>
-        <c:axId val="299131248"/>
-        <c:axId val="341754120"/>
+        <c:axId val="245474872"/>
+        <c:axId val="245474480"/>
       </c:lineChart>
       <c:catAx>
-        <c:axId val="299131248"/>
+        <c:axId val="245474872"/>
         <c:scaling>
           <c:orientation val="minMax"/>
         </c:scaling>
         <c:delete val="0"/>
         <c:axPos val="b"/>
+        <c:title>
+          <c:tx>
+            <c:rich>
+              <a:bodyPr rot="0" spcFirstLastPara="1" vertOverflow="ellipsis" vert="horz" wrap="square" anchor="ctr" anchorCtr="1"/>
+              <a:lstStyle/>
+              <a:p>
+                <a:pPr>
+                  <a:defRPr sz="1000" b="0" i="0" u="none" strike="noStrike" kern="1200" baseline="0">
+                    <a:solidFill>
+                      <a:schemeClr val="tx1">
+                        <a:lumMod val="65000"/>
+                        <a:lumOff val="35000"/>
+                      </a:schemeClr>
+                    </a:solidFill>
+                    <a:latin typeface="+mn-lt"/>
+                    <a:ea typeface="+mn-ea"/>
+                    <a:cs typeface="+mn-cs"/>
+                  </a:defRPr>
+                </a:pPr>
+                <a:r>
+                  <a:rPr lang="ja-JP" altLang="en-US"/>
+                  <a:t>時間</a:t>
+                </a:r>
+              </a:p>
+            </c:rich>
+          </c:tx>
+          <c:layout/>
+          <c:overlay val="0"/>
+          <c:spPr>
+            <a:noFill/>
+            <a:ln>
+              <a:noFill/>
+            </a:ln>
+            <a:effectLst/>
+          </c:spPr>
+          <c:txPr>
+            <a:bodyPr rot="0" spcFirstLastPara="1" vertOverflow="ellipsis" vert="horz" wrap="square" anchor="ctr" anchorCtr="1"/>
+            <a:lstStyle/>
+            <a:p>
+              <a:pPr>
+                <a:defRPr sz="1000" b="0" i="0" u="none" strike="noStrike" kern="1200" baseline="0">
+                  <a:solidFill>
+                    <a:schemeClr val="tx1">
+                      <a:lumMod val="65000"/>
+                      <a:lumOff val="35000"/>
+                    </a:schemeClr>
+                  </a:solidFill>
+                  <a:latin typeface="+mn-lt"/>
+                  <a:ea typeface="+mn-ea"/>
+                  <a:cs typeface="+mn-cs"/>
+                </a:defRPr>
+              </a:pPr>
+              <a:endParaRPr lang="ja-JP"/>
+            </a:p>
+          </c:txPr>
+        </c:title>
         <c:numFmt formatCode="General" sourceLinked="1"/>
         <c:majorTickMark val="none"/>
         <c:minorTickMark val="none"/>
@@ -322,7 +388,7 @@
             <a:endParaRPr lang="ja-JP"/>
           </a:p>
         </c:txPr>
-        <c:crossAx val="341754120"/>
+        <c:crossAx val="245474480"/>
         <c:crosses val="autoZero"/>
         <c:auto val="1"/>
         <c:lblAlgn val="ctr"/>
@@ -330,7 +396,7 @@
         <c:noMultiLvlLbl val="0"/>
       </c:catAx>
       <c:valAx>
-        <c:axId val="341754120"/>
+        <c:axId val="245474480"/>
         <c:scaling>
           <c:orientation val="minMax"/>
         </c:scaling>
@@ -350,6 +416,62 @@
             <a:effectLst/>
           </c:spPr>
         </c:majorGridlines>
+        <c:title>
+          <c:tx>
+            <c:rich>
+              <a:bodyPr rot="-5400000" spcFirstLastPara="1" vertOverflow="ellipsis" vert="horz" wrap="square" anchor="ctr" anchorCtr="1"/>
+              <a:lstStyle/>
+              <a:p>
+                <a:pPr>
+                  <a:defRPr sz="1000" b="0" i="0" u="none" strike="noStrike" kern="1200" baseline="0">
+                    <a:solidFill>
+                      <a:schemeClr val="tx1">
+                        <a:lumMod val="65000"/>
+                        <a:lumOff val="35000"/>
+                      </a:schemeClr>
+                    </a:solidFill>
+                    <a:latin typeface="+mn-lt"/>
+                    <a:ea typeface="+mn-ea"/>
+                    <a:cs typeface="+mn-cs"/>
+                  </a:defRPr>
+                </a:pPr>
+                <a:r>
+                  <a:rPr lang="ja-JP" altLang="en-US"/>
+                  <a:t>再生数</a:t>
+                </a:r>
+              </a:p>
+            </c:rich>
+          </c:tx>
+          <c:layout/>
+          <c:overlay val="0"/>
+          <c:spPr>
+            <a:noFill/>
+            <a:ln>
+              <a:noFill/>
+            </a:ln>
+            <a:effectLst/>
+          </c:spPr>
+          <c:txPr>
+            <a:bodyPr rot="-5400000" spcFirstLastPara="1" vertOverflow="ellipsis" vert="horz" wrap="square" anchor="ctr" anchorCtr="1"/>
+            <a:lstStyle/>
+            <a:p>
+              <a:pPr>
+                <a:defRPr sz="1000" b="0" i="0" u="none" strike="noStrike" kern="1200" baseline="0">
+                  <a:solidFill>
+                    <a:schemeClr val="tx1">
+                      <a:lumMod val="65000"/>
+                      <a:lumOff val="35000"/>
+                    </a:schemeClr>
+                  </a:solidFill>
+                  <a:latin typeface="+mn-lt"/>
+                  <a:ea typeface="+mn-ea"/>
+                  <a:cs typeface="+mn-cs"/>
+                </a:defRPr>
+              </a:pPr>
+              <a:endParaRPr lang="ja-JP"/>
+            </a:p>
+          </c:txPr>
+        </c:title>
         <c:numFmt formatCode="General" sourceLinked="1"/>
         <c:majorTickMark val="none"/>
         <c:minorTickMark val="none"/>
@@ -381,7 +503,7 @@
             <a:endParaRPr lang="ja-JP"/>
           </a:p>
         </c:txPr>
-        <c:crossAx val="299131248"/>
+        <c:crossAx val="245474872"/>
         <c:crosses val="autoZero"/>
         <c:crossBetween val="between"/>
       </c:valAx>
@@ -454,10 +576,427 @@
               </a:defRPr>
             </a:pPr>
             <a:r>
-              <a:rPr lang="ja-JP" altLang="en-US" dirty="0" smtClean="0"/>
+              <a:rPr lang="ja-JP" altLang="en-US"/>
+              <a:t>動画の時間別再生数②</a:t>
+            </a:r>
+          </a:p>
+        </c:rich>
+      </c:tx>
+      <c:layout/>
+      <c:overlay val="0"/>
+      <c:spPr>
+        <a:noFill/>
+        <a:ln>
+          <a:noFill/>
+        </a:ln>
+        <a:effectLst/>
+      </c:spPr>
+      <c:txPr>
+        <a:bodyPr rot="0" spcFirstLastPara="1" vertOverflow="ellipsis" vert="horz" wrap="square" anchor="ctr" anchorCtr="1"/>
+        <a:lstStyle/>
+        <a:p>
+          <a:pPr>
+            <a:defRPr sz="1400" b="0" i="0" u="none" strike="noStrike" kern="1200" spc="0" baseline="0">
+              <a:solidFill>
+                <a:schemeClr val="tx1">
+                  <a:lumMod val="65000"/>
+                  <a:lumOff val="35000"/>
+                </a:schemeClr>
+              </a:solidFill>
+              <a:latin typeface="+mn-lt"/>
+              <a:ea typeface="+mn-ea"/>
+              <a:cs typeface="+mn-cs"/>
+            </a:defRPr>
+          </a:pPr>
+          <a:endParaRPr lang="ja-JP"/>
+        </a:p>
+      </c:txPr>
+    </c:title>
+    <c:autoTitleDeleted val="0"/>
+    <c:plotArea>
+      <c:layout/>
+      <c:barChart>
+        <c:barDir val="col"/>
+        <c:grouping val="clustered"/>
+        <c:varyColors val="0"/>
+        <c:ser>
+          <c:idx val="0"/>
+          <c:order val="0"/>
+          <c:spPr>
+            <a:solidFill>
+              <a:schemeClr val="accent1"/>
+            </a:solidFill>
+            <a:ln>
+              <a:noFill/>
+            </a:ln>
+            <a:effectLst/>
+          </c:spPr>
+          <c:invertIfNegative val="0"/>
+          <c:cat>
+            <c:numRef>
+              <c:f>Sheet1!$B$4:$H$4</c:f>
+              <c:numCache>
+                <c:formatCode>General</c:formatCode>
+                <c:ptCount val="7"/>
+                <c:pt idx="0">
+                  <c:v>6</c:v>
+                </c:pt>
+                <c:pt idx="1">
+                  <c:v>7</c:v>
+                </c:pt>
+                <c:pt idx="2">
+                  <c:v>8</c:v>
+                </c:pt>
+                <c:pt idx="3">
+                  <c:v>9</c:v>
+                </c:pt>
+                <c:pt idx="4">
+                  <c:v>10</c:v>
+                </c:pt>
+                <c:pt idx="5">
+                  <c:v>11</c:v>
+                </c:pt>
+                <c:pt idx="6">
+                  <c:v>12</c:v>
+                </c:pt>
+              </c:numCache>
+            </c:numRef>
+          </c:cat>
+          <c:val>
+            <c:numRef>
+              <c:f>Sheet1!$B$5:$H$5</c:f>
+              <c:numCache>
+                <c:formatCode>General</c:formatCode>
+                <c:ptCount val="7"/>
+                <c:pt idx="0">
+                  <c:v>37</c:v>
+                </c:pt>
+                <c:pt idx="1">
+                  <c:v>1209</c:v>
+                </c:pt>
+                <c:pt idx="2">
+                  <c:v>2944</c:v>
+                </c:pt>
+                <c:pt idx="3">
+                  <c:v>3827</c:v>
+                </c:pt>
+                <c:pt idx="4">
+                  <c:v>5540</c:v>
+                </c:pt>
+                <c:pt idx="5">
+                  <c:v>6385</c:v>
+                </c:pt>
+                <c:pt idx="6">
+                  <c:v>7234</c:v>
+                </c:pt>
+              </c:numCache>
+            </c:numRef>
+          </c:val>
+        </c:ser>
+        <c:dLbls>
+          <c:showLegendKey val="0"/>
+          <c:showVal val="0"/>
+          <c:showCatName val="0"/>
+          <c:showSerName val="0"/>
+          <c:showPercent val="0"/>
+          <c:showBubbleSize val="0"/>
+        </c:dLbls>
+        <c:gapWidth val="219"/>
+        <c:overlap val="-27"/>
+        <c:axId val="245476048"/>
+        <c:axId val="264293072"/>
+      </c:barChart>
+      <c:catAx>
+        <c:axId val="245476048"/>
+        <c:scaling>
+          <c:orientation val="minMax"/>
+        </c:scaling>
+        <c:delete val="0"/>
+        <c:axPos val="b"/>
+        <c:title>
+          <c:tx>
+            <c:rich>
+              <a:bodyPr rot="0" spcFirstLastPara="1" vertOverflow="ellipsis" vert="horz" wrap="square" anchor="ctr" anchorCtr="1"/>
+              <a:lstStyle/>
+              <a:p>
+                <a:pPr>
+                  <a:defRPr sz="1000" b="0" i="0" u="none" strike="noStrike" kern="1200" baseline="0">
+                    <a:solidFill>
+                      <a:schemeClr val="tx1">
+                        <a:lumMod val="65000"/>
+                        <a:lumOff val="35000"/>
+                      </a:schemeClr>
+                    </a:solidFill>
+                    <a:latin typeface="+mn-lt"/>
+                    <a:ea typeface="+mn-ea"/>
+                    <a:cs typeface="+mn-cs"/>
+                  </a:defRPr>
+                </a:pPr>
+                <a:r>
+                  <a:rPr lang="ja-JP" altLang="en-US"/>
+                  <a:t>時間</a:t>
+                </a:r>
+              </a:p>
+            </c:rich>
+          </c:tx>
+          <c:layout/>
+          <c:overlay val="0"/>
+          <c:spPr>
+            <a:noFill/>
+            <a:ln>
+              <a:noFill/>
+            </a:ln>
+            <a:effectLst/>
+          </c:spPr>
+          <c:txPr>
+            <a:bodyPr rot="0" spcFirstLastPara="1" vertOverflow="ellipsis" vert="horz" wrap="square" anchor="ctr" anchorCtr="1"/>
+            <a:lstStyle/>
+            <a:p>
+              <a:pPr>
+                <a:defRPr sz="1000" b="0" i="0" u="none" strike="noStrike" kern="1200" baseline="0">
+                  <a:solidFill>
+                    <a:schemeClr val="tx1">
+                      <a:lumMod val="65000"/>
+                      <a:lumOff val="35000"/>
+                    </a:schemeClr>
+                  </a:solidFill>
+                  <a:latin typeface="+mn-lt"/>
+                  <a:ea typeface="+mn-ea"/>
+                  <a:cs typeface="+mn-cs"/>
+                </a:defRPr>
+              </a:pPr>
+              <a:endParaRPr lang="ja-JP"/>
+            </a:p>
+          </c:txPr>
+        </c:title>
+        <c:numFmt formatCode="General" sourceLinked="1"/>
+        <c:majorTickMark val="none"/>
+        <c:minorTickMark val="none"/>
+        <c:tickLblPos val="nextTo"/>
+        <c:spPr>
+          <a:noFill/>
+          <a:ln w="9525" cap="flat" cmpd="sng" algn="ctr">
+            <a:solidFill>
+              <a:schemeClr val="tx1">
+                <a:lumMod val="15000"/>
+                <a:lumOff val="85000"/>
+              </a:schemeClr>
+            </a:solidFill>
+            <a:round/>
+          </a:ln>
+          <a:effectLst/>
+        </c:spPr>
+        <c:txPr>
+          <a:bodyPr rot="-60000000" spcFirstLastPara="1" vertOverflow="ellipsis" vert="horz" wrap="square" anchor="ctr" anchorCtr="1"/>
+          <a:lstStyle/>
+          <a:p>
+            <a:pPr>
+              <a:defRPr sz="900" b="0" i="0" u="none" strike="noStrike" kern="1200" baseline="0">
+                <a:solidFill>
+                  <a:schemeClr val="tx1">
+                    <a:lumMod val="65000"/>
+                    <a:lumOff val="35000"/>
+                  </a:schemeClr>
+                </a:solidFill>
+                <a:latin typeface="+mn-lt"/>
+                <a:ea typeface="+mn-ea"/>
+                <a:cs typeface="+mn-cs"/>
+              </a:defRPr>
+            </a:pPr>
+            <a:endParaRPr lang="ja-JP"/>
+          </a:p>
+        </c:txPr>
+        <c:crossAx val="264293072"/>
+        <c:crosses val="autoZero"/>
+        <c:auto val="1"/>
+        <c:lblAlgn val="ctr"/>
+        <c:lblOffset val="100"/>
+        <c:noMultiLvlLbl val="0"/>
+      </c:catAx>
+      <c:valAx>
+        <c:axId val="264293072"/>
+        <c:scaling>
+          <c:orientation val="minMax"/>
+        </c:scaling>
+        <c:delete val="0"/>
+        <c:axPos val="l"/>
+        <c:majorGridlines>
+          <c:spPr>
+            <a:ln w="9525" cap="flat" cmpd="sng" algn="ctr">
+              <a:solidFill>
+                <a:schemeClr val="tx1">
+                  <a:lumMod val="15000"/>
+                  <a:lumOff val="85000"/>
+                </a:schemeClr>
+              </a:solidFill>
+              <a:round/>
+            </a:ln>
+            <a:effectLst/>
+          </c:spPr>
+        </c:majorGridlines>
+        <c:title>
+          <c:tx>
+            <c:rich>
+              <a:bodyPr rot="-5400000" spcFirstLastPara="1" vertOverflow="ellipsis" vert="horz" wrap="square" anchor="ctr" anchorCtr="1"/>
+              <a:lstStyle/>
+              <a:p>
+                <a:pPr>
+                  <a:defRPr sz="1000" b="0" i="0" u="none" strike="noStrike" kern="1200" baseline="0">
+                    <a:solidFill>
+                      <a:schemeClr val="tx1">
+                        <a:lumMod val="65000"/>
+                        <a:lumOff val="35000"/>
+                      </a:schemeClr>
+                    </a:solidFill>
+                    <a:latin typeface="+mn-lt"/>
+                    <a:ea typeface="+mn-ea"/>
+                    <a:cs typeface="+mn-cs"/>
+                  </a:defRPr>
+                </a:pPr>
+                <a:r>
+                  <a:rPr lang="ja-JP" altLang="en-US"/>
+                  <a:t>再生数</a:t>
+                </a:r>
+              </a:p>
+            </c:rich>
+          </c:tx>
+          <c:layout/>
+          <c:overlay val="0"/>
+          <c:spPr>
+            <a:noFill/>
+            <a:ln>
+              <a:noFill/>
+            </a:ln>
+            <a:effectLst/>
+          </c:spPr>
+          <c:txPr>
+            <a:bodyPr rot="-5400000" spcFirstLastPara="1" vertOverflow="ellipsis" vert="horz" wrap="square" anchor="ctr" anchorCtr="1"/>
+            <a:lstStyle/>
+            <a:p>
+              <a:pPr>
+                <a:defRPr sz="1000" b="0" i="0" u="none" strike="noStrike" kern="1200" baseline="0">
+                  <a:solidFill>
+                    <a:schemeClr val="tx1">
+                      <a:lumMod val="65000"/>
+                      <a:lumOff val="35000"/>
+                    </a:schemeClr>
+                  </a:solidFill>
+                  <a:latin typeface="+mn-lt"/>
+                  <a:ea typeface="+mn-ea"/>
+                  <a:cs typeface="+mn-cs"/>
+                </a:defRPr>
+              </a:pPr>
+              <a:endParaRPr lang="ja-JP"/>
+            </a:p>
+          </c:txPr>
+        </c:title>
+        <c:numFmt formatCode="General" sourceLinked="1"/>
+        <c:majorTickMark val="none"/>
+        <c:minorTickMark val="none"/>
+        <c:tickLblPos val="nextTo"/>
+        <c:spPr>
+          <a:noFill/>
+          <a:ln>
+            <a:noFill/>
+          </a:ln>
+          <a:effectLst/>
+        </c:spPr>
+        <c:txPr>
+          <a:bodyPr rot="-60000000" spcFirstLastPara="1" vertOverflow="ellipsis" vert="horz" wrap="square" anchor="ctr" anchorCtr="1"/>
+          <a:lstStyle/>
+          <a:p>
+            <a:pPr>
+              <a:defRPr sz="900" b="0" i="0" u="none" strike="noStrike" kern="1200" baseline="0">
+                <a:solidFill>
+                  <a:schemeClr val="tx1">
+                    <a:lumMod val="65000"/>
+                    <a:lumOff val="35000"/>
+                  </a:schemeClr>
+                </a:solidFill>
+                <a:latin typeface="+mn-lt"/>
+                <a:ea typeface="+mn-ea"/>
+                <a:cs typeface="+mn-cs"/>
+              </a:defRPr>
+            </a:pPr>
+            <a:endParaRPr lang="ja-JP"/>
+          </a:p>
+        </c:txPr>
+        <c:crossAx val="245476048"/>
+        <c:crosses val="autoZero"/>
+        <c:crossBetween val="between"/>
+      </c:valAx>
+      <c:spPr>
+        <a:noFill/>
+        <a:ln>
+          <a:noFill/>
+        </a:ln>
+        <a:effectLst/>
+      </c:spPr>
+    </c:plotArea>
+    <c:plotVisOnly val="1"/>
+    <c:dispBlanksAs val="gap"/>
+    <c:showDLblsOverMax val="0"/>
+  </c:chart>
+  <c:spPr>
+    <a:noFill/>
+    <a:ln>
+      <a:noFill/>
+    </a:ln>
+    <a:effectLst/>
+  </c:spPr>
+  <c:txPr>
+    <a:bodyPr/>
+    <a:lstStyle/>
+    <a:p>
+      <a:pPr>
+        <a:defRPr/>
+      </a:pPr>
+      <a:endParaRPr lang="ja-JP"/>
+    </a:p>
+  </c:txPr>
+  <c:externalData r:id="rId3">
+    <c:autoUpdate val="0"/>
+  </c:externalData>
+</c:chartSpace>
+</file>
+
+<file path=ppt/charts/chart3.xml><?xml version="1.0" encoding="utf-8"?>
+<c:chartSpace xmlns:c="http://schemas.openxmlformats.org/drawingml/2006/chart" xmlns:a="http://schemas.openxmlformats.org/drawingml/2006/main" xmlns:r="http://schemas.openxmlformats.org/officeDocument/2006/relationships">
+  <c:date1904 val="0"/>
+  <c:lang val="ja-JP"/>
+  <c:roundedCorners val="0"/>
+  <mc:AlternateContent xmlns:mc="http://schemas.openxmlformats.org/markup-compatibility/2006">
+    <mc:Choice xmlns:c14="http://schemas.microsoft.com/office/drawing/2007/8/2/chart" Requires="c14">
+      <c14:style val="102"/>
+    </mc:Choice>
+    <mc:Fallback>
+      <c:style val="2"/>
+    </mc:Fallback>
+  </mc:AlternateContent>
+  <c:chart>
+    <c:title>
+      <c:tx>
+        <c:rich>
+          <a:bodyPr rot="0" spcFirstLastPara="1" vertOverflow="ellipsis" vert="horz" wrap="square" anchor="ctr" anchorCtr="1"/>
+          <a:lstStyle/>
+          <a:p>
+            <a:pPr>
+              <a:defRPr sz="1400" b="0" i="0" u="none" strike="noStrike" kern="1200" spc="0" baseline="0">
+                <a:solidFill>
+                  <a:schemeClr val="tx1">
+                    <a:lumMod val="65000"/>
+                    <a:lumOff val="35000"/>
+                  </a:schemeClr>
+                </a:solidFill>
+                <a:latin typeface="+mn-lt"/>
+                <a:ea typeface="+mn-ea"/>
+                <a:cs typeface="+mn-cs"/>
+              </a:defRPr>
+            </a:pPr>
+            <a:r>
+              <a:rPr lang="ja-JP" altLang="en-US"/>
               <a:t>ツイート数の累積③</a:t>
             </a:r>
-            <a:endParaRPr lang="ja-JP" altLang="en-US" dirty="0"/>
           </a:p>
         </c:rich>
       </c:tx>
@@ -583,16 +1122,72 @@
           <c:showBubbleSize val="0"/>
         </c:dLbls>
         <c:smooth val="0"/>
-        <c:axId val="298135112"/>
-        <c:axId val="298133544"/>
+        <c:axId val="264293856"/>
+        <c:axId val="264295032"/>
       </c:lineChart>
       <c:catAx>
-        <c:axId val="298135112"/>
+        <c:axId val="264293856"/>
         <c:scaling>
           <c:orientation val="minMax"/>
         </c:scaling>
         <c:delete val="0"/>
         <c:axPos val="b"/>
+        <c:title>
+          <c:tx>
+            <c:rich>
+              <a:bodyPr rot="0" spcFirstLastPara="1" vertOverflow="ellipsis" vert="horz" wrap="square" anchor="ctr" anchorCtr="1"/>
+              <a:lstStyle/>
+              <a:p>
+                <a:pPr>
+                  <a:defRPr sz="1000" b="0" i="0" u="none" strike="noStrike" kern="1200" baseline="0">
+                    <a:solidFill>
+                      <a:schemeClr val="tx1">
+                        <a:lumMod val="65000"/>
+                        <a:lumOff val="35000"/>
+                      </a:schemeClr>
+                    </a:solidFill>
+                    <a:latin typeface="+mn-lt"/>
+                    <a:ea typeface="+mn-ea"/>
+                    <a:cs typeface="+mn-cs"/>
+                  </a:defRPr>
+                </a:pPr>
+                <a:r>
+                  <a:rPr lang="ja-JP" altLang="en-US"/>
+                  <a:t>時間</a:t>
+                </a:r>
+              </a:p>
+            </c:rich>
+          </c:tx>
+          <c:layout/>
+          <c:overlay val="0"/>
+          <c:spPr>
+            <a:noFill/>
+            <a:ln>
+              <a:noFill/>
+            </a:ln>
+            <a:effectLst/>
+          </c:spPr>
+          <c:txPr>
+            <a:bodyPr rot="0" spcFirstLastPara="1" vertOverflow="ellipsis" vert="horz" wrap="square" anchor="ctr" anchorCtr="1"/>
+            <a:lstStyle/>
+            <a:p>
+              <a:pPr>
+                <a:defRPr sz="1000" b="0" i="0" u="none" strike="noStrike" kern="1200" baseline="0">
+                  <a:solidFill>
+                    <a:schemeClr val="tx1">
+                      <a:lumMod val="65000"/>
+                      <a:lumOff val="35000"/>
+                    </a:schemeClr>
+                  </a:solidFill>
+                  <a:latin typeface="+mn-lt"/>
+                  <a:ea typeface="+mn-ea"/>
+                  <a:cs typeface="+mn-cs"/>
+                </a:defRPr>
+              </a:pPr>
+              <a:endParaRPr lang="ja-JP"/>
+            </a:p>
+          </c:txPr>
+        </c:title>
         <c:numFmt formatCode="General" sourceLinked="1"/>
         <c:majorTickMark val="none"/>
         <c:minorTickMark val="none"/>
@@ -630,7 +1225,7 @@
             <a:endParaRPr lang="ja-JP"/>
           </a:p>
         </c:txPr>
-        <c:crossAx val="298133544"/>
+        <c:crossAx val="264295032"/>
         <c:crosses val="autoZero"/>
         <c:auto val="1"/>
         <c:lblAlgn val="ctr"/>
@@ -638,7 +1233,7 @@
         <c:noMultiLvlLbl val="0"/>
       </c:catAx>
       <c:valAx>
-        <c:axId val="298133544"/>
+        <c:axId val="264295032"/>
         <c:scaling>
           <c:orientation val="minMax"/>
         </c:scaling>
@@ -658,6 +1253,62 @@
             <a:effectLst/>
           </c:spPr>
         </c:majorGridlines>
+        <c:title>
+          <c:tx>
+            <c:rich>
+              <a:bodyPr rot="-5400000" spcFirstLastPara="1" vertOverflow="ellipsis" vert="horz" wrap="square" anchor="ctr" anchorCtr="1"/>
+              <a:lstStyle/>
+              <a:p>
+                <a:pPr>
+                  <a:defRPr sz="1000" b="0" i="0" u="none" strike="noStrike" kern="1200" baseline="0">
+                    <a:solidFill>
+                      <a:schemeClr val="tx1">
+                        <a:lumMod val="65000"/>
+                        <a:lumOff val="35000"/>
+                      </a:schemeClr>
+                    </a:solidFill>
+                    <a:latin typeface="+mn-lt"/>
+                    <a:ea typeface="+mn-ea"/>
+                    <a:cs typeface="+mn-cs"/>
+                  </a:defRPr>
+                </a:pPr>
+                <a:r>
+                  <a:rPr lang="ja-JP" altLang="en-US"/>
+                  <a:t>ツイート数</a:t>
+                </a:r>
+              </a:p>
+            </c:rich>
+          </c:tx>
+          <c:layout/>
+          <c:overlay val="0"/>
+          <c:spPr>
+            <a:noFill/>
+            <a:ln>
+              <a:noFill/>
+            </a:ln>
+            <a:effectLst/>
+          </c:spPr>
+          <c:txPr>
+            <a:bodyPr rot="-5400000" spcFirstLastPara="1" vertOverflow="ellipsis" vert="horz" wrap="square" anchor="ctr" anchorCtr="1"/>
+            <a:lstStyle/>
+            <a:p>
+              <a:pPr>
+                <a:defRPr sz="1000" b="0" i="0" u="none" strike="noStrike" kern="1200" baseline="0">
+                  <a:solidFill>
+                    <a:schemeClr val="tx1">
+                      <a:lumMod val="65000"/>
+                      <a:lumOff val="35000"/>
+                    </a:schemeClr>
+                  </a:solidFill>
+                  <a:latin typeface="+mn-lt"/>
+                  <a:ea typeface="+mn-ea"/>
+                  <a:cs typeface="+mn-cs"/>
+                </a:defRPr>
+              </a:pPr>
+              <a:endParaRPr lang="ja-JP"/>
+            </a:p>
+          </c:txPr>
+        </c:title>
         <c:numFmt formatCode="General" sourceLinked="1"/>
         <c:majorTickMark val="none"/>
         <c:minorTickMark val="none"/>
@@ -689,314 +1340,7 @@
             <a:endParaRPr lang="ja-JP"/>
           </a:p>
         </c:txPr>
-        <c:crossAx val="298135112"/>
-        <c:crosses val="autoZero"/>
-        <c:crossBetween val="between"/>
-      </c:valAx>
-      <c:spPr>
-        <a:noFill/>
-        <a:ln>
-          <a:noFill/>
-        </a:ln>
-        <a:effectLst/>
-      </c:spPr>
-    </c:plotArea>
-    <c:plotVisOnly val="1"/>
-    <c:dispBlanksAs val="gap"/>
-    <c:showDLblsOverMax val="0"/>
-  </c:chart>
-  <c:spPr>
-    <a:noFill/>
-    <a:ln>
-      <a:noFill/>
-    </a:ln>
-    <a:effectLst/>
-  </c:spPr>
-  <c:txPr>
-    <a:bodyPr/>
-    <a:lstStyle/>
-    <a:p>
-      <a:pPr>
-        <a:defRPr/>
-      </a:pPr>
-      <a:endParaRPr lang="ja-JP"/>
-    </a:p>
-  </c:txPr>
-  <c:externalData r:id="rId3">
-    <c:autoUpdate val="0"/>
-  </c:externalData>
-</c:chartSpace>
-</file>
-
-<file path=ppt/charts/chart3.xml><?xml version="1.0" encoding="utf-8"?>
-<c:chartSpace xmlns:c="http://schemas.openxmlformats.org/drawingml/2006/chart" xmlns:a="http://schemas.openxmlformats.org/drawingml/2006/main" xmlns:r="http://schemas.openxmlformats.org/officeDocument/2006/relationships">
-  <c:date1904 val="0"/>
-  <c:lang val="ja-JP"/>
-  <c:roundedCorners val="0"/>
-  <mc:AlternateContent xmlns:mc="http://schemas.openxmlformats.org/markup-compatibility/2006">
-    <mc:Choice xmlns:c14="http://schemas.microsoft.com/office/drawing/2007/8/2/chart" Requires="c14">
-      <c14:style val="102"/>
-    </mc:Choice>
-    <mc:Fallback>
-      <c:style val="2"/>
-    </mc:Fallback>
-  </mc:AlternateContent>
-  <c:chart>
-    <c:title>
-      <c:tx>
-        <c:rich>
-          <a:bodyPr rot="0" spcFirstLastPara="1" vertOverflow="ellipsis" vert="horz" wrap="square" anchor="ctr" anchorCtr="1"/>
-          <a:lstStyle/>
-          <a:p>
-            <a:pPr>
-              <a:defRPr sz="1400" b="0" i="0" u="none" strike="noStrike" kern="1200" spc="0" baseline="0">
-                <a:solidFill>
-                  <a:schemeClr val="tx1">
-                    <a:lumMod val="65000"/>
-                    <a:lumOff val="35000"/>
-                  </a:schemeClr>
-                </a:solidFill>
-                <a:latin typeface="+mn-lt"/>
-                <a:ea typeface="+mn-ea"/>
-                <a:cs typeface="+mn-cs"/>
-              </a:defRPr>
-            </a:pPr>
-            <a:r>
-              <a:rPr lang="ja-JP" altLang="en-US" dirty="0" smtClean="0"/>
-              <a:t>再生数の増加②</a:t>
-            </a:r>
-            <a:endParaRPr lang="ja-JP" altLang="en-US" dirty="0"/>
-          </a:p>
-        </c:rich>
-      </c:tx>
-      <c:layout/>
-      <c:overlay val="0"/>
-      <c:spPr>
-        <a:noFill/>
-        <a:ln>
-          <a:noFill/>
-        </a:ln>
-        <a:effectLst/>
-      </c:spPr>
-      <c:txPr>
-        <a:bodyPr rot="0" spcFirstLastPara="1" vertOverflow="ellipsis" vert="horz" wrap="square" anchor="ctr" anchorCtr="1"/>
-        <a:lstStyle/>
-        <a:p>
-          <a:pPr>
-            <a:defRPr sz="1400" b="0" i="0" u="none" strike="noStrike" kern="1200" spc="0" baseline="0">
-              <a:solidFill>
-                <a:schemeClr val="tx1">
-                  <a:lumMod val="65000"/>
-                  <a:lumOff val="35000"/>
-                </a:schemeClr>
-              </a:solidFill>
-              <a:latin typeface="+mn-lt"/>
-              <a:ea typeface="+mn-ea"/>
-              <a:cs typeface="+mn-cs"/>
-            </a:defRPr>
-          </a:pPr>
-          <a:endParaRPr lang="ja-JP"/>
-        </a:p>
-      </c:txPr>
-    </c:title>
-    <c:autoTitleDeleted val="0"/>
-    <c:plotArea>
-      <c:layout/>
-      <c:barChart>
-        <c:barDir val="col"/>
-        <c:grouping val="clustered"/>
-        <c:varyColors val="0"/>
-        <c:ser>
-          <c:idx val="0"/>
-          <c:order val="0"/>
-          <c:spPr>
-            <a:solidFill>
-              <a:schemeClr val="accent1"/>
-            </a:solidFill>
-            <a:ln>
-              <a:noFill/>
-            </a:ln>
-            <a:effectLst/>
-          </c:spPr>
-          <c:invertIfNegative val="0"/>
-          <c:cat>
-            <c:numRef>
-              <c:f>Sheet1!$B$4:$H$4</c:f>
-              <c:numCache>
-                <c:formatCode>General</c:formatCode>
-                <c:ptCount val="7"/>
-                <c:pt idx="0">
-                  <c:v>6</c:v>
-                </c:pt>
-                <c:pt idx="1">
-                  <c:v>7</c:v>
-                </c:pt>
-                <c:pt idx="2">
-                  <c:v>8</c:v>
-                </c:pt>
-                <c:pt idx="3">
-                  <c:v>9</c:v>
-                </c:pt>
-                <c:pt idx="4">
-                  <c:v>10</c:v>
-                </c:pt>
-                <c:pt idx="5">
-                  <c:v>11</c:v>
-                </c:pt>
-                <c:pt idx="6">
-                  <c:v>12</c:v>
-                </c:pt>
-              </c:numCache>
-            </c:numRef>
-          </c:cat>
-          <c:val>
-            <c:numRef>
-              <c:f>Sheet1!$B$5:$H$5</c:f>
-              <c:numCache>
-                <c:formatCode>General</c:formatCode>
-                <c:ptCount val="7"/>
-                <c:pt idx="0">
-                  <c:v>37</c:v>
-                </c:pt>
-                <c:pt idx="1">
-                  <c:v>1209</c:v>
-                </c:pt>
-                <c:pt idx="2">
-                  <c:v>2944</c:v>
-                </c:pt>
-                <c:pt idx="3">
-                  <c:v>3827</c:v>
-                </c:pt>
-                <c:pt idx="4">
-                  <c:v>5540</c:v>
-                </c:pt>
-                <c:pt idx="5">
-                  <c:v>6385</c:v>
-                </c:pt>
-                <c:pt idx="6">
-                  <c:v>7234</c:v>
-                </c:pt>
-              </c:numCache>
-            </c:numRef>
-          </c:val>
-        </c:ser>
-        <c:dLbls>
-          <c:showLegendKey val="0"/>
-          <c:showVal val="0"/>
-          <c:showCatName val="0"/>
-          <c:showSerName val="0"/>
-          <c:showPercent val="0"/>
-          <c:showBubbleSize val="0"/>
-        </c:dLbls>
-        <c:gapWidth val="219"/>
-        <c:overlap val="-27"/>
-        <c:axId val="460118528"/>
-        <c:axId val="460120096"/>
-      </c:barChart>
-      <c:catAx>
-        <c:axId val="460118528"/>
-        <c:scaling>
-          <c:orientation val="minMax"/>
-        </c:scaling>
-        <c:delete val="0"/>
-        <c:axPos val="b"/>
-        <c:numFmt formatCode="General" sourceLinked="1"/>
-        <c:majorTickMark val="none"/>
-        <c:minorTickMark val="none"/>
-        <c:tickLblPos val="nextTo"/>
-        <c:spPr>
-          <a:noFill/>
-          <a:ln w="9525" cap="flat" cmpd="sng" algn="ctr">
-            <a:solidFill>
-              <a:schemeClr val="tx1">
-                <a:lumMod val="15000"/>
-                <a:lumOff val="85000"/>
-              </a:schemeClr>
-            </a:solidFill>
-            <a:round/>
-          </a:ln>
-          <a:effectLst/>
-        </c:spPr>
-        <c:txPr>
-          <a:bodyPr rot="-60000000" spcFirstLastPara="1" vertOverflow="ellipsis" vert="horz" wrap="square" anchor="ctr" anchorCtr="1"/>
-          <a:lstStyle/>
-          <a:p>
-            <a:pPr>
-              <a:defRPr sz="900" b="0" i="0" u="none" strike="noStrike" kern="1200" baseline="0">
-                <a:solidFill>
-                  <a:schemeClr val="tx1">
-                    <a:lumMod val="65000"/>
-                    <a:lumOff val="35000"/>
-                  </a:schemeClr>
-                </a:solidFill>
-                <a:latin typeface="+mn-lt"/>
-                <a:ea typeface="+mn-ea"/>
-                <a:cs typeface="+mn-cs"/>
-              </a:defRPr>
-            </a:pPr>
-            <a:endParaRPr lang="ja-JP"/>
-          </a:p>
-        </c:txPr>
-        <c:crossAx val="460120096"/>
-        <c:crosses val="autoZero"/>
-        <c:auto val="1"/>
-        <c:lblAlgn val="ctr"/>
-        <c:lblOffset val="100"/>
-        <c:noMultiLvlLbl val="0"/>
-      </c:catAx>
-      <c:valAx>
-        <c:axId val="460120096"/>
-        <c:scaling>
-          <c:orientation val="minMax"/>
-        </c:scaling>
-        <c:delete val="0"/>
-        <c:axPos val="l"/>
-        <c:majorGridlines>
-          <c:spPr>
-            <a:ln w="9525" cap="flat" cmpd="sng" algn="ctr">
-              <a:solidFill>
-                <a:schemeClr val="tx1">
-                  <a:lumMod val="15000"/>
-                  <a:lumOff val="85000"/>
-                </a:schemeClr>
-              </a:solidFill>
-              <a:round/>
-            </a:ln>
-            <a:effectLst/>
-          </c:spPr>
-        </c:majorGridlines>
-        <c:numFmt formatCode="General" sourceLinked="1"/>
-        <c:majorTickMark val="none"/>
-        <c:minorTickMark val="none"/>
-        <c:tickLblPos val="nextTo"/>
-        <c:spPr>
-          <a:noFill/>
-          <a:ln>
-            <a:noFill/>
-          </a:ln>
-          <a:effectLst/>
-        </c:spPr>
-        <c:txPr>
-          <a:bodyPr rot="-60000000" spcFirstLastPara="1" vertOverflow="ellipsis" vert="horz" wrap="square" anchor="ctr" anchorCtr="1"/>
-          <a:lstStyle/>
-          <a:p>
-            <a:pPr>
-              <a:defRPr sz="900" b="0" i="0" u="none" strike="noStrike" kern="1200" baseline="0">
-                <a:solidFill>
-                  <a:schemeClr val="tx1">
-                    <a:lumMod val="65000"/>
-                    <a:lumOff val="35000"/>
-                  </a:schemeClr>
-                </a:solidFill>
-                <a:latin typeface="+mn-lt"/>
-                <a:ea typeface="+mn-ea"/>
-                <a:cs typeface="+mn-cs"/>
-              </a:defRPr>
-            </a:pPr>
-            <a:endParaRPr lang="ja-JP"/>
-          </a:p>
-        </c:txPr>
-        <c:crossAx val="460118528"/>
+        <c:crossAx val="264293856"/>
         <c:crosses val="autoZero"/>
         <c:crossBetween val="between"/>
       </c:valAx>
@@ -1069,10 +1413,9 @@
               </a:defRPr>
             </a:pPr>
             <a:r>
-              <a:rPr lang="ja-JP" altLang="en-US" dirty="0" smtClean="0"/>
-              <a:t>ツイート数の増加④</a:t>
-            </a:r>
-            <a:endParaRPr lang="ja-JP" altLang="en-US" dirty="0"/>
+              <a:rPr lang="ja-JP" altLang="en-US"/>
+              <a:t>時間別ツイート数④</a:t>
+            </a:r>
           </a:p>
         </c:rich>
       </c:tx>
@@ -1197,16 +1540,72 @@
         </c:dLbls>
         <c:gapWidth val="219"/>
         <c:overlap val="-27"/>
-        <c:axId val="341756080"/>
-        <c:axId val="341757648"/>
+        <c:axId val="264290328"/>
+        <c:axId val="264294248"/>
       </c:barChart>
       <c:catAx>
-        <c:axId val="341756080"/>
+        <c:axId val="264290328"/>
         <c:scaling>
           <c:orientation val="minMax"/>
         </c:scaling>
         <c:delete val="0"/>
         <c:axPos val="b"/>
+        <c:title>
+          <c:tx>
+            <c:rich>
+              <a:bodyPr rot="0" spcFirstLastPara="1" vertOverflow="ellipsis" vert="horz" wrap="square" anchor="ctr" anchorCtr="1"/>
+              <a:lstStyle/>
+              <a:p>
+                <a:pPr>
+                  <a:defRPr sz="1000" b="0" i="0" u="none" strike="noStrike" kern="1200" baseline="0">
+                    <a:solidFill>
+                      <a:schemeClr val="tx1">
+                        <a:lumMod val="65000"/>
+                        <a:lumOff val="35000"/>
+                      </a:schemeClr>
+                    </a:solidFill>
+                    <a:latin typeface="+mn-lt"/>
+                    <a:ea typeface="+mn-ea"/>
+                    <a:cs typeface="+mn-cs"/>
+                  </a:defRPr>
+                </a:pPr>
+                <a:r>
+                  <a:rPr lang="ja-JP" altLang="en-US"/>
+                  <a:t>時間</a:t>
+                </a:r>
+              </a:p>
+            </c:rich>
+          </c:tx>
+          <c:layout/>
+          <c:overlay val="0"/>
+          <c:spPr>
+            <a:noFill/>
+            <a:ln>
+              <a:noFill/>
+            </a:ln>
+            <a:effectLst/>
+          </c:spPr>
+          <c:txPr>
+            <a:bodyPr rot="0" spcFirstLastPara="1" vertOverflow="ellipsis" vert="horz" wrap="square" anchor="ctr" anchorCtr="1"/>
+            <a:lstStyle/>
+            <a:p>
+              <a:pPr>
+                <a:defRPr sz="1000" b="0" i="0" u="none" strike="noStrike" kern="1200" baseline="0">
+                  <a:solidFill>
+                    <a:schemeClr val="tx1">
+                      <a:lumMod val="65000"/>
+                      <a:lumOff val="35000"/>
+                    </a:schemeClr>
+                  </a:solidFill>
+                  <a:latin typeface="+mn-lt"/>
+                  <a:ea typeface="+mn-ea"/>
+                  <a:cs typeface="+mn-cs"/>
+                </a:defRPr>
+              </a:pPr>
+              <a:endParaRPr lang="ja-JP"/>
+            </a:p>
+          </c:txPr>
+        </c:title>
         <c:numFmt formatCode="General" sourceLinked="1"/>
         <c:majorTickMark val="none"/>
         <c:minorTickMark val="none"/>
@@ -1244,7 +1643,7 @@
             <a:endParaRPr lang="ja-JP"/>
           </a:p>
         </c:txPr>
-        <c:crossAx val="341757648"/>
+        <c:crossAx val="264294248"/>
         <c:crosses val="autoZero"/>
         <c:auto val="1"/>
         <c:lblAlgn val="ctr"/>
@@ -1252,7 +1651,7 @@
         <c:noMultiLvlLbl val="0"/>
       </c:catAx>
       <c:valAx>
-        <c:axId val="341757648"/>
+        <c:axId val="264294248"/>
         <c:scaling>
           <c:orientation val="minMax"/>
         </c:scaling>
@@ -1272,6 +1671,62 @@
             <a:effectLst/>
           </c:spPr>
         </c:majorGridlines>
+        <c:title>
+          <c:tx>
+            <c:rich>
+              <a:bodyPr rot="-5400000" spcFirstLastPara="1" vertOverflow="ellipsis" vert="horz" wrap="square" anchor="ctr" anchorCtr="1"/>
+              <a:lstStyle/>
+              <a:p>
+                <a:pPr>
+                  <a:defRPr sz="1000" b="0" i="0" u="none" strike="noStrike" kern="1200" baseline="0">
+                    <a:solidFill>
+                      <a:schemeClr val="tx1">
+                        <a:lumMod val="65000"/>
+                        <a:lumOff val="35000"/>
+                      </a:schemeClr>
+                    </a:solidFill>
+                    <a:latin typeface="+mn-lt"/>
+                    <a:ea typeface="+mn-ea"/>
+                    <a:cs typeface="+mn-cs"/>
+                  </a:defRPr>
+                </a:pPr>
+                <a:r>
+                  <a:rPr lang="ja-JP" altLang="en-US"/>
+                  <a:t>ツイート数</a:t>
+                </a:r>
+              </a:p>
+            </c:rich>
+          </c:tx>
+          <c:layout/>
+          <c:overlay val="0"/>
+          <c:spPr>
+            <a:noFill/>
+            <a:ln>
+              <a:noFill/>
+            </a:ln>
+            <a:effectLst/>
+          </c:spPr>
+          <c:txPr>
+            <a:bodyPr rot="-5400000" spcFirstLastPara="1" vertOverflow="ellipsis" vert="horz" wrap="square" anchor="ctr" anchorCtr="1"/>
+            <a:lstStyle/>
+            <a:p>
+              <a:pPr>
+                <a:defRPr sz="1000" b="0" i="0" u="none" strike="noStrike" kern="1200" baseline="0">
+                  <a:solidFill>
+                    <a:schemeClr val="tx1">
+                      <a:lumMod val="65000"/>
+                      <a:lumOff val="35000"/>
+                    </a:schemeClr>
+                  </a:solidFill>
+                  <a:latin typeface="+mn-lt"/>
+                  <a:ea typeface="+mn-ea"/>
+                  <a:cs typeface="+mn-cs"/>
+                </a:defRPr>
+              </a:pPr>
+              <a:endParaRPr lang="ja-JP"/>
+            </a:p>
+          </c:txPr>
+        </c:title>
         <c:numFmt formatCode="General" sourceLinked="1"/>
         <c:majorTickMark val="none"/>
         <c:minorTickMark val="none"/>
@@ -1303,7 +1758,7 @@
             <a:endParaRPr lang="ja-JP"/>
           </a:p>
         </c:txPr>
-        <c:crossAx val="341756080"/>
+        <c:crossAx val="264290328"/>
         <c:crosses val="autoZero"/>
         <c:crossBetween val="between"/>
       </c:valAx>
@@ -1503,7 +1958,7 @@
 </file>
 
 <file path=ppt/charts/style1.xml><?xml version="1.0" encoding="utf-8"?>
-<cs:chartStyle xmlns:cs="http://schemas.microsoft.com/office/drawing/2012/chartStyle" xmlns:a="http://schemas.openxmlformats.org/drawingml/2006/main" id="227">
+<cs:chartStyle xmlns:cs="http://schemas.microsoft.com/office/drawing/2012/chartStyle" xmlns:a="http://schemas.openxmlformats.org/drawingml/2006/main" id="201">
   <cs:axisTitle>
     <cs:lnRef idx="0"/>
     <cs:fillRef idx="0"/>
@@ -1611,11 +2066,6 @@
     <cs:fontRef idx="minor">
       <a:schemeClr val="tx1"/>
     </cs:fontRef>
-    <cs:spPr>
-      <a:solidFill>
-        <a:schemeClr val="phClr"/>
-      </a:solidFill>
-    </cs:spPr>
   </cs:dataPoint>
   <cs:dataPoint3D>
     <cs:lnRef idx="0"/>
@@ -1626,11 +2076,6 @@
     <cs:fontRef idx="minor">
       <a:schemeClr val="tx1"/>
     </cs:fontRef>
-    <cs:spPr>
-      <a:solidFill>
-        <a:schemeClr val="phClr"/>
-      </a:solidFill>
-    </cs:spPr>
   </cs:dataPoint3D>
   <cs:dataPointLine>
     <cs:lnRef idx="0">
@@ -1662,9 +2107,6 @@
       <a:schemeClr val="tx1"/>
     </cs:fontRef>
     <cs:spPr>
-      <a:solidFill>
-        <a:schemeClr val="phClr"/>
-      </a:solidFill>
       <a:ln w="9525">
         <a:solidFill>
           <a:schemeClr val="phClr"/>
@@ -2019,7 +2461,7 @@
 </file>
 
 <file path=ppt/charts/style2.xml><?xml version="1.0" encoding="utf-8"?>
-<cs:chartStyle xmlns:cs="http://schemas.microsoft.com/office/drawing/2012/chartStyle" xmlns:a="http://schemas.openxmlformats.org/drawingml/2006/main" id="227">
+<cs:chartStyle xmlns:cs="http://schemas.microsoft.com/office/drawing/2012/chartStyle" xmlns:a="http://schemas.openxmlformats.org/drawingml/2006/main" id="201">
   <cs:axisTitle>
     <cs:lnRef idx="0"/>
     <cs:fillRef idx="0"/>
@@ -2127,11 +2569,6 @@
     <cs:fontRef idx="minor">
       <a:schemeClr val="tx1"/>
     </cs:fontRef>
-    <cs:spPr>
-      <a:solidFill>
-        <a:schemeClr val="phClr"/>
-      </a:solidFill>
-    </cs:spPr>
   </cs:dataPoint>
   <cs:dataPoint3D>
     <cs:lnRef idx="0"/>
@@ -2142,11 +2579,6 @@
     <cs:fontRef idx="minor">
       <a:schemeClr val="tx1"/>
     </cs:fontRef>
-    <cs:spPr>
-      <a:solidFill>
-        <a:schemeClr val="phClr"/>
-      </a:solidFill>
-    </cs:spPr>
   </cs:dataPoint3D>
   <cs:dataPointLine>
     <cs:lnRef idx="0">
@@ -2178,9 +2610,6 @@
       <a:schemeClr val="tx1"/>
     </cs:fontRef>
     <cs:spPr>
-      <a:solidFill>
-        <a:schemeClr val="phClr"/>
-      </a:solidFill>
       <a:ln w="9525">
         <a:solidFill>
           <a:schemeClr val="phClr"/>
@@ -2535,7 +2964,7 @@
 </file>
 
 <file path=ppt/charts/style3.xml><?xml version="1.0" encoding="utf-8"?>
-<cs:chartStyle xmlns:cs="http://schemas.microsoft.com/office/drawing/2012/chartStyle" xmlns:a="http://schemas.openxmlformats.org/drawingml/2006/main" id="201">
+<cs:chartStyle xmlns:cs="http://schemas.microsoft.com/office/drawing/2012/chartStyle" xmlns:a="http://schemas.openxmlformats.org/drawingml/2006/main" id="227">
   <cs:axisTitle>
     <cs:lnRef idx="0"/>
     <cs:fillRef idx="0"/>
@@ -2643,6 +3072,11 @@
     <cs:fontRef idx="minor">
       <a:schemeClr val="tx1"/>
     </cs:fontRef>
+    <cs:spPr>
+      <a:solidFill>
+        <a:schemeClr val="phClr"/>
+      </a:solidFill>
+    </cs:spPr>
   </cs:dataPoint>
   <cs:dataPoint3D>
     <cs:lnRef idx="0"/>
@@ -2653,6 +3087,11 @@
     <cs:fontRef idx="minor">
       <a:schemeClr val="tx1"/>
     </cs:fontRef>
+    <cs:spPr>
+      <a:solidFill>
+        <a:schemeClr val="phClr"/>
+      </a:solidFill>
+    </cs:spPr>
   </cs:dataPoint3D>
   <cs:dataPointLine>
     <cs:lnRef idx="0">
@@ -2684,6 +3123,9 @@
       <a:schemeClr val="tx1"/>
     </cs:fontRef>
     <cs:spPr>
+      <a:solidFill>
+        <a:schemeClr val="phClr"/>
+      </a:solidFill>
       <a:ln w="9525">
         <a:solidFill>
           <a:schemeClr val="phClr"/>
@@ -3725,7 +4167,7 @@
           <a:p>
             <a:fld id="{FF7A58FD-EF7A-4BF1-AE4A-3BD5BDDA2978}" type="datetimeFigureOut">
               <a:rPr kumimoji="1" lang="ja-JP" altLang="en-US" smtClean="0"/>
-              <a:t>2016/10/11</a:t>
+              <a:t>2016/10/12</a:t>
             </a:fld>
             <a:endParaRPr kumimoji="1" lang="ja-JP" altLang="en-US"/>
           </a:p>
@@ -3939,7 +4381,7 @@
           <a:p>
             <a:fld id="{FF7A58FD-EF7A-4BF1-AE4A-3BD5BDDA2978}" type="datetimeFigureOut">
               <a:rPr kumimoji="1" lang="ja-JP" altLang="en-US" smtClean="0"/>
-              <a:t>2016/10/11</a:t>
+              <a:t>2016/10/12</a:t>
             </a:fld>
             <a:endParaRPr kumimoji="1" lang="ja-JP" altLang="en-US"/>
           </a:p>
@@ -4163,7 +4605,7 @@
           <a:p>
             <a:fld id="{FF7A58FD-EF7A-4BF1-AE4A-3BD5BDDA2978}" type="datetimeFigureOut">
               <a:rPr kumimoji="1" lang="ja-JP" altLang="en-US" smtClean="0"/>
-              <a:t>2016/10/11</a:t>
+              <a:t>2016/10/12</a:t>
             </a:fld>
             <a:endParaRPr kumimoji="1" lang="ja-JP" altLang="en-US"/>
           </a:p>
@@ -4377,7 +4819,7 @@
           <a:p>
             <a:fld id="{FF7A58FD-EF7A-4BF1-AE4A-3BD5BDDA2978}" type="datetimeFigureOut">
               <a:rPr kumimoji="1" lang="ja-JP" altLang="en-US" smtClean="0"/>
-              <a:t>2016/10/11</a:t>
+              <a:t>2016/10/12</a:t>
             </a:fld>
             <a:endParaRPr kumimoji="1" lang="ja-JP" altLang="en-US"/>
           </a:p>
@@ -4635,7 +5077,7 @@
           <a:p>
             <a:fld id="{FF7A58FD-EF7A-4BF1-AE4A-3BD5BDDA2978}" type="datetimeFigureOut">
               <a:rPr kumimoji="1" lang="ja-JP" altLang="en-US" smtClean="0"/>
-              <a:t>2016/10/11</a:t>
+              <a:t>2016/10/12</a:t>
             </a:fld>
             <a:endParaRPr kumimoji="1" lang="ja-JP" altLang="en-US"/>
           </a:p>
@@ -4999,7 +5441,7 @@
           <a:p>
             <a:fld id="{FF7A58FD-EF7A-4BF1-AE4A-3BD5BDDA2978}" type="datetimeFigureOut">
               <a:rPr kumimoji="1" lang="ja-JP" altLang="en-US" smtClean="0"/>
-              <a:t>2016/10/11</a:t>
+              <a:t>2016/10/12</a:t>
             </a:fld>
             <a:endParaRPr kumimoji="1" lang="ja-JP" altLang="en-US"/>
           </a:p>
@@ -5497,7 +5939,7 @@
           <a:p>
             <a:fld id="{FF7A58FD-EF7A-4BF1-AE4A-3BD5BDDA2978}" type="datetimeFigureOut">
               <a:rPr kumimoji="1" lang="ja-JP" altLang="en-US" smtClean="0"/>
-              <a:t>2016/10/11</a:t>
+              <a:t>2016/10/12</a:t>
             </a:fld>
             <a:endParaRPr kumimoji="1" lang="ja-JP" altLang="en-US"/>
           </a:p>
@@ -5627,7 +6069,7 @@
           <a:p>
             <a:fld id="{FF7A58FD-EF7A-4BF1-AE4A-3BD5BDDA2978}" type="datetimeFigureOut">
               <a:rPr kumimoji="1" lang="ja-JP" altLang="en-US" smtClean="0"/>
-              <a:t>2016/10/11</a:t>
+              <a:t>2016/10/12</a:t>
             </a:fld>
             <a:endParaRPr kumimoji="1" lang="ja-JP" altLang="en-US"/>
           </a:p>
@@ -5734,7 +6176,7 @@
           <a:p>
             <a:fld id="{FF7A58FD-EF7A-4BF1-AE4A-3BD5BDDA2978}" type="datetimeFigureOut">
               <a:rPr kumimoji="1" lang="ja-JP" altLang="en-US" smtClean="0"/>
-              <a:t>2016/10/11</a:t>
+              <a:t>2016/10/12</a:t>
             </a:fld>
             <a:endParaRPr kumimoji="1" lang="ja-JP" altLang="en-US"/>
           </a:p>
@@ -6055,7 +6497,7 @@
           <a:p>
             <a:fld id="{FF7A58FD-EF7A-4BF1-AE4A-3BD5BDDA2978}" type="datetimeFigureOut">
               <a:rPr kumimoji="1" lang="ja-JP" altLang="en-US" smtClean="0"/>
-              <a:t>2016/10/11</a:t>
+              <a:t>2016/10/12</a:t>
             </a:fld>
             <a:endParaRPr kumimoji="1" lang="ja-JP" altLang="en-US"/>
           </a:p>
@@ -6326,7 +6768,7 @@
           <a:p>
             <a:fld id="{FF7A58FD-EF7A-4BF1-AE4A-3BD5BDDA2978}" type="datetimeFigureOut">
               <a:rPr kumimoji="1" lang="ja-JP" altLang="en-US" smtClean="0"/>
-              <a:t>2016/10/11</a:t>
+              <a:t>2016/10/12</a:t>
             </a:fld>
             <a:endParaRPr kumimoji="1" lang="ja-JP" altLang="en-US"/>
           </a:p>
@@ -6631,7 +7073,7 @@
           <a:p>
             <a:fld id="{FF7A58FD-EF7A-4BF1-AE4A-3BD5BDDA2978}" type="datetimeFigureOut">
               <a:rPr kumimoji="1" lang="ja-JP" altLang="en-US" smtClean="0"/>
-              <a:t>2016/10/11</a:t>
+              <a:t>2016/10/12</a:t>
             </a:fld>
             <a:endParaRPr kumimoji="1" lang="ja-JP" altLang="en-US"/>
           </a:p>
@@ -7181,7 +7623,7 @@
         </p:nvSpPr>
         <p:spPr>
           <a:xfrm>
-            <a:off x="1" y="-304800"/>
+            <a:off x="-212755" y="0"/>
             <a:ext cx="21383624" cy="30275213"/>
           </a:xfrm>
           <a:prstGeom prst="rect">
@@ -7229,8 +7671,8 @@
         </p:nvSpPr>
         <p:spPr>
           <a:xfrm>
-            <a:off x="1603772" y="707144"/>
-            <a:ext cx="18176081" cy="763734"/>
+            <a:off x="495301" y="707143"/>
+            <a:ext cx="19776908" cy="1060730"/>
           </a:xfrm>
         </p:spPr>
         <p:txBody>
@@ -7245,7 +7687,15 @@
             </a:r>
             <a:r>
               <a:rPr lang="ja-JP" altLang="en-US" sz="7200" dirty="0"/>
-              <a:t>動画のカテゴリ合算毎時総合ランキングの順位と</a:t>
+              <a:t>動画のカテゴリ合算毎時</a:t>
+            </a:r>
+            <a:r>
+              <a:rPr lang="ja-JP" altLang="en-US" sz="7200" dirty="0" smtClean="0"/>
+              <a:t>総合ランキング</a:t>
+            </a:r>
+            <a:r>
+              <a:rPr lang="ja-JP" altLang="en-US" sz="7200" dirty="0"/>
+              <a:t>の順位と</a:t>
             </a:r>
             <a:r>
               <a:rPr lang="en-US" altLang="ja-JP" sz="7200" dirty="0" smtClean="0"/>
@@ -7576,7 +8026,15 @@
           <a:p>
             <a:r>
               <a:rPr lang="ja-JP" altLang="en-US" sz="4000" dirty="0"/>
-              <a:t>ニコニコ動画のカテゴリ合算毎時総合ランキングから</a:t>
+              <a:t>ニコニコ動画のカテゴリ合算毎時</a:t>
+            </a:r>
+            <a:r>
+              <a:rPr lang="ja-JP" altLang="en-US" sz="4000" dirty="0" smtClean="0"/>
+              <a:t>総合ランキング</a:t>
+            </a:r>
+            <a:r>
+              <a:rPr lang="ja-JP" altLang="en-US" sz="4000" dirty="0"/>
+              <a:t>から</a:t>
             </a:r>
             <a:r>
               <a:rPr lang="en-US" altLang="ja-JP" sz="4000" dirty="0"/>
@@ -8008,7 +8466,7 @@
         </p:nvSpPr>
         <p:spPr>
           <a:xfrm>
-            <a:off x="1028341" y="7645211"/>
+            <a:off x="1028341" y="4640502"/>
             <a:ext cx="19070380" cy="1356467"/>
           </a:xfrm>
           <a:prstGeom prst="roundRect">
@@ -8040,11 +8498,26 @@
           <a:p>
             <a:r>
               <a:rPr lang="ja-JP" altLang="en-US" sz="4000" dirty="0" smtClean="0"/>
-              <a:t>ランキング</a:t>
+              <a:t>ニコニコ動画にあるカテゴリ合算毎時総合ランキングの順位を上げる</a:t>
             </a:r>
             <a:r>
               <a:rPr lang="ja-JP" altLang="en-US" sz="4000" dirty="0"/>
-              <a:t>を上げるために投稿者が動画の説明欄</a:t>
+              <a:t>ために投稿者</a:t>
+            </a:r>
+            <a:r>
+              <a:rPr lang="ja-JP" altLang="en-US" sz="4000" dirty="0" smtClean="0"/>
+              <a:t>が</a:t>
+            </a:r>
+            <a:endParaRPr lang="en-US" altLang="ja-JP" sz="4000" dirty="0" smtClean="0"/>
+          </a:p>
+          <a:p>
+            <a:r>
+              <a:rPr lang="ja-JP" altLang="en-US" sz="4000" dirty="0" smtClean="0"/>
+              <a:t>動画</a:t>
+            </a:r>
+            <a:r>
+              <a:rPr lang="ja-JP" altLang="en-US" sz="4000" dirty="0"/>
+              <a:t>の説明欄</a:t>
             </a:r>
             <a:r>
               <a:rPr lang="ja-JP" altLang="en-US" sz="4000" dirty="0" smtClean="0"/>
@@ -8064,26 +8537,14 @@
             </a:r>
             <a:r>
               <a:rPr lang="ja-JP" altLang="en-US" sz="4000" dirty="0" smtClean="0"/>
-              <a:t>のユーザー名</a:t>
+              <a:t>へ</a:t>
             </a:r>
             <a:r>
               <a:rPr lang="ja-JP" altLang="en-US" sz="4000" dirty="0"/>
-              <a:t>を</a:t>
+              <a:t>行くことができるリンクが貼られて</a:t>
             </a:r>
             <a:r>
               <a:rPr lang="ja-JP" altLang="en-US" sz="4000" dirty="0" smtClean="0"/>
-              <a:t>貼</a:t>
-            </a:r>
-            <a:r>
-              <a:rPr lang="ja-JP" altLang="en-US" sz="4000" dirty="0" smtClean="0"/>
-              <a:t>っ</a:t>
-            </a:r>
-            <a:r>
-              <a:rPr lang="ja-JP" altLang="en-US" sz="4000" dirty="0" smtClean="0"/>
-              <a:t>て</a:t>
-            </a:r>
-            <a:r>
-              <a:rPr lang="ja-JP" altLang="en-US" sz="4000" dirty="0"/>
               <a:t>いた．</a:t>
             </a:r>
             <a:endParaRPr lang="en-US" altLang="ja-JP" sz="4000" dirty="0"/>
@@ -8098,8 +8559,8 @@
         </p:nvSpPr>
         <p:spPr>
           <a:xfrm>
-            <a:off x="1028341" y="11358989"/>
-            <a:ext cx="9271383" cy="3332268"/>
+            <a:off x="1028341" y="13503687"/>
+            <a:ext cx="18908297" cy="1550755"/>
           </a:xfrm>
           <a:prstGeom prst="roundRect">
             <a:avLst/>
@@ -8120,108 +8581,29 @@
           </a:fontRef>
         </p:style>
         <p:txBody>
-          <a:bodyPr rtlCol="0" anchor="ctr"/>
+          <a:bodyPr rtlCol="0" anchor="t" anchorCtr="0"/>
           <a:lstStyle/>
           <a:p>
             <a:r>
               <a:rPr lang="ja-JP" altLang="en-US" sz="4000" dirty="0" smtClean="0"/>
-              <a:t>そこ</a:t>
+              <a:t>私</a:t>
             </a:r>
             <a:r>
               <a:rPr lang="ja-JP" altLang="en-US" sz="4000" dirty="0"/>
-              <a:t>で私はニコニコ</a:t>
-            </a:r>
-            <a:r>
-              <a:rPr lang="ja-JP" altLang="en-US" sz="4000" dirty="0" smtClean="0"/>
-              <a:t>動画の</a:t>
+              <a:t>はニコニコ動画のカテゴリ合算毎時総合ランキングと</a:t>
+            </a:r>
+            <a:r>
+              <a:rPr lang="en-US" altLang="ja-JP" sz="4000" dirty="0" smtClean="0"/>
+              <a:t>Twitter</a:t>
             </a:r>
             <a:r>
               <a:rPr lang="ja-JP" altLang="en-US" sz="4000" dirty="0"/>
-              <a:t>カテゴリ合算毎時総合ランキングと</a:t>
-            </a:r>
-            <a:r>
-              <a:rPr lang="en-US" altLang="ja-JP" sz="4000" dirty="0" smtClean="0"/>
-              <a:t>Twitter </a:t>
-            </a:r>
-            <a:r>
-              <a:rPr lang="ja-JP" altLang="en-US" sz="4000" dirty="0"/>
-              <a:t>の</a:t>
-            </a:r>
-            <a:r>
-              <a:rPr lang="ja-JP" altLang="en-US" sz="4000" dirty="0" smtClean="0"/>
-              <a:t>ツイート数</a:t>
-            </a:r>
-            <a:r>
-              <a:rPr lang="ja-JP" altLang="en-US" sz="4000" dirty="0"/>
-              <a:t>には相関性があると考えた．</a:t>
+              <a:t>のツイート数には相関性があると考えた．</a:t>
             </a:r>
             <a:endParaRPr kumimoji="1" lang="ja-JP" altLang="en-US" sz="4000" dirty="0"/>
           </a:p>
         </p:txBody>
       </p:sp>
-      <p:pic>
-        <p:nvPicPr>
-          <p:cNvPr id="4" name="図 3"/>
-          <p:cNvPicPr>
-            <a:picLocks noChangeAspect="1"/>
-          </p:cNvPicPr>
-          <p:nvPr/>
-        </p:nvPicPr>
-        <p:blipFill>
-          <a:blip r:embed="rId2">
-            <a:extLst>
-              <a:ext uri="{28A0092B-C50C-407E-A947-70E740481C1C}">
-                <a14:useLocalDpi xmlns:a14="http://schemas.microsoft.com/office/drawing/2010/main" val="0"/>
-              </a:ext>
-            </a:extLst>
-          </a:blip>
-          <a:stretch>
-            <a:fillRect/>
-          </a:stretch>
-        </p:blipFill>
-        <p:spPr>
-          <a:xfrm>
-            <a:off x="10629170" y="9111652"/>
-            <a:ext cx="9469551" cy="5927151"/>
-          </a:xfrm>
-          <a:prstGeom prst="rect">
-            <a:avLst/>
-          </a:prstGeom>
-        </p:spPr>
-      </p:pic>
-      <p:cxnSp>
-        <p:nvCxnSpPr>
-          <p:cNvPr id="6" name="直線矢印コネクタ 5"/>
-          <p:cNvCxnSpPr/>
-          <p:nvPr/>
-        </p:nvCxnSpPr>
-        <p:spPr>
-          <a:xfrm>
-            <a:off x="9729261" y="9924520"/>
-            <a:ext cx="1957137" cy="0"/>
-          </a:xfrm>
-          <a:prstGeom prst="straightConnector1">
-            <a:avLst/>
-          </a:prstGeom>
-          <a:ln>
-            <a:tailEnd type="triangle"/>
-          </a:ln>
-        </p:spPr>
-        <p:style>
-          <a:lnRef idx="2">
-            <a:schemeClr val="accent1"/>
-          </a:lnRef>
-          <a:fillRef idx="0">
-            <a:schemeClr val="accent1"/>
-          </a:fillRef>
-          <a:effectRef idx="1">
-            <a:schemeClr val="accent1"/>
-          </a:effectRef>
-          <a:fontRef idx="minor">
-            <a:schemeClr val="tx1"/>
-          </a:fontRef>
-        </p:style>
-      </p:cxnSp>
       <p:sp>
         <p:nvSpPr>
           <p:cNvPr id="7" name="角丸四角形 6"/>
@@ -8230,8 +8612,8 @@
         </p:nvSpPr>
         <p:spPr>
           <a:xfrm>
-            <a:off x="2463231" y="9517772"/>
-            <a:ext cx="7214661" cy="958179"/>
+            <a:off x="12670971" y="6217431"/>
+            <a:ext cx="6894352" cy="958180"/>
           </a:xfrm>
           <a:prstGeom prst="roundRect">
             <a:avLst/>
@@ -8265,7 +8647,15 @@
           <a:p>
             <a:r>
               <a:rPr kumimoji="1" lang="ja-JP" altLang="en-US" sz="4000" dirty="0" smtClean="0"/>
-              <a:t>この欄にユーザー名があります．</a:t>
+              <a:t>この欄に</a:t>
+            </a:r>
+            <a:r>
+              <a:rPr lang="ja-JP" altLang="en-US" sz="4000" dirty="0"/>
+              <a:t>リンク</a:t>
+            </a:r>
+            <a:r>
+              <a:rPr kumimoji="1" lang="ja-JP" altLang="en-US" sz="4000" dirty="0" smtClean="0"/>
+              <a:t>があります．</a:t>
             </a:r>
             <a:endParaRPr kumimoji="1" lang="ja-JP" altLang="en-US" sz="4000" dirty="0"/>
           </a:p>
@@ -8273,21 +8663,45 @@
       </p:sp>
       <p:graphicFrame>
         <p:nvGraphicFramePr>
-          <p:cNvPr id="30" name="グラフ 29"/>
+          <p:cNvPr id="37" name="グラフ 36"/>
           <p:cNvGraphicFramePr>
             <a:graphicFrameLocks/>
           </p:cNvGraphicFramePr>
           <p:nvPr>
             <p:extLst>
               <p:ext uri="{D42A27DB-BD31-4B8C-83A1-F6EECF244321}">
-                <p14:modId xmlns:p14="http://schemas.microsoft.com/office/powerpoint/2010/main" val="1565314243"/>
+                <p14:modId xmlns:p14="http://schemas.microsoft.com/office/powerpoint/2010/main" val="3623433031"/>
               </p:ext>
             </p:extLst>
           </p:nvPr>
         </p:nvGraphicFramePr>
         <p:xfrm>
-          <a:off x="1673558" y="23034979"/>
-          <a:ext cx="3296920" cy="1746931"/>
+          <a:off x="1028341" y="23214334"/>
+          <a:ext cx="3769050" cy="1975989"/>
+        </p:xfrm>
+        <a:graphic>
+          <a:graphicData uri="http://schemas.openxmlformats.org/drawingml/2006/chart">
+            <c:chart xmlns:c="http://schemas.openxmlformats.org/drawingml/2006/chart" xmlns:r="http://schemas.openxmlformats.org/officeDocument/2006/relationships" r:id="rId2"/>
+          </a:graphicData>
+        </a:graphic>
+      </p:graphicFrame>
+      <p:graphicFrame>
+        <p:nvGraphicFramePr>
+          <p:cNvPr id="38" name="グラフ 37"/>
+          <p:cNvGraphicFramePr>
+            <a:graphicFrameLocks/>
+          </p:cNvGraphicFramePr>
+          <p:nvPr>
+            <p:extLst>
+              <p:ext uri="{D42A27DB-BD31-4B8C-83A1-F6EECF244321}">
+                <p14:modId xmlns:p14="http://schemas.microsoft.com/office/powerpoint/2010/main" val="2494084094"/>
+              </p:ext>
+            </p:extLst>
+          </p:nvPr>
+        </p:nvGraphicFramePr>
+        <p:xfrm>
+          <a:off x="1155113" y="25025916"/>
+          <a:ext cx="3961474" cy="2320899"/>
         </p:xfrm>
         <a:graphic>
           <a:graphicData uri="http://schemas.openxmlformats.org/drawingml/2006/chart">
@@ -8297,21 +8711,21 @@
       </p:graphicFrame>
       <p:graphicFrame>
         <p:nvGraphicFramePr>
-          <p:cNvPr id="31" name="グラフ 30"/>
+          <p:cNvPr id="39" name="グラフ 38"/>
           <p:cNvGraphicFramePr>
             <a:graphicFrameLocks/>
           </p:cNvGraphicFramePr>
           <p:nvPr>
             <p:extLst>
               <p:ext uri="{D42A27DB-BD31-4B8C-83A1-F6EECF244321}">
-                <p14:modId xmlns:p14="http://schemas.microsoft.com/office/powerpoint/2010/main" val="4024226742"/>
+                <p14:modId xmlns:p14="http://schemas.microsoft.com/office/powerpoint/2010/main" val="389276914"/>
               </p:ext>
             </p:extLst>
           </p:nvPr>
         </p:nvGraphicFramePr>
         <p:xfrm>
-          <a:off x="6207885" y="23165092"/>
-          <a:ext cx="3303822" cy="1662540"/>
+          <a:off x="6250421" y="22981114"/>
+          <a:ext cx="3857971" cy="2054668"/>
         </p:xfrm>
         <a:graphic>
           <a:graphicData uri="http://schemas.openxmlformats.org/drawingml/2006/chart">
@@ -8321,21 +8735,21 @@
       </p:graphicFrame>
       <p:graphicFrame>
         <p:nvGraphicFramePr>
-          <p:cNvPr id="34" name="グラフ 33"/>
+          <p:cNvPr id="40" name="グラフ 39"/>
           <p:cNvGraphicFramePr>
             <a:graphicFrameLocks/>
           </p:cNvGraphicFramePr>
           <p:nvPr>
             <p:extLst>
               <p:ext uri="{D42A27DB-BD31-4B8C-83A1-F6EECF244321}">
-                <p14:modId xmlns:p14="http://schemas.microsoft.com/office/powerpoint/2010/main" val="1564339221"/>
+                <p14:modId xmlns:p14="http://schemas.microsoft.com/office/powerpoint/2010/main" val="2695405660"/>
               </p:ext>
             </p:extLst>
           </p:nvPr>
         </p:nvGraphicFramePr>
         <p:xfrm>
-          <a:off x="1686251" y="25222802"/>
-          <a:ext cx="3547412" cy="1828197"/>
+          <a:off x="6097518" y="25025916"/>
+          <a:ext cx="4010874" cy="2357456"/>
         </p:xfrm>
         <a:graphic>
           <a:graphicData uri="http://schemas.openxmlformats.org/drawingml/2006/chart">
@@ -8343,151 +8757,39 @@
           </a:graphicData>
         </a:graphic>
       </p:graphicFrame>
-      <p:graphicFrame>
-        <p:nvGraphicFramePr>
-          <p:cNvPr id="35" name="グラフ 34"/>
-          <p:cNvGraphicFramePr>
-            <a:graphicFrameLocks/>
-          </p:cNvGraphicFramePr>
-          <p:nvPr>
-            <p:extLst>
-              <p:ext uri="{D42A27DB-BD31-4B8C-83A1-F6EECF244321}">
-                <p14:modId xmlns:p14="http://schemas.microsoft.com/office/powerpoint/2010/main" val="2885456744"/>
-              </p:ext>
-            </p:extLst>
-          </p:nvPr>
-        </p:nvGraphicFramePr>
-        <p:xfrm>
-          <a:off x="6367764" y="25320130"/>
-          <a:ext cx="3143943" cy="1838985"/>
-        </p:xfrm>
-        <a:graphic>
-          <a:graphicData uri="http://schemas.openxmlformats.org/drawingml/2006/chart">
-            <c:chart xmlns:c="http://schemas.openxmlformats.org/drawingml/2006/chart" xmlns:r="http://schemas.openxmlformats.org/officeDocument/2006/relationships" r:id="rId6"/>
-          </a:graphicData>
-        </a:graphic>
-      </p:graphicFrame>
-      <p:sp>
-        <p:nvSpPr>
-          <p:cNvPr id="8" name="角丸四角形 7"/>
-          <p:cNvSpPr/>
+      <p:pic>
+        <p:nvPicPr>
+          <p:cNvPr id="5" name="図 4"/>
+          <p:cNvPicPr>
+            <a:picLocks noChangeAspect="1"/>
+          </p:cNvPicPr>
           <p:nvPr/>
-        </p:nvSpPr>
+        </p:nvPicPr>
+        <p:blipFill>
+          <a:blip r:embed="rId6">
+            <a:extLst>
+              <a:ext uri="{28A0092B-C50C-407E-A947-70E740481C1C}">
+                <a14:useLocalDpi xmlns:a14="http://schemas.microsoft.com/office/drawing/2010/main" val="0"/>
+              </a:ext>
+            </a:extLst>
+          </a:blip>
+          <a:stretch>
+            <a:fillRect/>
+          </a:stretch>
+        </p:blipFill>
         <p:spPr>
           <a:xfrm>
-            <a:off x="4280234" y="4819435"/>
-            <a:ext cx="6640143" cy="2394518"/>
+            <a:off x="2399971" y="6483813"/>
+            <a:ext cx="5779435" cy="6666099"/>
           </a:xfrm>
-          <a:prstGeom prst="roundRect">
+          <a:prstGeom prst="rect">
             <a:avLst/>
           </a:prstGeom>
         </p:spPr>
-        <p:style>
-          <a:lnRef idx="2">
-            <a:schemeClr val="accent3"/>
-          </a:lnRef>
-          <a:fillRef idx="1">
-            <a:schemeClr val="lt1"/>
-          </a:fillRef>
-          <a:effectRef idx="0">
-            <a:schemeClr val="accent3"/>
-          </a:effectRef>
-          <a:fontRef idx="minor">
-            <a:schemeClr val="dk1"/>
-          </a:fontRef>
-        </p:style>
-        <p:txBody>
-          <a:bodyPr rtlCol="0" anchor="ctr"/>
-          <a:lstStyle/>
-          <a:p>
-            <a:r>
-              <a:rPr lang="ja-JP" altLang="en-US" sz="4000" dirty="0"/>
-              <a:t>ニコニコ動画とは，株式会社ドワンゴが運営・</a:t>
-            </a:r>
-            <a:r>
-              <a:rPr lang="ja-JP" altLang="en-US" sz="4000" dirty="0" smtClean="0"/>
-              <a:t>提供</a:t>
-            </a:r>
-            <a:r>
-              <a:rPr lang="ja-JP" altLang="en-US" sz="4000" dirty="0"/>
-              <a:t>している動画共有サービスである</a:t>
-            </a:r>
-            <a:endParaRPr kumimoji="1" lang="ja-JP" altLang="en-US" sz="4000" dirty="0"/>
-          </a:p>
-        </p:txBody>
-      </p:sp>
-      <p:sp>
-        <p:nvSpPr>
-          <p:cNvPr id="36" name="角丸四角形 35"/>
-          <p:cNvSpPr/>
-          <p:nvPr/>
-        </p:nvSpPr>
-        <p:spPr>
-          <a:xfrm>
-            <a:off x="13422086" y="4654804"/>
-            <a:ext cx="6676635" cy="2690785"/>
-          </a:xfrm>
-          <a:prstGeom prst="roundRect">
-            <a:avLst/>
-          </a:prstGeom>
-        </p:spPr>
-        <p:style>
-          <a:lnRef idx="2">
-            <a:schemeClr val="accent3"/>
-          </a:lnRef>
-          <a:fillRef idx="1">
-            <a:schemeClr val="lt1"/>
-          </a:fillRef>
-          <a:effectRef idx="0">
-            <a:schemeClr val="accent3"/>
-          </a:effectRef>
-          <a:fontRef idx="minor">
-            <a:schemeClr val="dk1"/>
-          </a:fontRef>
-        </p:style>
-        <p:txBody>
-          <a:bodyPr rtlCol="0" anchor="ctr"/>
-          <a:lstStyle/>
-          <a:p>
-            <a:r>
-              <a:rPr lang="en-US" altLang="ja-JP" sz="4000" dirty="0"/>
-              <a:t>Twitter </a:t>
-            </a:r>
-            <a:r>
-              <a:rPr lang="ja-JP" altLang="en-US" sz="4000" dirty="0"/>
-              <a:t>は，「ツイート」と称される</a:t>
-            </a:r>
-            <a:r>
-              <a:rPr lang="en-US" altLang="ja-JP" sz="4000" dirty="0"/>
-              <a:t>140 </a:t>
-            </a:r>
-            <a:r>
-              <a:rPr lang="ja-JP" altLang="en-US" sz="4000" dirty="0"/>
-              <a:t>文字</a:t>
-            </a:r>
-            <a:r>
-              <a:rPr lang="ja-JP" altLang="en-US" sz="4000" dirty="0" smtClean="0"/>
-              <a:t>以内の</a:t>
-            </a:r>
-            <a:r>
-              <a:rPr lang="ja-JP" altLang="en-US" sz="4000" dirty="0"/>
-              <a:t>短文の投稿を共有するウェブ上の情報</a:t>
-            </a:r>
-            <a:r>
-              <a:rPr lang="ja-JP" altLang="en-US" sz="4000" dirty="0" smtClean="0"/>
-              <a:t>サービスで</a:t>
-            </a:r>
-            <a:r>
-              <a:rPr lang="ja-JP" altLang="en-US" sz="4000" dirty="0"/>
-              <a:t>ある．</a:t>
-            </a:r>
-            <a:endParaRPr kumimoji="1" lang="ja-JP" altLang="en-US" sz="4000" dirty="0"/>
-          </a:p>
-        </p:txBody>
-      </p:sp>
+      </p:pic>
       <p:pic>
         <p:nvPicPr>
-          <p:cNvPr id="9" name="図 8"/>
+          <p:cNvPr id="8" name="図 7"/>
           <p:cNvPicPr>
             <a:picLocks noChangeAspect="1"/>
           </p:cNvPicPr>
@@ -8507,44 +8809,47 @@
         </p:blipFill>
         <p:spPr>
           <a:xfrm>
-            <a:off x="10629170" y="4522349"/>
-            <a:ext cx="3000302" cy="3000302"/>
+            <a:off x="10267651" y="7238152"/>
+            <a:ext cx="9296695" cy="5945294"/>
           </a:xfrm>
           <a:prstGeom prst="rect">
             <a:avLst/>
           </a:prstGeom>
         </p:spPr>
       </p:pic>
-      <p:pic>
-        <p:nvPicPr>
-          <p:cNvPr id="11" name="図 10"/>
-          <p:cNvPicPr>
-            <a:picLocks noChangeAspect="1"/>
-          </p:cNvPicPr>
+      <p:cxnSp>
+        <p:nvCxnSpPr>
+          <p:cNvPr id="6" name="直線矢印コネクタ 5"/>
+          <p:cNvCxnSpPr/>
           <p:nvPr/>
-        </p:nvPicPr>
-        <p:blipFill>
-          <a:blip r:embed="rId8">
-            <a:extLst>
-              <a:ext uri="{28A0092B-C50C-407E-A947-70E740481C1C}">
-                <a14:useLocalDpi xmlns:a14="http://schemas.microsoft.com/office/drawing/2010/main" val="0"/>
-              </a:ext>
-            </a:extLst>
-          </a:blip>
-          <a:stretch>
-            <a:fillRect/>
-          </a:stretch>
-        </p:blipFill>
+        </p:nvCxnSpPr>
         <p:spPr>
-          <a:xfrm>
-            <a:off x="1254788" y="5429234"/>
-            <a:ext cx="2857500" cy="1000125"/>
+          <a:xfrm flipH="1">
+            <a:off x="13173075" y="6938530"/>
+            <a:ext cx="2037353" cy="1125483"/>
           </a:xfrm>
-          <a:prstGeom prst="rect">
+          <a:prstGeom prst="straightConnector1">
             <a:avLst/>
           </a:prstGeom>
+          <a:ln>
+            <a:tailEnd type="triangle"/>
+          </a:ln>
         </p:spPr>
-      </p:pic>
+        <p:style>
+          <a:lnRef idx="2">
+            <a:schemeClr val="accent1"/>
+          </a:lnRef>
+          <a:fillRef idx="0">
+            <a:schemeClr val="accent1"/>
+          </a:fillRef>
+          <a:effectRef idx="1">
+            <a:schemeClr val="accent1"/>
+          </a:effectRef>
+          <a:fontRef idx="minor">
+            <a:schemeClr val="tx1"/>
+          </a:fontRef>
+        </p:style>
+      </p:cxnSp>
     </p:spTree>
     <p:extLst>
       <p:ext uri="{BB962C8B-B14F-4D97-AF65-F5344CB8AC3E}">

--- a/卒業論文/2015/杉山喜彦/中間発表/卒業中間ポスター・杉山.pptx
+++ b/卒業論文/2015/杉山喜彦/中間発表/卒業中間ポスター・杉山.pptx
@@ -285,11 +285,11 @@
           <c:showBubbleSize val="0"/>
         </c:dLbls>
         <c:smooth val="0"/>
-        <c:axId val="245474872"/>
-        <c:axId val="245474480"/>
+        <c:axId val="239751536"/>
+        <c:axId val="239748792"/>
       </c:lineChart>
       <c:catAx>
-        <c:axId val="245474872"/>
+        <c:axId val="239751536"/>
         <c:scaling>
           <c:orientation val="minMax"/>
         </c:scaling>
@@ -388,7 +388,7 @@
             <a:endParaRPr lang="ja-JP"/>
           </a:p>
         </c:txPr>
-        <c:crossAx val="245474480"/>
+        <c:crossAx val="239748792"/>
         <c:crosses val="autoZero"/>
         <c:auto val="1"/>
         <c:lblAlgn val="ctr"/>
@@ -396,7 +396,7 @@
         <c:noMultiLvlLbl val="0"/>
       </c:catAx>
       <c:valAx>
-        <c:axId val="245474480"/>
+        <c:axId val="239748792"/>
         <c:scaling>
           <c:orientation val="minMax"/>
         </c:scaling>
@@ -503,7 +503,7 @@
             <a:endParaRPr lang="ja-JP"/>
           </a:p>
         </c:txPr>
-        <c:crossAx val="245474872"/>
+        <c:crossAx val="239751536"/>
         <c:crosses val="autoZero"/>
         <c:crossBetween val="between"/>
       </c:valAx>
@@ -703,11 +703,11 @@
         </c:dLbls>
         <c:gapWidth val="219"/>
         <c:overlap val="-27"/>
-        <c:axId val="245476048"/>
-        <c:axId val="264293072"/>
+        <c:axId val="239750360"/>
+        <c:axId val="287997800"/>
       </c:barChart>
       <c:catAx>
-        <c:axId val="245476048"/>
+        <c:axId val="239750360"/>
         <c:scaling>
           <c:orientation val="minMax"/>
         </c:scaling>
@@ -806,7 +806,7 @@
             <a:endParaRPr lang="ja-JP"/>
           </a:p>
         </c:txPr>
-        <c:crossAx val="264293072"/>
+        <c:crossAx val="287997800"/>
         <c:crosses val="autoZero"/>
         <c:auto val="1"/>
         <c:lblAlgn val="ctr"/>
@@ -814,7 +814,7 @@
         <c:noMultiLvlLbl val="0"/>
       </c:catAx>
       <c:valAx>
-        <c:axId val="264293072"/>
+        <c:axId val="287997800"/>
         <c:scaling>
           <c:orientation val="minMax"/>
         </c:scaling>
@@ -921,7 +921,7 @@
             <a:endParaRPr lang="ja-JP"/>
           </a:p>
         </c:txPr>
-        <c:crossAx val="245476048"/>
+        <c:crossAx val="239750360"/>
         <c:crosses val="autoZero"/>
         <c:crossBetween val="between"/>
       </c:valAx>
@@ -1122,11 +1122,11 @@
           <c:showBubbleSize val="0"/>
         </c:dLbls>
         <c:smooth val="0"/>
-        <c:axId val="264293856"/>
-        <c:axId val="264295032"/>
+        <c:axId val="287998584"/>
+        <c:axId val="287995840"/>
       </c:lineChart>
       <c:catAx>
-        <c:axId val="264293856"/>
+        <c:axId val="287998584"/>
         <c:scaling>
           <c:orientation val="minMax"/>
         </c:scaling>
@@ -1225,7 +1225,7 @@
             <a:endParaRPr lang="ja-JP"/>
           </a:p>
         </c:txPr>
-        <c:crossAx val="264295032"/>
+        <c:crossAx val="287995840"/>
         <c:crosses val="autoZero"/>
         <c:auto val="1"/>
         <c:lblAlgn val="ctr"/>
@@ -1233,7 +1233,7 @@
         <c:noMultiLvlLbl val="0"/>
       </c:catAx>
       <c:valAx>
-        <c:axId val="264295032"/>
+        <c:axId val="287995840"/>
         <c:scaling>
           <c:orientation val="minMax"/>
         </c:scaling>
@@ -1340,7 +1340,7 @@
             <a:endParaRPr lang="ja-JP"/>
           </a:p>
         </c:txPr>
-        <c:crossAx val="264293856"/>
+        <c:crossAx val="287998584"/>
         <c:crosses val="autoZero"/>
         <c:crossBetween val="between"/>
       </c:valAx>
@@ -1540,11 +1540,11 @@
         </c:dLbls>
         <c:gapWidth val="219"/>
         <c:overlap val="-27"/>
-        <c:axId val="264290328"/>
-        <c:axId val="264294248"/>
+        <c:axId val="287996624"/>
+        <c:axId val="287998976"/>
       </c:barChart>
       <c:catAx>
-        <c:axId val="264290328"/>
+        <c:axId val="287996624"/>
         <c:scaling>
           <c:orientation val="minMax"/>
         </c:scaling>
@@ -1643,7 +1643,7 @@
             <a:endParaRPr lang="ja-JP"/>
           </a:p>
         </c:txPr>
-        <c:crossAx val="264294248"/>
+        <c:crossAx val="287998976"/>
         <c:crosses val="autoZero"/>
         <c:auto val="1"/>
         <c:lblAlgn val="ctr"/>
@@ -1651,7 +1651,7 @@
         <c:noMultiLvlLbl val="0"/>
       </c:catAx>
       <c:valAx>
-        <c:axId val="264294248"/>
+        <c:axId val="287998976"/>
         <c:scaling>
           <c:orientation val="minMax"/>
         </c:scaling>
@@ -1758,7 +1758,7 @@
             <a:endParaRPr lang="ja-JP"/>
           </a:p>
         </c:txPr>
-        <c:crossAx val="264290328"/>
+        <c:crossAx val="287996624"/>
         <c:crosses val="autoZero"/>
         <c:crossBetween val="between"/>
       </c:valAx>
@@ -7623,7 +7623,7 @@
         </p:nvSpPr>
         <p:spPr>
           <a:xfrm>
-            <a:off x="-212755" y="0"/>
+            <a:off x="-212755" y="21748"/>
             <a:ext cx="21383624" cy="30275213"/>
           </a:xfrm>
           <a:prstGeom prst="rect">
@@ -8000,7 +8000,7 @@
         <p:spPr>
           <a:xfrm>
             <a:off x="10955781" y="16569581"/>
-            <a:ext cx="9316428" cy="3087899"/>
+            <a:ext cx="9316428" cy="2214569"/>
           </a:xfrm>
           <a:prstGeom prst="rect">
             <a:avLst/>
@@ -8042,25 +8042,13 @@
             </a:r>
             <a:r>
               <a:rPr lang="ja-JP" altLang="en-US" sz="4000" dirty="0"/>
-              <a:t>時間毎の再生数を記録することができた．</a:t>
-            </a:r>
-            <a:r>
-              <a:rPr lang="en-US" altLang="ja-JP" sz="4000" dirty="0"/>
-              <a:t>Twitter</a:t>
-            </a:r>
-            <a:r>
-              <a:rPr lang="ja-JP" altLang="en-US" sz="4000" dirty="0"/>
-              <a:t>のツイート数を収集する</a:t>
-            </a:r>
-            <a:r>
-              <a:rPr lang="en-US" altLang="ja-JP" sz="4000" dirty="0"/>
-              <a:t>API</a:t>
-            </a:r>
-            <a:r>
-              <a:rPr lang="ja-JP" altLang="en-US" sz="4000" dirty="0"/>
-              <a:t>が使用できるかを確認し，データを収集する．</a:t>
-            </a:r>
-            <a:endParaRPr lang="en-US" altLang="ja-JP" sz="4000" dirty="0"/>
+              <a:t>時間毎の再生数を記録することができた</a:t>
+            </a:r>
+            <a:r>
+              <a:rPr lang="ja-JP" altLang="en-US" sz="4000" dirty="0" smtClean="0"/>
+              <a:t>．</a:t>
+            </a:r>
+            <a:endParaRPr lang="en-US" altLang="ja-JP" sz="4000" dirty="0" smtClean="0"/>
           </a:p>
         </p:txBody>
       </p:sp>
@@ -8116,8 +8104,8 @@
         </p:nvSpPr>
         <p:spPr>
           <a:xfrm>
-            <a:off x="10979022" y="21053507"/>
-            <a:ext cx="9407088" cy="8385184"/>
+            <a:off x="10979022" y="20299487"/>
+            <a:ext cx="9407088" cy="9139204"/>
           </a:xfrm>
           <a:prstGeom prst="rect">
             <a:avLst/>
@@ -8229,7 +8217,7 @@
         </p:nvSpPr>
         <p:spPr>
           <a:xfrm>
-            <a:off x="10979022" y="19833353"/>
+            <a:off x="10979022" y="18996831"/>
             <a:ext cx="4603878" cy="1220154"/>
           </a:xfrm>
           <a:prstGeom prst="roundRect">
@@ -8466,8 +8454,8 @@
         </p:nvSpPr>
         <p:spPr>
           <a:xfrm>
-            <a:off x="1028341" y="4640502"/>
-            <a:ext cx="19070380" cy="1356467"/>
+            <a:off x="1028341" y="4448668"/>
+            <a:ext cx="19070380" cy="1003476"/>
           </a:xfrm>
           <a:prstGeom prst="roundRect">
             <a:avLst/>
@@ -8498,22 +8486,7 @@
           <a:p>
             <a:r>
               <a:rPr lang="ja-JP" altLang="en-US" sz="4000" dirty="0" smtClean="0"/>
-              <a:t>ニコニコ動画にあるカテゴリ合算毎時総合ランキングの順位を上げる</a:t>
-            </a:r>
-            <a:r>
-              <a:rPr lang="ja-JP" altLang="en-US" sz="4000" dirty="0"/>
-              <a:t>ために投稿者</a:t>
-            </a:r>
-            <a:r>
-              <a:rPr lang="ja-JP" altLang="en-US" sz="4000" dirty="0" smtClean="0"/>
-              <a:t>が</a:t>
-            </a:r>
-            <a:endParaRPr lang="en-US" altLang="ja-JP" sz="4000" dirty="0" smtClean="0"/>
-          </a:p>
-          <a:p>
-            <a:r>
-              <a:rPr lang="ja-JP" altLang="en-US" sz="4000" dirty="0" smtClean="0"/>
-              <a:t>動画</a:t>
+              <a:t>ニコニコ動画</a:t>
             </a:r>
             <a:r>
               <a:rPr lang="ja-JP" altLang="en-US" sz="4000" dirty="0"/>
@@ -8524,15 +8497,7 @@
               <a:t>に</a:t>
             </a:r>
             <a:r>
-              <a:rPr lang="ja-JP" altLang="en-US" sz="4000" dirty="0"/>
-              <a:t>自身</a:t>
-            </a:r>
-            <a:r>
-              <a:rPr lang="ja-JP" altLang="en-US" sz="4000" dirty="0" smtClean="0"/>
-              <a:t>の</a:t>
-            </a:r>
-            <a:r>
-              <a:rPr lang="en-US" altLang="ja-JP" sz="4000" dirty="0"/>
+              <a:rPr lang="en-US" altLang="ja-JP" sz="4000" dirty="0" smtClean="0"/>
               <a:t>Twitter </a:t>
             </a:r>
             <a:r>
@@ -8541,11 +8506,19 @@
             </a:r>
             <a:r>
               <a:rPr lang="ja-JP" altLang="en-US" sz="4000" dirty="0"/>
-              <a:t>行くことができるリンクが貼られて</a:t>
+              <a:t>行くことができる</a:t>
             </a:r>
             <a:r>
               <a:rPr lang="ja-JP" altLang="en-US" sz="4000" dirty="0" smtClean="0"/>
-              <a:t>いた．</a:t>
+              <a:t>リンク</a:t>
+            </a:r>
+            <a:r>
+              <a:rPr lang="ja-JP" altLang="en-US" sz="4000" dirty="0" smtClean="0"/>
+              <a:t>を張り付けていた</a:t>
+            </a:r>
+            <a:r>
+              <a:rPr lang="ja-JP" altLang="en-US" sz="4000" dirty="0" smtClean="0"/>
+              <a:t>．</a:t>
             </a:r>
             <a:endParaRPr lang="en-US" altLang="ja-JP" sz="4000" dirty="0"/>
           </a:p>
@@ -8585,20 +8558,20 @@
           <a:lstStyle/>
           <a:p>
             <a:r>
+              <a:rPr lang="ja-JP" altLang="en-US" sz="4000" dirty="0"/>
+              <a:t>仮説：ニコニコ動画のカテゴリ合算毎時総合ランキングと</a:t>
+            </a:r>
+            <a:r>
+              <a:rPr lang="en-US" altLang="ja-JP" sz="4000" dirty="0"/>
+              <a:t>Twitter</a:t>
+            </a:r>
+            <a:r>
+              <a:rPr lang="ja-JP" altLang="en-US" sz="4000" dirty="0"/>
+              <a:t>のツイート数には相関が</a:t>
+            </a:r>
+            <a:r>
               <a:rPr lang="ja-JP" altLang="en-US" sz="4000" dirty="0" smtClean="0"/>
-              <a:t>私</a:t>
-            </a:r>
-            <a:r>
-              <a:rPr lang="ja-JP" altLang="en-US" sz="4000" dirty="0"/>
-              <a:t>はニコニコ動画のカテゴリ合算毎時総合ランキングと</a:t>
-            </a:r>
-            <a:r>
-              <a:rPr lang="en-US" altLang="ja-JP" sz="4000" dirty="0" smtClean="0"/>
-              <a:t>Twitter</a:t>
-            </a:r>
-            <a:r>
-              <a:rPr lang="ja-JP" altLang="en-US" sz="4000" dirty="0"/>
-              <a:t>のツイート数には相関性があると考えた．</a:t>
+              <a:t>ある．</a:t>
             </a:r>
             <a:endParaRPr kumimoji="1" lang="ja-JP" altLang="en-US" sz="4000" dirty="0"/>
           </a:p>
@@ -8612,7 +8585,7 @@
         </p:nvSpPr>
         <p:spPr>
           <a:xfrm>
-            <a:off x="12670971" y="6217431"/>
+            <a:off x="12427516" y="5916991"/>
             <a:ext cx="6894352" cy="958180"/>
           </a:xfrm>
           <a:prstGeom prst="roundRect">
@@ -8779,8 +8752,8 @@
         </p:blipFill>
         <p:spPr>
           <a:xfrm>
-            <a:off x="2399971" y="6483813"/>
-            <a:ext cx="5779435" cy="6666099"/>
+            <a:off x="1905001" y="5747327"/>
+            <a:ext cx="6274406" cy="7402585"/>
           </a:xfrm>
           <a:prstGeom prst="rect">
             <a:avLst/>
@@ -8825,8 +8798,8 @@
         </p:nvCxnSpPr>
         <p:spPr>
           <a:xfrm flipH="1">
-            <a:off x="13173075" y="6938530"/>
-            <a:ext cx="2037353" cy="1125483"/>
+            <a:off x="13173076" y="6741565"/>
+            <a:ext cx="2066924" cy="1322448"/>
           </a:xfrm>
           <a:prstGeom prst="straightConnector1">
             <a:avLst/>
